--- a/readme/React Project.pptx
+++ b/readme/React Project.pptx
@@ -13,7 +13,13 @@
     <p:sldId id="263" r:id="rId7"/>
     <p:sldId id="264" r:id="rId8"/>
     <p:sldId id="265" r:id="rId9"/>
-    <p:sldId id="261" r:id="rId10"/>
+    <p:sldId id="266" r:id="rId10"/>
+    <p:sldId id="261" r:id="rId11"/>
+    <p:sldId id="267" r:id="rId12"/>
+    <p:sldId id="268" r:id="rId13"/>
+    <p:sldId id="269" r:id="rId14"/>
+    <p:sldId id="270" r:id="rId15"/>
+    <p:sldId id="271" r:id="rId16"/>
   </p:sldIdLst>
   <p:sldSz cx="12192000" cy="6858000"/>
   <p:notesSz cx="6858000" cy="9144000"/>
@@ -112,6 +118,11 @@
       </a:defRPr>
     </a:lvl9pPr>
   </p:defaultTextStyle>
+  <p:extLst>
+    <p:ext uri="{EFAFB233-063F-42B5-8137-9DF3F51BA10A}">
+      <p15:sldGuideLst xmlns:p15="http://schemas.microsoft.com/office/powerpoint/2012/main"/>
+    </p:ext>
+  </p:extLst>
 </p:presentation>
 </file>
 
@@ -262,7 +273,7 @@
           <a:p>
             <a:fld id="{7FA71FE0-0D12-44ED-8B29-F4AFFC84D6A7}" type="datetimeFigureOut">
               <a:rPr lang="ko-KR" altLang="en-US" smtClean="0"/>
-              <a:t>2025-05-12</a:t>
+              <a:t>2025-05-13</a:t>
             </a:fld>
             <a:endParaRPr lang="ko-KR" altLang="en-US"/>
           </a:p>
@@ -460,7 +471,7 @@
           <a:p>
             <a:fld id="{7FA71FE0-0D12-44ED-8B29-F4AFFC84D6A7}" type="datetimeFigureOut">
               <a:rPr lang="ko-KR" altLang="en-US" smtClean="0"/>
-              <a:t>2025-05-12</a:t>
+              <a:t>2025-05-13</a:t>
             </a:fld>
             <a:endParaRPr lang="ko-KR" altLang="en-US"/>
           </a:p>
@@ -668,7 +679,7 @@
           <a:p>
             <a:fld id="{7FA71FE0-0D12-44ED-8B29-F4AFFC84D6A7}" type="datetimeFigureOut">
               <a:rPr lang="ko-KR" altLang="en-US" smtClean="0"/>
-              <a:t>2025-05-12</a:t>
+              <a:t>2025-05-13</a:t>
             </a:fld>
             <a:endParaRPr lang="ko-KR" altLang="en-US"/>
           </a:p>
@@ -866,7 +877,7 @@
           <a:p>
             <a:fld id="{7FA71FE0-0D12-44ED-8B29-F4AFFC84D6A7}" type="datetimeFigureOut">
               <a:rPr lang="ko-KR" altLang="en-US" smtClean="0"/>
-              <a:t>2025-05-12</a:t>
+              <a:t>2025-05-13</a:t>
             </a:fld>
             <a:endParaRPr lang="ko-KR" altLang="en-US"/>
           </a:p>
@@ -1141,7 +1152,7 @@
           <a:p>
             <a:fld id="{7FA71FE0-0D12-44ED-8B29-F4AFFC84D6A7}" type="datetimeFigureOut">
               <a:rPr lang="ko-KR" altLang="en-US" smtClean="0"/>
-              <a:t>2025-05-12</a:t>
+              <a:t>2025-05-13</a:t>
             </a:fld>
             <a:endParaRPr lang="ko-KR" altLang="en-US"/>
           </a:p>
@@ -1406,7 +1417,7 @@
           <a:p>
             <a:fld id="{7FA71FE0-0D12-44ED-8B29-F4AFFC84D6A7}" type="datetimeFigureOut">
               <a:rPr lang="ko-KR" altLang="en-US" smtClean="0"/>
-              <a:t>2025-05-12</a:t>
+              <a:t>2025-05-13</a:t>
             </a:fld>
             <a:endParaRPr lang="ko-KR" altLang="en-US"/>
           </a:p>
@@ -1818,7 +1829,7 @@
           <a:p>
             <a:fld id="{7FA71FE0-0D12-44ED-8B29-F4AFFC84D6A7}" type="datetimeFigureOut">
               <a:rPr lang="ko-KR" altLang="en-US" smtClean="0"/>
-              <a:t>2025-05-12</a:t>
+              <a:t>2025-05-13</a:t>
             </a:fld>
             <a:endParaRPr lang="ko-KR" altLang="en-US"/>
           </a:p>
@@ -1959,7 +1970,7 @@
           <a:p>
             <a:fld id="{7FA71FE0-0D12-44ED-8B29-F4AFFC84D6A7}" type="datetimeFigureOut">
               <a:rPr lang="ko-KR" altLang="en-US" smtClean="0"/>
-              <a:t>2025-05-12</a:t>
+              <a:t>2025-05-13</a:t>
             </a:fld>
             <a:endParaRPr lang="ko-KR" altLang="en-US"/>
           </a:p>
@@ -2072,7 +2083,7 @@
           <a:p>
             <a:fld id="{7FA71FE0-0D12-44ED-8B29-F4AFFC84D6A7}" type="datetimeFigureOut">
               <a:rPr lang="ko-KR" altLang="en-US" smtClean="0"/>
-              <a:t>2025-05-12</a:t>
+              <a:t>2025-05-13</a:t>
             </a:fld>
             <a:endParaRPr lang="ko-KR" altLang="en-US"/>
           </a:p>
@@ -2383,7 +2394,7 @@
           <a:p>
             <a:fld id="{7FA71FE0-0D12-44ED-8B29-F4AFFC84D6A7}" type="datetimeFigureOut">
               <a:rPr lang="ko-KR" altLang="en-US" smtClean="0"/>
-              <a:t>2025-05-12</a:t>
+              <a:t>2025-05-13</a:t>
             </a:fld>
             <a:endParaRPr lang="ko-KR" altLang="en-US"/>
           </a:p>
@@ -2671,7 +2682,7 @@
           <a:p>
             <a:fld id="{7FA71FE0-0D12-44ED-8B29-F4AFFC84D6A7}" type="datetimeFigureOut">
               <a:rPr lang="ko-KR" altLang="en-US" smtClean="0"/>
-              <a:t>2025-05-12</a:t>
+              <a:t>2025-05-13</a:t>
             </a:fld>
             <a:endParaRPr lang="ko-KR" altLang="en-US"/>
           </a:p>
@@ -2912,7 +2923,7 @@
           <a:p>
             <a:fld id="{7FA71FE0-0D12-44ED-8B29-F4AFFC84D6A7}" type="datetimeFigureOut">
               <a:rPr lang="ko-KR" altLang="en-US" smtClean="0"/>
-              <a:t>2025-05-12</a:t>
+              <a:t>2025-05-13</a:t>
             </a:fld>
             <a:endParaRPr lang="ko-KR" altLang="en-US"/>
           </a:p>
@@ -3624,7 +3635,7 @@
           <a:p>
             <a:r>
               <a:rPr lang="en-US" altLang="ko-KR" dirty="0"/>
-              <a:t>250512</a:t>
+              <a:t>250513</a:t>
             </a:r>
             <a:endParaRPr lang="ko-KR" altLang="en-US" dirty="0"/>
           </a:p>
@@ -3634,6 +3645,3063 @@
     <p:extLst>
       <p:ext uri="{BB962C8B-B14F-4D97-AF65-F5344CB8AC3E}">
         <p14:creationId xmlns:p14="http://schemas.microsoft.com/office/powerpoint/2010/main" val="3873378114"/>
+      </p:ext>
+    </p:extLst>
+  </p:cSld>
+  <p:clrMapOvr>
+    <a:masterClrMapping/>
+  </p:clrMapOvr>
+</p:sld>
+</file>
+
+<file path=ppt/slides/slide10.xml><?xml version="1.0" encoding="utf-8"?>
+<p:sld xmlns:a="http://schemas.openxmlformats.org/drawingml/2006/main" xmlns:r="http://schemas.openxmlformats.org/officeDocument/2006/relationships" xmlns:p="http://schemas.openxmlformats.org/presentationml/2006/main">
+  <p:cSld>
+    <p:spTree>
+      <p:nvGrpSpPr>
+        <p:cNvPr id="1" name=""/>
+        <p:cNvGrpSpPr/>
+        <p:nvPr/>
+      </p:nvGrpSpPr>
+      <p:grpSpPr>
+        <a:xfrm>
+          <a:off x="0" y="0"/>
+          <a:ext cx="0" cy="0"/>
+          <a:chOff x="0" y="0"/>
+          <a:chExt cx="0" cy="0"/>
+        </a:xfrm>
+      </p:grpSpPr>
+      <p:sp>
+        <p:nvSpPr>
+          <p:cNvPr id="2" name="제목 1">
+            <a:extLst>
+              <a:ext uri="{FF2B5EF4-FFF2-40B4-BE49-F238E27FC236}">
+                <a16:creationId xmlns:a16="http://schemas.microsoft.com/office/drawing/2014/main" id="{5BC4CE65-AE09-41DD-B00D-1B4CDE780D13}"/>
+              </a:ext>
+            </a:extLst>
+          </p:cNvPr>
+          <p:cNvSpPr>
+            <a:spLocks noGrp="1"/>
+          </p:cNvSpPr>
+          <p:nvPr>
+            <p:ph type="title"/>
+          </p:nvPr>
+        </p:nvSpPr>
+        <p:spPr/>
+        <p:txBody>
+          <a:bodyPr/>
+          <a:lstStyle/>
+          <a:p>
+            <a:r>
+              <a:rPr lang="en-US" altLang="ko-KR" b="1" dirty="0"/>
+              <a:t>4. </a:t>
+            </a:r>
+            <a:r>
+              <a:rPr lang="ko-KR" altLang="en-US" b="1" dirty="0"/>
+              <a:t>설계구현</a:t>
+            </a:r>
+          </a:p>
+        </p:txBody>
+      </p:sp>
+      <p:grpSp>
+        <p:nvGrpSpPr>
+          <p:cNvPr id="12" name="그룹 11">
+            <a:extLst>
+              <a:ext uri="{FF2B5EF4-FFF2-40B4-BE49-F238E27FC236}">
+                <a16:creationId xmlns:a16="http://schemas.microsoft.com/office/drawing/2014/main" id="{F512B3F7-1668-4689-B9AC-8DAD7AF6CE13}"/>
+              </a:ext>
+            </a:extLst>
+          </p:cNvPr>
+          <p:cNvGrpSpPr/>
+          <p:nvPr/>
+        </p:nvGrpSpPr>
+        <p:grpSpPr>
+          <a:xfrm>
+            <a:off x="838200" y="1690688"/>
+            <a:ext cx="5665237" cy="4973683"/>
+            <a:chOff x="838200" y="1642190"/>
+            <a:chExt cx="6269576" cy="5504251"/>
+          </a:xfrm>
+        </p:grpSpPr>
+        <p:pic>
+          <p:nvPicPr>
+            <p:cNvPr id="8" name="내용 개체 틀 4">
+              <a:extLst>
+                <a:ext uri="{FF2B5EF4-FFF2-40B4-BE49-F238E27FC236}">
+                  <a16:creationId xmlns:a16="http://schemas.microsoft.com/office/drawing/2014/main" id="{C30682BF-D7CC-4AC5-9717-323C96A50B6A}"/>
+                </a:ext>
+              </a:extLst>
+            </p:cNvPr>
+            <p:cNvPicPr>
+              <a:picLocks noChangeAspect="1"/>
+            </p:cNvPicPr>
+            <p:nvPr/>
+          </p:nvPicPr>
+          <p:blipFill>
+            <a:blip r:embed="rId2"/>
+            <a:stretch>
+              <a:fillRect/>
+            </a:stretch>
+          </p:blipFill>
+          <p:spPr>
+            <a:xfrm>
+              <a:off x="838200" y="1642190"/>
+              <a:ext cx="6267645" cy="878216"/>
+            </a:xfrm>
+            <a:prstGeom prst="rect">
+              <a:avLst/>
+            </a:prstGeom>
+          </p:spPr>
+        </p:pic>
+        <p:pic>
+          <p:nvPicPr>
+            <p:cNvPr id="9" name="그림 8">
+              <a:extLst>
+                <a:ext uri="{FF2B5EF4-FFF2-40B4-BE49-F238E27FC236}">
+                  <a16:creationId xmlns:a16="http://schemas.microsoft.com/office/drawing/2014/main" id="{368F7516-DCEC-42F8-B01D-92B75CE774A3}"/>
+                </a:ext>
+              </a:extLst>
+            </p:cNvPr>
+            <p:cNvPicPr>
+              <a:picLocks noChangeAspect="1"/>
+            </p:cNvPicPr>
+            <p:nvPr/>
+          </p:nvPicPr>
+          <p:blipFill>
+            <a:blip r:embed="rId3"/>
+            <a:stretch>
+              <a:fillRect/>
+            </a:stretch>
+          </p:blipFill>
+          <p:spPr>
+            <a:xfrm>
+              <a:off x="838200" y="2537478"/>
+              <a:ext cx="6269576" cy="2657827"/>
+            </a:xfrm>
+            <a:prstGeom prst="rect">
+              <a:avLst/>
+            </a:prstGeom>
+          </p:spPr>
+        </p:pic>
+        <p:pic>
+          <p:nvPicPr>
+            <p:cNvPr id="11" name="그림 10">
+              <a:extLst>
+                <a:ext uri="{FF2B5EF4-FFF2-40B4-BE49-F238E27FC236}">
+                  <a16:creationId xmlns:a16="http://schemas.microsoft.com/office/drawing/2014/main" id="{802920CE-1F54-4C61-AE42-C166079A3D4C}"/>
+                </a:ext>
+              </a:extLst>
+            </p:cNvPr>
+            <p:cNvPicPr>
+              <a:picLocks noChangeAspect="1"/>
+            </p:cNvPicPr>
+            <p:nvPr/>
+          </p:nvPicPr>
+          <p:blipFill>
+            <a:blip r:embed="rId4"/>
+            <a:stretch>
+              <a:fillRect/>
+            </a:stretch>
+          </p:blipFill>
+          <p:spPr>
+            <a:xfrm>
+              <a:off x="838200" y="5232883"/>
+              <a:ext cx="6267645" cy="1913558"/>
+            </a:xfrm>
+            <a:prstGeom prst="rect">
+              <a:avLst/>
+            </a:prstGeom>
+          </p:spPr>
+        </p:pic>
+      </p:grpSp>
+      <p:sp>
+        <p:nvSpPr>
+          <p:cNvPr id="15" name="직사각형 14">
+            <a:extLst>
+              <a:ext uri="{FF2B5EF4-FFF2-40B4-BE49-F238E27FC236}">
+                <a16:creationId xmlns:a16="http://schemas.microsoft.com/office/drawing/2014/main" id="{F9F7E02A-7D61-446B-B409-826E8D4DBC17}"/>
+              </a:ext>
+            </a:extLst>
+          </p:cNvPr>
+          <p:cNvSpPr/>
+          <p:nvPr/>
+        </p:nvSpPr>
+        <p:spPr>
+          <a:xfrm>
+            <a:off x="4928773" y="2465722"/>
+            <a:ext cx="1572919" cy="2469543"/>
+          </a:xfrm>
+          <a:prstGeom prst="rect">
+            <a:avLst/>
+          </a:prstGeom>
+          <a:noFill/>
+          <a:ln w="22225">
+            <a:solidFill>
+              <a:srgbClr val="FF0000"/>
+            </a:solidFill>
+            <a:prstDash val="sysDash"/>
+          </a:ln>
+        </p:spPr>
+        <p:style>
+          <a:lnRef idx="2">
+            <a:schemeClr val="accent1">
+              <a:shade val="50000"/>
+            </a:schemeClr>
+          </a:lnRef>
+          <a:fillRef idx="1">
+            <a:schemeClr val="accent1"/>
+          </a:fillRef>
+          <a:effectRef idx="0">
+            <a:schemeClr val="accent1"/>
+          </a:effectRef>
+          <a:fontRef idx="minor">
+            <a:schemeClr val="lt1"/>
+          </a:fontRef>
+        </p:style>
+        <p:txBody>
+          <a:bodyPr rtlCol="0" anchor="ctr"/>
+          <a:lstStyle/>
+          <a:p>
+            <a:pPr algn="ctr"/>
+            <a:endParaRPr lang="en-US" altLang="ko-KR" sz="1200" b="1" dirty="0">
+              <a:solidFill>
+                <a:srgbClr val="FF0000"/>
+              </a:solidFill>
+            </a:endParaRPr>
+          </a:p>
+        </p:txBody>
+      </p:sp>
+      <p:sp>
+        <p:nvSpPr>
+          <p:cNvPr id="16" name="내용 개체 틀 2">
+            <a:extLst>
+              <a:ext uri="{FF2B5EF4-FFF2-40B4-BE49-F238E27FC236}">
+                <a16:creationId xmlns:a16="http://schemas.microsoft.com/office/drawing/2014/main" id="{00697AF8-0331-4A46-BF6C-9E63D6F3A4CF}"/>
+              </a:ext>
+            </a:extLst>
+          </p:cNvPr>
+          <p:cNvSpPr>
+            <a:spLocks noGrp="1"/>
+          </p:cNvSpPr>
+          <p:nvPr>
+            <p:ph idx="1"/>
+          </p:nvPr>
+        </p:nvSpPr>
+        <p:spPr>
+          <a:xfrm>
+            <a:off x="6910892" y="1689768"/>
+            <a:ext cx="5126369" cy="520192"/>
+          </a:xfrm>
+        </p:spPr>
+        <p:txBody>
+          <a:bodyPr/>
+          <a:lstStyle/>
+          <a:p>
+            <a:r>
+              <a:rPr lang="en-US" altLang="ko-KR" b="1" u="sng" dirty="0">
+                <a:highlight>
+                  <a:srgbClr val="FFFF00"/>
+                </a:highlight>
+              </a:rPr>
+              <a:t>{</a:t>
+            </a:r>
+            <a:r>
+              <a:rPr lang="ko-KR" altLang="en-US" b="1" u="sng" dirty="0">
+                <a:highlight>
+                  <a:srgbClr val="FFFF00"/>
+                </a:highlight>
+              </a:rPr>
+              <a:t>메인</a:t>
+            </a:r>
+            <a:r>
+              <a:rPr lang="en-US" altLang="ko-KR" b="1" u="sng" dirty="0">
+                <a:highlight>
+                  <a:srgbClr val="FFFF00"/>
+                </a:highlight>
+              </a:rPr>
+              <a:t>}</a:t>
+            </a:r>
+            <a:r>
+              <a:rPr lang="ko-KR" altLang="en-US" b="1" u="sng" dirty="0">
+                <a:highlight>
+                  <a:srgbClr val="FFFF00"/>
+                </a:highlight>
+              </a:rPr>
+              <a:t>카드형 상품목록</a:t>
+            </a:r>
+          </a:p>
+        </p:txBody>
+      </p:sp>
+      <p:sp>
+        <p:nvSpPr>
+          <p:cNvPr id="17" name="TextBox 16">
+            <a:extLst>
+              <a:ext uri="{FF2B5EF4-FFF2-40B4-BE49-F238E27FC236}">
+                <a16:creationId xmlns:a16="http://schemas.microsoft.com/office/drawing/2014/main" id="{FD63A906-BD42-49C6-8924-591D3C0A8AFA}"/>
+              </a:ext>
+            </a:extLst>
+          </p:cNvPr>
+          <p:cNvSpPr txBox="1"/>
+          <p:nvPr/>
+        </p:nvSpPr>
+        <p:spPr>
+          <a:xfrm>
+            <a:off x="6910892" y="2209918"/>
+            <a:ext cx="5126373" cy="1164614"/>
+          </a:xfrm>
+          <a:prstGeom prst="rect">
+            <a:avLst/>
+          </a:prstGeom>
+          <a:noFill/>
+        </p:spPr>
+        <p:txBody>
+          <a:bodyPr wrap="square" rtlCol="0">
+            <a:spAutoFit/>
+          </a:bodyPr>
+          <a:lstStyle/>
+          <a:p>
+            <a:pPr marL="285750" indent="-285750">
+              <a:lnSpc>
+                <a:spcPct val="150000"/>
+              </a:lnSpc>
+              <a:buFont typeface="Arial" panose="020B0604020202020204" pitchFamily="34" charset="0"/>
+              <a:buChar char="•"/>
+            </a:pPr>
+            <a:r>
+              <a:rPr lang="ko-KR" altLang="en-US" sz="1200" dirty="0"/>
+              <a:t>카드안에 상품목록이 있는 구조</a:t>
+            </a:r>
+            <a:endParaRPr lang="en-US" altLang="ko-KR" sz="1200" dirty="0"/>
+          </a:p>
+          <a:p>
+            <a:pPr marL="285750" indent="-285750">
+              <a:lnSpc>
+                <a:spcPct val="150000"/>
+              </a:lnSpc>
+              <a:buFont typeface="Arial" panose="020B0604020202020204" pitchFamily="34" charset="0"/>
+              <a:buChar char="•"/>
+            </a:pPr>
+            <a:r>
+              <a:rPr lang="ko-KR" altLang="en-US" sz="1200" dirty="0"/>
+              <a:t>카드선택 </a:t>
+            </a:r>
+            <a:r>
+              <a:rPr lang="en-US" altLang="ko-KR" sz="1200" dirty="0">
+                <a:sym typeface="Wingdings" panose="05000000000000000000" pitchFamily="2" charset="2"/>
+              </a:rPr>
+              <a:t></a:t>
+            </a:r>
+            <a:r>
+              <a:rPr lang="en-US" altLang="ko-KR" sz="1200" dirty="0"/>
+              <a:t> </a:t>
+            </a:r>
+            <a:r>
+              <a:rPr lang="ko-KR" altLang="en-US" sz="1200" dirty="0" err="1"/>
+              <a:t>콜렉션</a:t>
+            </a:r>
+            <a:r>
+              <a:rPr lang="ko-KR" altLang="en-US" sz="1200" dirty="0"/>
+              <a:t> 페이지 이동</a:t>
+            </a:r>
+            <a:r>
+              <a:rPr lang="en-US" altLang="ko-KR" sz="1200" b="1" dirty="0"/>
+              <a:t>{</a:t>
+            </a:r>
+            <a:r>
+              <a:rPr lang="en-US" altLang="ko-KR" sz="1200" b="1" dirty="0" err="1"/>
+              <a:t>usePram</a:t>
+            </a:r>
+            <a:r>
+              <a:rPr lang="en-US" altLang="ko-KR" sz="1200" b="1" dirty="0"/>
+              <a:t>}</a:t>
+            </a:r>
+          </a:p>
+          <a:p>
+            <a:pPr marL="285750" indent="-285750">
+              <a:lnSpc>
+                <a:spcPct val="150000"/>
+              </a:lnSpc>
+              <a:buFont typeface="Arial" panose="020B0604020202020204" pitchFamily="34" charset="0"/>
+              <a:buChar char="•"/>
+            </a:pPr>
+            <a:r>
+              <a:rPr lang="ko-KR" altLang="en-US" sz="1200" dirty="0"/>
+              <a:t>상품선택 </a:t>
+            </a:r>
+            <a:r>
+              <a:rPr lang="en-US" altLang="ko-KR" sz="1200" dirty="0">
+                <a:sym typeface="Wingdings" panose="05000000000000000000" pitchFamily="2" charset="2"/>
+              </a:rPr>
+              <a:t> </a:t>
+            </a:r>
+            <a:r>
+              <a:rPr lang="en-US" altLang="ko-KR" sz="1200" dirty="0"/>
+              <a:t> </a:t>
+            </a:r>
+            <a:r>
+              <a:rPr lang="ko-KR" altLang="en-US" sz="1200" dirty="0" err="1"/>
+              <a:t>상품상세</a:t>
+            </a:r>
+            <a:r>
+              <a:rPr lang="ko-KR" altLang="en-US" sz="1200" dirty="0"/>
+              <a:t> 페이지 이동</a:t>
+            </a:r>
+            <a:r>
+              <a:rPr lang="en-US" altLang="ko-KR" sz="1200" b="1" dirty="0"/>
+              <a:t>{</a:t>
+            </a:r>
+            <a:r>
+              <a:rPr lang="en-US" altLang="ko-KR" sz="1200" b="1" dirty="0" err="1"/>
+              <a:t>usePram</a:t>
+            </a:r>
+            <a:r>
+              <a:rPr lang="en-US" altLang="ko-KR" sz="1200" b="1" dirty="0"/>
+              <a:t>} </a:t>
+            </a:r>
+          </a:p>
+          <a:p>
+            <a:pPr marL="285750" indent="-285750">
+              <a:lnSpc>
+                <a:spcPct val="150000"/>
+              </a:lnSpc>
+              <a:buFont typeface="Arial" panose="020B0604020202020204" pitchFamily="34" charset="0"/>
+              <a:buChar char="•"/>
+            </a:pPr>
+            <a:r>
+              <a:rPr lang="en-US" altLang="ko-KR" sz="1200" b="1" dirty="0" err="1">
+                <a:solidFill>
+                  <a:schemeClr val="tx1"/>
+                </a:solidFill>
+              </a:rPr>
+              <a:t>useNavigate</a:t>
+            </a:r>
+            <a:r>
+              <a:rPr lang="en-US" altLang="ko-KR" sz="1200" b="1" dirty="0">
+                <a:solidFill>
+                  <a:schemeClr val="tx1"/>
+                </a:solidFill>
+              </a:rPr>
+              <a:t>, map</a:t>
+            </a:r>
+            <a:r>
+              <a:rPr lang="ko-KR" altLang="en-US" sz="1200" dirty="0"/>
+              <a:t>함수 중첩사용으로 구현</a:t>
+            </a:r>
+          </a:p>
+        </p:txBody>
+      </p:sp>
+      <p:pic>
+        <p:nvPicPr>
+          <p:cNvPr id="19" name="그림 18">
+            <a:extLst>
+              <a:ext uri="{FF2B5EF4-FFF2-40B4-BE49-F238E27FC236}">
+                <a16:creationId xmlns:a16="http://schemas.microsoft.com/office/drawing/2014/main" id="{DB3CEA06-6FB0-45E9-80CA-6713CE007F2C}"/>
+              </a:ext>
+            </a:extLst>
+          </p:cNvPr>
+          <p:cNvPicPr>
+            <a:picLocks noChangeAspect="1"/>
+          </p:cNvPicPr>
+          <p:nvPr/>
+        </p:nvPicPr>
+        <p:blipFill>
+          <a:blip r:embed="rId5"/>
+          <a:stretch>
+            <a:fillRect/>
+          </a:stretch>
+        </p:blipFill>
+        <p:spPr>
+          <a:xfrm>
+            <a:off x="9672753" y="3429000"/>
+            <a:ext cx="2097829" cy="3279638"/>
+          </a:xfrm>
+          <a:prstGeom prst="rect">
+            <a:avLst/>
+          </a:prstGeom>
+        </p:spPr>
+      </p:pic>
+      <p:pic>
+        <p:nvPicPr>
+          <p:cNvPr id="21" name="그림 20">
+            <a:extLst>
+              <a:ext uri="{FF2B5EF4-FFF2-40B4-BE49-F238E27FC236}">
+                <a16:creationId xmlns:a16="http://schemas.microsoft.com/office/drawing/2014/main" id="{23D03BA3-E79B-4ABD-BB5B-5A91AD72C80E}"/>
+              </a:ext>
+            </a:extLst>
+          </p:cNvPr>
+          <p:cNvPicPr>
+            <a:picLocks noChangeAspect="1"/>
+          </p:cNvPicPr>
+          <p:nvPr/>
+        </p:nvPicPr>
+        <p:blipFill>
+          <a:blip r:embed="rId6"/>
+          <a:stretch>
+            <a:fillRect/>
+          </a:stretch>
+        </p:blipFill>
+        <p:spPr>
+          <a:xfrm>
+            <a:off x="6910892" y="3442452"/>
+            <a:ext cx="2695833" cy="2401633"/>
+          </a:xfrm>
+          <a:prstGeom prst="rect">
+            <a:avLst/>
+          </a:prstGeom>
+        </p:spPr>
+      </p:pic>
+      <p:sp>
+        <p:nvSpPr>
+          <p:cNvPr id="22" name="직사각형 21">
+            <a:extLst>
+              <a:ext uri="{FF2B5EF4-FFF2-40B4-BE49-F238E27FC236}">
+                <a16:creationId xmlns:a16="http://schemas.microsoft.com/office/drawing/2014/main" id="{3455D3FE-06B9-4DC7-B64D-181D303640CB}"/>
+              </a:ext>
+            </a:extLst>
+          </p:cNvPr>
+          <p:cNvSpPr/>
+          <p:nvPr/>
+        </p:nvSpPr>
+        <p:spPr>
+          <a:xfrm>
+            <a:off x="7678219" y="5910737"/>
+            <a:ext cx="1161177" cy="234000"/>
+          </a:xfrm>
+          <a:prstGeom prst="rect">
+            <a:avLst/>
+          </a:prstGeom>
+          <a:noFill/>
+          <a:ln>
+            <a:noFill/>
+          </a:ln>
+        </p:spPr>
+        <p:style>
+          <a:lnRef idx="2">
+            <a:schemeClr val="accent1">
+              <a:shade val="50000"/>
+            </a:schemeClr>
+          </a:lnRef>
+          <a:fillRef idx="1">
+            <a:schemeClr val="accent1"/>
+          </a:fillRef>
+          <a:effectRef idx="0">
+            <a:schemeClr val="accent1"/>
+          </a:effectRef>
+          <a:fontRef idx="minor">
+            <a:schemeClr val="lt1"/>
+          </a:fontRef>
+        </p:style>
+        <p:txBody>
+          <a:bodyPr rtlCol="0" anchor="ctr"/>
+          <a:lstStyle/>
+          <a:p>
+            <a:r>
+              <a:rPr lang="en-US" altLang="ko-KR" sz="1100" b="1" dirty="0">
+                <a:solidFill>
+                  <a:schemeClr val="tx1"/>
+                </a:solidFill>
+              </a:rPr>
+              <a:t>{</a:t>
+            </a:r>
+            <a:r>
+              <a:rPr lang="en-US" altLang="ko-KR" sz="1100" b="1" dirty="0" err="1">
+                <a:solidFill>
+                  <a:schemeClr val="tx1"/>
+                </a:solidFill>
+              </a:rPr>
+              <a:t>useNavigate</a:t>
+            </a:r>
+            <a:r>
+              <a:rPr lang="en-US" altLang="ko-KR" sz="1100" b="1" dirty="0">
+                <a:solidFill>
+                  <a:schemeClr val="tx1"/>
+                </a:solidFill>
+              </a:rPr>
+              <a:t>}</a:t>
+            </a:r>
+          </a:p>
+        </p:txBody>
+      </p:sp>
+      <p:sp>
+        <p:nvSpPr>
+          <p:cNvPr id="23" name="직사각형 22">
+            <a:extLst>
+              <a:ext uri="{FF2B5EF4-FFF2-40B4-BE49-F238E27FC236}">
+                <a16:creationId xmlns:a16="http://schemas.microsoft.com/office/drawing/2014/main" id="{DD58C8E0-C889-41EB-B693-0D589A94244E}"/>
+              </a:ext>
+            </a:extLst>
+          </p:cNvPr>
+          <p:cNvSpPr/>
+          <p:nvPr/>
+        </p:nvSpPr>
+        <p:spPr>
+          <a:xfrm>
+            <a:off x="8748398" y="6474638"/>
+            <a:ext cx="1161177" cy="234000"/>
+          </a:xfrm>
+          <a:prstGeom prst="rect">
+            <a:avLst/>
+          </a:prstGeom>
+          <a:noFill/>
+          <a:ln>
+            <a:noFill/>
+          </a:ln>
+        </p:spPr>
+        <p:style>
+          <a:lnRef idx="2">
+            <a:schemeClr val="accent1">
+              <a:shade val="50000"/>
+            </a:schemeClr>
+          </a:lnRef>
+          <a:fillRef idx="1">
+            <a:schemeClr val="accent1"/>
+          </a:fillRef>
+          <a:effectRef idx="0">
+            <a:schemeClr val="accent1"/>
+          </a:effectRef>
+          <a:fontRef idx="minor">
+            <a:schemeClr val="lt1"/>
+          </a:fontRef>
+        </p:style>
+        <p:txBody>
+          <a:bodyPr rtlCol="0" anchor="ctr"/>
+          <a:lstStyle/>
+          <a:p>
+            <a:r>
+              <a:rPr lang="en-US" altLang="ko-KR" sz="1100" b="1" dirty="0">
+                <a:solidFill>
+                  <a:schemeClr val="tx1"/>
+                </a:solidFill>
+              </a:rPr>
+              <a:t>{map </a:t>
+            </a:r>
+            <a:r>
+              <a:rPr lang="ko-KR" altLang="en-US" sz="1100" b="1" dirty="0">
+                <a:solidFill>
+                  <a:schemeClr val="tx1"/>
+                </a:solidFill>
+              </a:rPr>
+              <a:t>중첩</a:t>
+            </a:r>
+            <a:r>
+              <a:rPr lang="en-US" altLang="ko-KR" sz="1100" b="1" dirty="0">
+                <a:solidFill>
+                  <a:schemeClr val="tx1"/>
+                </a:solidFill>
+              </a:rPr>
+              <a:t>}</a:t>
+            </a:r>
+          </a:p>
+        </p:txBody>
+      </p:sp>
+    </p:spTree>
+    <p:extLst>
+      <p:ext uri="{BB962C8B-B14F-4D97-AF65-F5344CB8AC3E}">
+        <p14:creationId xmlns:p14="http://schemas.microsoft.com/office/powerpoint/2010/main" val="551985489"/>
+      </p:ext>
+    </p:extLst>
+  </p:cSld>
+  <p:clrMapOvr>
+    <a:masterClrMapping/>
+  </p:clrMapOvr>
+</p:sld>
+</file>
+
+<file path=ppt/slides/slide11.xml><?xml version="1.0" encoding="utf-8"?>
+<p:sld xmlns:a="http://schemas.openxmlformats.org/drawingml/2006/main" xmlns:r="http://schemas.openxmlformats.org/officeDocument/2006/relationships" xmlns:p="http://schemas.openxmlformats.org/presentationml/2006/main">
+  <p:cSld>
+    <p:spTree>
+      <p:nvGrpSpPr>
+        <p:cNvPr id="1" name=""/>
+        <p:cNvGrpSpPr/>
+        <p:nvPr/>
+      </p:nvGrpSpPr>
+      <p:grpSpPr>
+        <a:xfrm>
+          <a:off x="0" y="0"/>
+          <a:ext cx="0" cy="0"/>
+          <a:chOff x="0" y="0"/>
+          <a:chExt cx="0" cy="0"/>
+        </a:xfrm>
+      </p:grpSpPr>
+      <p:pic>
+        <p:nvPicPr>
+          <p:cNvPr id="8" name="내용 개체 틀 4">
+            <a:extLst>
+              <a:ext uri="{FF2B5EF4-FFF2-40B4-BE49-F238E27FC236}">
+                <a16:creationId xmlns:a16="http://schemas.microsoft.com/office/drawing/2014/main" id="{C30682BF-D7CC-4AC5-9717-323C96A50B6A}"/>
+              </a:ext>
+            </a:extLst>
+          </p:cNvPr>
+          <p:cNvPicPr>
+            <a:picLocks noChangeAspect="1"/>
+          </p:cNvPicPr>
+          <p:nvPr/>
+        </p:nvPicPr>
+        <p:blipFill>
+          <a:blip r:embed="rId2"/>
+          <a:stretch>
+            <a:fillRect/>
+          </a:stretch>
+        </p:blipFill>
+        <p:spPr>
+          <a:xfrm>
+            <a:off x="838200" y="1690688"/>
+            <a:ext cx="5663492" cy="793563"/>
+          </a:xfrm>
+          <a:prstGeom prst="rect">
+            <a:avLst/>
+          </a:prstGeom>
+        </p:spPr>
+      </p:pic>
+      <p:pic>
+        <p:nvPicPr>
+          <p:cNvPr id="6" name="그림 5">
+            <a:extLst>
+              <a:ext uri="{FF2B5EF4-FFF2-40B4-BE49-F238E27FC236}">
+                <a16:creationId xmlns:a16="http://schemas.microsoft.com/office/drawing/2014/main" id="{219005EF-2424-4DE1-B70E-C68CCE8DA695}"/>
+              </a:ext>
+            </a:extLst>
+          </p:cNvPr>
+          <p:cNvPicPr>
+            <a:picLocks noChangeAspect="1"/>
+          </p:cNvPicPr>
+          <p:nvPr/>
+        </p:nvPicPr>
+        <p:blipFill>
+          <a:blip r:embed="rId3"/>
+          <a:stretch>
+            <a:fillRect/>
+          </a:stretch>
+        </p:blipFill>
+        <p:spPr>
+          <a:xfrm>
+            <a:off x="841581" y="2653725"/>
+            <a:ext cx="5660112" cy="3216961"/>
+          </a:xfrm>
+          <a:prstGeom prst="rect">
+            <a:avLst/>
+          </a:prstGeom>
+        </p:spPr>
+      </p:pic>
+      <p:sp>
+        <p:nvSpPr>
+          <p:cNvPr id="2" name="제목 1">
+            <a:extLst>
+              <a:ext uri="{FF2B5EF4-FFF2-40B4-BE49-F238E27FC236}">
+                <a16:creationId xmlns:a16="http://schemas.microsoft.com/office/drawing/2014/main" id="{5BC4CE65-AE09-41DD-B00D-1B4CDE780D13}"/>
+              </a:ext>
+            </a:extLst>
+          </p:cNvPr>
+          <p:cNvSpPr>
+            <a:spLocks noGrp="1"/>
+          </p:cNvSpPr>
+          <p:nvPr>
+            <p:ph type="title"/>
+          </p:nvPr>
+        </p:nvSpPr>
+        <p:spPr/>
+        <p:txBody>
+          <a:bodyPr/>
+          <a:lstStyle/>
+          <a:p>
+            <a:r>
+              <a:rPr lang="en-US" altLang="ko-KR" b="1" dirty="0"/>
+              <a:t>4. </a:t>
+            </a:r>
+            <a:r>
+              <a:rPr lang="ko-KR" altLang="en-US" b="1" dirty="0"/>
+              <a:t>설계구현</a:t>
+            </a:r>
+          </a:p>
+        </p:txBody>
+      </p:sp>
+      <p:sp>
+        <p:nvSpPr>
+          <p:cNvPr id="15" name="직사각형 14">
+            <a:extLst>
+              <a:ext uri="{FF2B5EF4-FFF2-40B4-BE49-F238E27FC236}">
+                <a16:creationId xmlns:a16="http://schemas.microsoft.com/office/drawing/2014/main" id="{F9F7E02A-7D61-446B-B409-826E8D4DBC17}"/>
+              </a:ext>
+            </a:extLst>
+          </p:cNvPr>
+          <p:cNvSpPr/>
+          <p:nvPr/>
+        </p:nvSpPr>
+        <p:spPr>
+          <a:xfrm>
+            <a:off x="925940" y="3396927"/>
+            <a:ext cx="5484191" cy="412887"/>
+          </a:xfrm>
+          <a:prstGeom prst="rect">
+            <a:avLst/>
+          </a:prstGeom>
+          <a:noFill/>
+          <a:ln w="22225">
+            <a:solidFill>
+              <a:srgbClr val="FF0000"/>
+            </a:solidFill>
+            <a:prstDash val="sysDash"/>
+          </a:ln>
+        </p:spPr>
+        <p:style>
+          <a:lnRef idx="2">
+            <a:schemeClr val="accent1">
+              <a:shade val="50000"/>
+            </a:schemeClr>
+          </a:lnRef>
+          <a:fillRef idx="1">
+            <a:schemeClr val="accent1"/>
+          </a:fillRef>
+          <a:effectRef idx="0">
+            <a:schemeClr val="accent1"/>
+          </a:effectRef>
+          <a:fontRef idx="minor">
+            <a:schemeClr val="lt1"/>
+          </a:fontRef>
+        </p:style>
+        <p:txBody>
+          <a:bodyPr rtlCol="0" anchor="ctr"/>
+          <a:lstStyle/>
+          <a:p>
+            <a:pPr algn="ctr"/>
+            <a:endParaRPr lang="en-US" altLang="ko-KR" sz="1200" b="1" dirty="0">
+              <a:solidFill>
+                <a:srgbClr val="FF0000"/>
+              </a:solidFill>
+            </a:endParaRPr>
+          </a:p>
+        </p:txBody>
+      </p:sp>
+      <p:sp>
+        <p:nvSpPr>
+          <p:cNvPr id="16" name="내용 개체 틀 2">
+            <a:extLst>
+              <a:ext uri="{FF2B5EF4-FFF2-40B4-BE49-F238E27FC236}">
+                <a16:creationId xmlns:a16="http://schemas.microsoft.com/office/drawing/2014/main" id="{00697AF8-0331-4A46-BF6C-9E63D6F3A4CF}"/>
+              </a:ext>
+            </a:extLst>
+          </p:cNvPr>
+          <p:cNvSpPr>
+            <a:spLocks noGrp="1"/>
+          </p:cNvSpPr>
+          <p:nvPr>
+            <p:ph idx="1"/>
+          </p:nvPr>
+        </p:nvSpPr>
+        <p:spPr>
+          <a:xfrm>
+            <a:off x="6910892" y="1689768"/>
+            <a:ext cx="5126369" cy="520192"/>
+          </a:xfrm>
+        </p:spPr>
+        <p:txBody>
+          <a:bodyPr>
+            <a:normAutofit fontScale="92500"/>
+          </a:bodyPr>
+          <a:lstStyle/>
+          <a:p>
+            <a:r>
+              <a:rPr lang="en-US" altLang="ko-KR" b="1" u="sng" dirty="0">
+                <a:highlight>
+                  <a:srgbClr val="FFFF00"/>
+                </a:highlight>
+              </a:rPr>
+              <a:t>{</a:t>
+            </a:r>
+            <a:r>
+              <a:rPr lang="ko-KR" altLang="en-US" b="1" u="sng" dirty="0" err="1">
+                <a:highlight>
+                  <a:srgbClr val="FFFF00"/>
+                </a:highlight>
+              </a:rPr>
+              <a:t>콜렉션</a:t>
+            </a:r>
+            <a:r>
+              <a:rPr lang="en-US" altLang="ko-KR" b="1" u="sng" dirty="0">
+                <a:highlight>
+                  <a:srgbClr val="FFFF00"/>
+                </a:highlight>
+              </a:rPr>
+              <a:t>} </a:t>
+            </a:r>
+            <a:r>
+              <a:rPr lang="ko-KR" altLang="en-US" b="1" u="sng" dirty="0">
+                <a:highlight>
+                  <a:srgbClr val="FFFF00"/>
+                </a:highlight>
+              </a:rPr>
+              <a:t>할인 종료 카운트다운</a:t>
+            </a:r>
+          </a:p>
+        </p:txBody>
+      </p:sp>
+      <p:sp>
+        <p:nvSpPr>
+          <p:cNvPr id="17" name="TextBox 16">
+            <a:extLst>
+              <a:ext uri="{FF2B5EF4-FFF2-40B4-BE49-F238E27FC236}">
+                <a16:creationId xmlns:a16="http://schemas.microsoft.com/office/drawing/2014/main" id="{FD63A906-BD42-49C6-8924-591D3C0A8AFA}"/>
+              </a:ext>
+            </a:extLst>
+          </p:cNvPr>
+          <p:cNvSpPr txBox="1"/>
+          <p:nvPr/>
+        </p:nvSpPr>
+        <p:spPr>
+          <a:xfrm>
+            <a:off x="6910892" y="2209918"/>
+            <a:ext cx="5126373" cy="892360"/>
+          </a:xfrm>
+          <a:prstGeom prst="rect">
+            <a:avLst/>
+          </a:prstGeom>
+          <a:noFill/>
+        </p:spPr>
+        <p:txBody>
+          <a:bodyPr wrap="square" rtlCol="0">
+            <a:spAutoFit/>
+          </a:bodyPr>
+          <a:lstStyle/>
+          <a:p>
+            <a:pPr marL="285750" indent="-285750">
+              <a:lnSpc>
+                <a:spcPct val="150000"/>
+              </a:lnSpc>
+              <a:buFont typeface="Arial" panose="020B0604020202020204" pitchFamily="34" charset="0"/>
+              <a:buChar char="•"/>
+            </a:pPr>
+            <a:r>
+              <a:rPr lang="ko-KR" altLang="en-US" sz="1200" dirty="0"/>
+              <a:t>페이지 로딩 시 설정된 할인기간의 시간을 카운트다운</a:t>
+            </a:r>
+            <a:r>
+              <a:rPr lang="en-US" altLang="ko-KR" sz="1200" dirty="0"/>
+              <a:t> </a:t>
+            </a:r>
+          </a:p>
+          <a:p>
+            <a:pPr marL="285750" indent="-285750">
+              <a:lnSpc>
+                <a:spcPct val="150000"/>
+              </a:lnSpc>
+              <a:buFont typeface="Arial" panose="020B0604020202020204" pitchFamily="34" charset="0"/>
+              <a:buChar char="•"/>
+            </a:pPr>
+            <a:r>
+              <a:rPr lang="ko-KR" altLang="en-US" sz="1200" dirty="0"/>
+              <a:t>남은 시간을 초단위로 감소시키고 바</a:t>
+            </a:r>
+            <a:r>
+              <a:rPr lang="en-US" altLang="ko-KR" sz="1200" dirty="0"/>
+              <a:t>(Bar)</a:t>
+            </a:r>
+            <a:r>
+              <a:rPr lang="ko-KR" altLang="en-US" sz="1200" dirty="0"/>
+              <a:t>의 길이를 줄임 </a:t>
+            </a:r>
+            <a:r>
+              <a:rPr lang="en-US" altLang="ko-KR" sz="1200" dirty="0"/>
+              <a:t> </a:t>
+            </a:r>
+          </a:p>
+          <a:p>
+            <a:pPr marL="285750" indent="-285750">
+              <a:lnSpc>
+                <a:spcPct val="150000"/>
+              </a:lnSpc>
+              <a:buFont typeface="Arial" panose="020B0604020202020204" pitchFamily="34" charset="0"/>
+              <a:buChar char="•"/>
+            </a:pPr>
+            <a:r>
+              <a:rPr lang="en-US" altLang="ko-KR" sz="1200" b="1" dirty="0" err="1">
+                <a:solidFill>
+                  <a:schemeClr val="tx1"/>
+                </a:solidFill>
+              </a:rPr>
+              <a:t>useEffect</a:t>
+            </a:r>
+            <a:r>
+              <a:rPr lang="en-US" altLang="ko-KR" sz="1200" b="1" dirty="0">
+                <a:solidFill>
+                  <a:schemeClr val="tx1"/>
+                </a:solidFill>
+              </a:rPr>
+              <a:t>, </a:t>
+            </a:r>
+            <a:r>
+              <a:rPr lang="en-US" altLang="ko-KR" sz="1200" b="1" dirty="0">
+                <a:effectLst/>
+                <a:latin typeface="Consolas" panose="020B0609020204030204" pitchFamily="49" charset="0"/>
+              </a:rPr>
+              <a:t>Math </a:t>
+            </a:r>
+            <a:r>
+              <a:rPr lang="ko-KR" altLang="en-US" sz="1200" b="1" dirty="0">
+                <a:effectLst/>
+                <a:latin typeface="Consolas" panose="020B0609020204030204" pitchFamily="49" charset="0"/>
+              </a:rPr>
+              <a:t>함수</a:t>
+            </a:r>
+            <a:r>
+              <a:rPr lang="en-US" altLang="ko-KR" sz="1200" b="1" dirty="0"/>
+              <a:t> </a:t>
+            </a:r>
+            <a:r>
+              <a:rPr lang="ko-KR" altLang="en-US" sz="1200" dirty="0"/>
+              <a:t>사용으로 구현</a:t>
+            </a:r>
+          </a:p>
+        </p:txBody>
+      </p:sp>
+      <p:sp>
+        <p:nvSpPr>
+          <p:cNvPr id="22" name="직사각형 21">
+            <a:extLst>
+              <a:ext uri="{FF2B5EF4-FFF2-40B4-BE49-F238E27FC236}">
+                <a16:creationId xmlns:a16="http://schemas.microsoft.com/office/drawing/2014/main" id="{3455D3FE-06B9-4DC7-B64D-181D303640CB}"/>
+              </a:ext>
+            </a:extLst>
+          </p:cNvPr>
+          <p:cNvSpPr/>
+          <p:nvPr/>
+        </p:nvSpPr>
+        <p:spPr>
+          <a:xfrm>
+            <a:off x="7829031" y="5913672"/>
+            <a:ext cx="1161177" cy="234000"/>
+          </a:xfrm>
+          <a:prstGeom prst="rect">
+            <a:avLst/>
+          </a:prstGeom>
+          <a:noFill/>
+          <a:ln>
+            <a:noFill/>
+          </a:ln>
+        </p:spPr>
+        <p:style>
+          <a:lnRef idx="2">
+            <a:schemeClr val="accent1">
+              <a:shade val="50000"/>
+            </a:schemeClr>
+          </a:lnRef>
+          <a:fillRef idx="1">
+            <a:schemeClr val="accent1"/>
+          </a:fillRef>
+          <a:effectRef idx="0">
+            <a:schemeClr val="accent1"/>
+          </a:effectRef>
+          <a:fontRef idx="minor">
+            <a:schemeClr val="lt1"/>
+          </a:fontRef>
+        </p:style>
+        <p:txBody>
+          <a:bodyPr rtlCol="0" anchor="ctr"/>
+          <a:lstStyle/>
+          <a:p>
+            <a:pPr algn="ctr"/>
+            <a:r>
+              <a:rPr lang="en-US" altLang="ko-KR" sz="1100" b="1" dirty="0">
+                <a:solidFill>
+                  <a:schemeClr val="tx1"/>
+                </a:solidFill>
+              </a:rPr>
+              <a:t>{</a:t>
+            </a:r>
+            <a:r>
+              <a:rPr lang="en-US" altLang="ko-KR" sz="1100" b="1" dirty="0" err="1">
+                <a:solidFill>
+                  <a:schemeClr val="tx1"/>
+                </a:solidFill>
+              </a:rPr>
+              <a:t>useEffect</a:t>
+            </a:r>
+            <a:r>
+              <a:rPr lang="en-US" altLang="ko-KR" sz="1100" b="1" dirty="0">
+                <a:solidFill>
+                  <a:schemeClr val="tx1"/>
+                </a:solidFill>
+              </a:rPr>
+              <a:t>}</a:t>
+            </a:r>
+          </a:p>
+        </p:txBody>
+      </p:sp>
+      <p:pic>
+        <p:nvPicPr>
+          <p:cNvPr id="13" name="그림 12">
+            <a:extLst>
+              <a:ext uri="{FF2B5EF4-FFF2-40B4-BE49-F238E27FC236}">
+                <a16:creationId xmlns:a16="http://schemas.microsoft.com/office/drawing/2014/main" id="{C737053D-DF0B-49EF-B343-7A07C5C70A79}"/>
+              </a:ext>
+            </a:extLst>
+          </p:cNvPr>
+          <p:cNvPicPr>
+            <a:picLocks noChangeAspect="1"/>
+          </p:cNvPicPr>
+          <p:nvPr/>
+        </p:nvPicPr>
+        <p:blipFill>
+          <a:blip r:embed="rId4"/>
+          <a:stretch>
+            <a:fillRect/>
+          </a:stretch>
+        </p:blipFill>
+        <p:spPr>
+          <a:xfrm>
+            <a:off x="6910892" y="3257519"/>
+            <a:ext cx="2997457" cy="2613167"/>
+          </a:xfrm>
+          <a:prstGeom prst="rect">
+            <a:avLst/>
+          </a:prstGeom>
+        </p:spPr>
+      </p:pic>
+      <p:pic>
+        <p:nvPicPr>
+          <p:cNvPr id="18" name="그림 17">
+            <a:extLst>
+              <a:ext uri="{FF2B5EF4-FFF2-40B4-BE49-F238E27FC236}">
+                <a16:creationId xmlns:a16="http://schemas.microsoft.com/office/drawing/2014/main" id="{84D3D537-678B-427A-8E13-1C9B4E4D29D6}"/>
+              </a:ext>
+            </a:extLst>
+          </p:cNvPr>
+          <p:cNvPicPr>
+            <a:picLocks noChangeAspect="1"/>
+          </p:cNvPicPr>
+          <p:nvPr/>
+        </p:nvPicPr>
+        <p:blipFill>
+          <a:blip r:embed="rId5"/>
+          <a:stretch>
+            <a:fillRect/>
+          </a:stretch>
+        </p:blipFill>
+        <p:spPr>
+          <a:xfrm>
+            <a:off x="10084363" y="3257519"/>
+            <a:ext cx="1952898" cy="905001"/>
+          </a:xfrm>
+          <a:prstGeom prst="rect">
+            <a:avLst/>
+          </a:prstGeom>
+        </p:spPr>
+      </p:pic>
+      <p:sp>
+        <p:nvSpPr>
+          <p:cNvPr id="24" name="직사각형 23">
+            <a:extLst>
+              <a:ext uri="{FF2B5EF4-FFF2-40B4-BE49-F238E27FC236}">
+                <a16:creationId xmlns:a16="http://schemas.microsoft.com/office/drawing/2014/main" id="{D3D3E64A-4204-465E-8047-F75D22E02604}"/>
+              </a:ext>
+            </a:extLst>
+          </p:cNvPr>
+          <p:cNvSpPr/>
+          <p:nvPr/>
+        </p:nvSpPr>
+        <p:spPr>
+          <a:xfrm>
+            <a:off x="10079427" y="4262205"/>
+            <a:ext cx="1952898" cy="234000"/>
+          </a:xfrm>
+          <a:prstGeom prst="rect">
+            <a:avLst/>
+          </a:prstGeom>
+          <a:noFill/>
+          <a:ln>
+            <a:noFill/>
+          </a:ln>
+        </p:spPr>
+        <p:style>
+          <a:lnRef idx="2">
+            <a:schemeClr val="accent1">
+              <a:shade val="50000"/>
+            </a:schemeClr>
+          </a:lnRef>
+          <a:fillRef idx="1">
+            <a:schemeClr val="accent1"/>
+          </a:fillRef>
+          <a:effectRef idx="0">
+            <a:schemeClr val="accent1"/>
+          </a:effectRef>
+          <a:fontRef idx="minor">
+            <a:schemeClr val="lt1"/>
+          </a:fontRef>
+        </p:style>
+        <p:txBody>
+          <a:bodyPr rtlCol="0" anchor="ctr"/>
+          <a:lstStyle/>
+          <a:p>
+            <a:pPr algn="ctr"/>
+            <a:r>
+              <a:rPr lang="en-US" altLang="ko-KR" sz="1100" b="1" dirty="0">
+                <a:solidFill>
+                  <a:schemeClr val="tx1"/>
+                </a:solidFill>
+              </a:rPr>
+              <a:t>{Bar </a:t>
+            </a:r>
+            <a:r>
+              <a:rPr lang="ko-KR" altLang="en-US" sz="1100" b="1" dirty="0">
+                <a:solidFill>
+                  <a:schemeClr val="tx1"/>
+                </a:solidFill>
+              </a:rPr>
+              <a:t>길이 변화 스타일링</a:t>
+            </a:r>
+            <a:r>
+              <a:rPr lang="en-US" altLang="ko-KR" sz="1100" b="1" dirty="0">
+                <a:solidFill>
+                  <a:schemeClr val="tx1"/>
+                </a:solidFill>
+              </a:rPr>
+              <a:t>}</a:t>
+            </a:r>
+          </a:p>
+        </p:txBody>
+      </p:sp>
+    </p:spTree>
+    <p:extLst>
+      <p:ext uri="{BB962C8B-B14F-4D97-AF65-F5344CB8AC3E}">
+        <p14:creationId xmlns:p14="http://schemas.microsoft.com/office/powerpoint/2010/main" val="144418798"/>
+      </p:ext>
+    </p:extLst>
+  </p:cSld>
+  <p:clrMapOvr>
+    <a:masterClrMapping/>
+  </p:clrMapOvr>
+</p:sld>
+</file>
+
+<file path=ppt/slides/slide12.xml><?xml version="1.0" encoding="utf-8"?>
+<p:sld xmlns:a="http://schemas.openxmlformats.org/drawingml/2006/main" xmlns:r="http://schemas.openxmlformats.org/officeDocument/2006/relationships" xmlns:p="http://schemas.openxmlformats.org/presentationml/2006/main">
+  <p:cSld>
+    <p:spTree>
+      <p:nvGrpSpPr>
+        <p:cNvPr id="1" name=""/>
+        <p:cNvGrpSpPr/>
+        <p:nvPr/>
+      </p:nvGrpSpPr>
+      <p:grpSpPr>
+        <a:xfrm>
+          <a:off x="0" y="0"/>
+          <a:ext cx="0" cy="0"/>
+          <a:chOff x="0" y="0"/>
+          <a:chExt cx="0" cy="0"/>
+        </a:xfrm>
+      </p:grpSpPr>
+      <p:pic>
+        <p:nvPicPr>
+          <p:cNvPr id="4" name="그림 3">
+            <a:extLst>
+              <a:ext uri="{FF2B5EF4-FFF2-40B4-BE49-F238E27FC236}">
+                <a16:creationId xmlns:a16="http://schemas.microsoft.com/office/drawing/2014/main" id="{8F9DD679-C6C5-475D-85F2-F0368A90BA41}"/>
+              </a:ext>
+            </a:extLst>
+          </p:cNvPr>
+          <p:cNvPicPr>
+            <a:picLocks noChangeAspect="1"/>
+          </p:cNvPicPr>
+          <p:nvPr/>
+        </p:nvPicPr>
+        <p:blipFill>
+          <a:blip r:embed="rId2"/>
+          <a:stretch>
+            <a:fillRect/>
+          </a:stretch>
+        </p:blipFill>
+        <p:spPr>
+          <a:xfrm>
+            <a:off x="425179" y="2649884"/>
+            <a:ext cx="6076513" cy="3948858"/>
+          </a:xfrm>
+          <a:prstGeom prst="rect">
+            <a:avLst/>
+          </a:prstGeom>
+        </p:spPr>
+      </p:pic>
+      <p:pic>
+        <p:nvPicPr>
+          <p:cNvPr id="8" name="내용 개체 틀 4">
+            <a:extLst>
+              <a:ext uri="{FF2B5EF4-FFF2-40B4-BE49-F238E27FC236}">
+                <a16:creationId xmlns:a16="http://schemas.microsoft.com/office/drawing/2014/main" id="{C30682BF-D7CC-4AC5-9717-323C96A50B6A}"/>
+              </a:ext>
+            </a:extLst>
+          </p:cNvPr>
+          <p:cNvPicPr>
+            <a:picLocks noChangeAspect="1"/>
+          </p:cNvPicPr>
+          <p:nvPr/>
+        </p:nvPicPr>
+        <p:blipFill>
+          <a:blip r:embed="rId3"/>
+          <a:stretch>
+            <a:fillRect/>
+          </a:stretch>
+        </p:blipFill>
+        <p:spPr>
+          <a:xfrm>
+            <a:off x="838200" y="1690688"/>
+            <a:ext cx="5663492" cy="793563"/>
+          </a:xfrm>
+          <a:prstGeom prst="rect">
+            <a:avLst/>
+          </a:prstGeom>
+        </p:spPr>
+      </p:pic>
+      <p:sp>
+        <p:nvSpPr>
+          <p:cNvPr id="2" name="제목 1">
+            <a:extLst>
+              <a:ext uri="{FF2B5EF4-FFF2-40B4-BE49-F238E27FC236}">
+                <a16:creationId xmlns:a16="http://schemas.microsoft.com/office/drawing/2014/main" id="{5BC4CE65-AE09-41DD-B00D-1B4CDE780D13}"/>
+              </a:ext>
+            </a:extLst>
+          </p:cNvPr>
+          <p:cNvSpPr>
+            <a:spLocks noGrp="1"/>
+          </p:cNvSpPr>
+          <p:nvPr>
+            <p:ph type="title"/>
+          </p:nvPr>
+        </p:nvSpPr>
+        <p:spPr/>
+        <p:txBody>
+          <a:bodyPr/>
+          <a:lstStyle/>
+          <a:p>
+            <a:r>
+              <a:rPr lang="en-US" altLang="ko-KR" b="1" dirty="0"/>
+              <a:t>4. </a:t>
+            </a:r>
+            <a:r>
+              <a:rPr lang="ko-KR" altLang="en-US" b="1" dirty="0"/>
+              <a:t>설계구현</a:t>
+            </a:r>
+          </a:p>
+        </p:txBody>
+      </p:sp>
+      <p:sp>
+        <p:nvSpPr>
+          <p:cNvPr id="16" name="내용 개체 틀 2">
+            <a:extLst>
+              <a:ext uri="{FF2B5EF4-FFF2-40B4-BE49-F238E27FC236}">
+                <a16:creationId xmlns:a16="http://schemas.microsoft.com/office/drawing/2014/main" id="{00697AF8-0331-4A46-BF6C-9E63D6F3A4CF}"/>
+              </a:ext>
+            </a:extLst>
+          </p:cNvPr>
+          <p:cNvSpPr>
+            <a:spLocks noGrp="1"/>
+          </p:cNvSpPr>
+          <p:nvPr>
+            <p:ph idx="1"/>
+          </p:nvPr>
+        </p:nvSpPr>
+        <p:spPr>
+          <a:xfrm>
+            <a:off x="6910892" y="1689768"/>
+            <a:ext cx="5126369" cy="520192"/>
+          </a:xfrm>
+        </p:spPr>
+        <p:txBody>
+          <a:bodyPr>
+            <a:normAutofit/>
+          </a:bodyPr>
+          <a:lstStyle/>
+          <a:p>
+            <a:r>
+              <a:rPr lang="en-US" altLang="ko-KR" b="1" u="sng" dirty="0">
+                <a:highlight>
+                  <a:srgbClr val="FFFF00"/>
+                </a:highlight>
+              </a:rPr>
+              <a:t>{</a:t>
+            </a:r>
+            <a:r>
+              <a:rPr lang="ko-KR" altLang="en-US" b="1" u="sng" dirty="0" err="1">
+                <a:highlight>
+                  <a:srgbClr val="FFFF00"/>
+                </a:highlight>
+              </a:rPr>
+              <a:t>상품상세</a:t>
+            </a:r>
+            <a:r>
+              <a:rPr lang="en-US" altLang="ko-KR" b="1" u="sng" dirty="0">
+                <a:highlight>
+                  <a:srgbClr val="FFFF00"/>
+                </a:highlight>
+              </a:rPr>
+              <a:t>} </a:t>
+            </a:r>
+            <a:r>
+              <a:rPr lang="ko-KR" altLang="en-US" b="1" u="sng" dirty="0">
+                <a:highlight>
+                  <a:srgbClr val="FFFF00"/>
+                </a:highlight>
+              </a:rPr>
+              <a:t>장바구니 담기</a:t>
+            </a:r>
+          </a:p>
+        </p:txBody>
+      </p:sp>
+      <p:sp>
+        <p:nvSpPr>
+          <p:cNvPr id="17" name="TextBox 16">
+            <a:extLst>
+              <a:ext uri="{FF2B5EF4-FFF2-40B4-BE49-F238E27FC236}">
+                <a16:creationId xmlns:a16="http://schemas.microsoft.com/office/drawing/2014/main" id="{FD63A906-BD42-49C6-8924-591D3C0A8AFA}"/>
+              </a:ext>
+            </a:extLst>
+          </p:cNvPr>
+          <p:cNvSpPr txBox="1"/>
+          <p:nvPr/>
+        </p:nvSpPr>
+        <p:spPr>
+          <a:xfrm>
+            <a:off x="6910892" y="2209918"/>
+            <a:ext cx="5126373" cy="892360"/>
+          </a:xfrm>
+          <a:prstGeom prst="rect">
+            <a:avLst/>
+          </a:prstGeom>
+          <a:noFill/>
+        </p:spPr>
+        <p:txBody>
+          <a:bodyPr wrap="square" rtlCol="0">
+            <a:spAutoFit/>
+          </a:bodyPr>
+          <a:lstStyle/>
+          <a:p>
+            <a:pPr marL="285750" indent="-285750">
+              <a:lnSpc>
+                <a:spcPct val="150000"/>
+              </a:lnSpc>
+              <a:buFont typeface="Arial" panose="020B0604020202020204" pitchFamily="34" charset="0"/>
+              <a:buChar char="•"/>
+            </a:pPr>
+            <a:r>
+              <a:rPr lang="ko-KR" altLang="en-US" sz="1200" dirty="0"/>
+              <a:t>상품 이미지</a:t>
+            </a:r>
+            <a:r>
+              <a:rPr lang="en-US" altLang="ko-KR" sz="1200" dirty="0"/>
+              <a:t>, </a:t>
+            </a:r>
+            <a:r>
+              <a:rPr lang="ko-KR" altLang="en-US" sz="1200" dirty="0"/>
+              <a:t>가격</a:t>
+            </a:r>
+            <a:r>
+              <a:rPr lang="en-US" altLang="ko-KR" sz="1200" dirty="0"/>
+              <a:t>(</a:t>
+            </a:r>
+            <a:r>
+              <a:rPr lang="ko-KR" altLang="en-US" sz="1200" dirty="0"/>
+              <a:t>할인</a:t>
+            </a:r>
+            <a:r>
+              <a:rPr lang="en-US" altLang="ko-KR" sz="1200" dirty="0"/>
+              <a:t>) </a:t>
+            </a:r>
+            <a:r>
+              <a:rPr lang="ko-KR" altLang="en-US" sz="1200" dirty="0"/>
+              <a:t>정보</a:t>
+            </a:r>
+            <a:r>
+              <a:rPr lang="en-US" altLang="ko-KR" sz="1200" dirty="0"/>
+              <a:t>,</a:t>
+            </a:r>
+            <a:r>
+              <a:rPr lang="ko-KR" altLang="en-US" sz="1200" dirty="0"/>
+              <a:t> 배송관련 정보</a:t>
+            </a:r>
+            <a:r>
+              <a:rPr lang="en-US" altLang="ko-KR" sz="1200" dirty="0"/>
+              <a:t>(</a:t>
+            </a:r>
+            <a:r>
+              <a:rPr lang="ko-KR" altLang="en-US" sz="1200" dirty="0"/>
+              <a:t>소요시간</a:t>
+            </a:r>
+            <a:r>
+              <a:rPr lang="en-US" altLang="ko-KR" sz="1200" dirty="0"/>
+              <a:t>, </a:t>
+            </a:r>
+            <a:r>
+              <a:rPr lang="ko-KR" altLang="en-US" sz="1200" dirty="0"/>
+              <a:t>배송비</a:t>
+            </a:r>
+            <a:r>
+              <a:rPr lang="en-US" altLang="ko-KR" sz="1200" dirty="0"/>
+              <a:t>) </a:t>
+            </a:r>
+            <a:r>
+              <a:rPr lang="ko-KR" altLang="en-US" sz="1200" dirty="0"/>
+              <a:t>표시</a:t>
+            </a:r>
+            <a:endParaRPr lang="en-US" altLang="ko-KR" sz="1200" dirty="0"/>
+          </a:p>
+          <a:p>
+            <a:pPr marL="285750" indent="-285750">
+              <a:lnSpc>
+                <a:spcPct val="150000"/>
+              </a:lnSpc>
+              <a:buFont typeface="Arial" panose="020B0604020202020204" pitchFamily="34" charset="0"/>
+              <a:buChar char="•"/>
+            </a:pPr>
+            <a:r>
+              <a:rPr lang="ko-KR" altLang="en-US" sz="1200" dirty="0"/>
+              <a:t>장바구니 담기 선택 시 장바구니 데이터 상태 변경</a:t>
+            </a:r>
+            <a:endParaRPr lang="en-US" altLang="ko-KR" sz="1200" dirty="0"/>
+          </a:p>
+          <a:p>
+            <a:pPr marL="285750" indent="-285750">
+              <a:lnSpc>
+                <a:spcPct val="150000"/>
+              </a:lnSpc>
+              <a:buFont typeface="Arial" panose="020B0604020202020204" pitchFamily="34" charset="0"/>
+              <a:buChar char="•"/>
+            </a:pPr>
+            <a:r>
+              <a:rPr lang="en-US" altLang="ko-KR" sz="1200" b="1" dirty="0">
+                <a:solidFill>
+                  <a:schemeClr val="tx1"/>
+                </a:solidFill>
+              </a:rPr>
+              <a:t>Redux</a:t>
+            </a:r>
+            <a:r>
+              <a:rPr lang="en-US" altLang="ko-KR" sz="1200" b="1" dirty="0"/>
+              <a:t> </a:t>
+            </a:r>
+            <a:r>
+              <a:rPr lang="ko-KR" altLang="en-US" sz="1200" dirty="0"/>
+              <a:t>사용으로 구현</a:t>
+            </a:r>
+          </a:p>
+        </p:txBody>
+      </p:sp>
+      <p:sp>
+        <p:nvSpPr>
+          <p:cNvPr id="22" name="직사각형 21">
+            <a:extLst>
+              <a:ext uri="{FF2B5EF4-FFF2-40B4-BE49-F238E27FC236}">
+                <a16:creationId xmlns:a16="http://schemas.microsoft.com/office/drawing/2014/main" id="{3455D3FE-06B9-4DC7-B64D-181D303640CB}"/>
+              </a:ext>
+            </a:extLst>
+          </p:cNvPr>
+          <p:cNvSpPr/>
+          <p:nvPr/>
+        </p:nvSpPr>
+        <p:spPr>
+          <a:xfrm>
+            <a:off x="8212612" y="6391712"/>
+            <a:ext cx="2491596" cy="234000"/>
+          </a:xfrm>
+          <a:prstGeom prst="rect">
+            <a:avLst/>
+          </a:prstGeom>
+          <a:noFill/>
+          <a:ln>
+            <a:noFill/>
+          </a:ln>
+        </p:spPr>
+        <p:style>
+          <a:lnRef idx="2">
+            <a:schemeClr val="accent1">
+              <a:shade val="50000"/>
+            </a:schemeClr>
+          </a:lnRef>
+          <a:fillRef idx="1">
+            <a:schemeClr val="accent1"/>
+          </a:fillRef>
+          <a:effectRef idx="0">
+            <a:schemeClr val="accent1"/>
+          </a:effectRef>
+          <a:fontRef idx="minor">
+            <a:schemeClr val="lt1"/>
+          </a:fontRef>
+        </p:style>
+        <p:txBody>
+          <a:bodyPr rtlCol="0" anchor="ctr"/>
+          <a:lstStyle/>
+          <a:p>
+            <a:pPr algn="ctr"/>
+            <a:r>
+              <a:rPr lang="en-US" altLang="ko-KR" sz="1100" b="1" dirty="0">
+                <a:solidFill>
+                  <a:schemeClr val="tx1"/>
+                </a:solidFill>
+              </a:rPr>
+              <a:t>{ Redux </a:t>
+            </a:r>
+            <a:r>
+              <a:rPr lang="en-US" altLang="ko-KR" sz="1100" b="1" dirty="0" err="1">
+                <a:solidFill>
+                  <a:schemeClr val="tx1"/>
+                </a:solidFill>
+              </a:rPr>
+              <a:t>useDispatch</a:t>
+            </a:r>
+            <a:r>
+              <a:rPr lang="en-US" altLang="ko-KR" sz="1100" b="1" dirty="0"/>
+              <a:t> </a:t>
+            </a:r>
+            <a:r>
+              <a:rPr lang="en-US" altLang="ko-KR" sz="1100" b="1" dirty="0">
+                <a:solidFill>
+                  <a:schemeClr val="tx1"/>
+                </a:solidFill>
+              </a:rPr>
+              <a:t>}</a:t>
+            </a:r>
+          </a:p>
+        </p:txBody>
+      </p:sp>
+      <p:sp>
+        <p:nvSpPr>
+          <p:cNvPr id="14" name="직사각형 13">
+            <a:extLst>
+              <a:ext uri="{FF2B5EF4-FFF2-40B4-BE49-F238E27FC236}">
+                <a16:creationId xmlns:a16="http://schemas.microsoft.com/office/drawing/2014/main" id="{0A43D450-D113-42D3-89E6-968DBA036E40}"/>
+              </a:ext>
+            </a:extLst>
+          </p:cNvPr>
+          <p:cNvSpPr/>
+          <p:nvPr/>
+        </p:nvSpPr>
+        <p:spPr>
+          <a:xfrm>
+            <a:off x="3381898" y="6195524"/>
+            <a:ext cx="1395377" cy="365894"/>
+          </a:xfrm>
+          <a:prstGeom prst="rect">
+            <a:avLst/>
+          </a:prstGeom>
+          <a:noFill/>
+          <a:ln w="22225">
+            <a:solidFill>
+              <a:srgbClr val="FF0000"/>
+            </a:solidFill>
+            <a:prstDash val="sysDash"/>
+          </a:ln>
+        </p:spPr>
+        <p:style>
+          <a:lnRef idx="2">
+            <a:schemeClr val="accent1">
+              <a:shade val="50000"/>
+            </a:schemeClr>
+          </a:lnRef>
+          <a:fillRef idx="1">
+            <a:schemeClr val="accent1"/>
+          </a:fillRef>
+          <a:effectRef idx="0">
+            <a:schemeClr val="accent1"/>
+          </a:effectRef>
+          <a:fontRef idx="minor">
+            <a:schemeClr val="lt1"/>
+          </a:fontRef>
+        </p:style>
+        <p:txBody>
+          <a:bodyPr rtlCol="0" anchor="ctr"/>
+          <a:lstStyle/>
+          <a:p>
+            <a:pPr algn="ctr"/>
+            <a:endParaRPr lang="en-US" altLang="ko-KR" sz="1200" b="1" dirty="0">
+              <a:solidFill>
+                <a:srgbClr val="FF0000"/>
+              </a:solidFill>
+            </a:endParaRPr>
+          </a:p>
+        </p:txBody>
+      </p:sp>
+      <p:pic>
+        <p:nvPicPr>
+          <p:cNvPr id="7" name="그림 6">
+            <a:extLst>
+              <a:ext uri="{FF2B5EF4-FFF2-40B4-BE49-F238E27FC236}">
+                <a16:creationId xmlns:a16="http://schemas.microsoft.com/office/drawing/2014/main" id="{477F908C-3352-4D78-B57E-42416CA3E475}"/>
+              </a:ext>
+            </a:extLst>
+          </p:cNvPr>
+          <p:cNvPicPr>
+            <a:picLocks noChangeAspect="1"/>
+          </p:cNvPicPr>
+          <p:nvPr/>
+        </p:nvPicPr>
+        <p:blipFill>
+          <a:blip r:embed="rId4"/>
+          <a:stretch>
+            <a:fillRect/>
+          </a:stretch>
+        </p:blipFill>
+        <p:spPr>
+          <a:xfrm>
+            <a:off x="7444374" y="4305463"/>
+            <a:ext cx="3530424" cy="1938672"/>
+          </a:xfrm>
+          <a:prstGeom prst="rect">
+            <a:avLst/>
+          </a:prstGeom>
+        </p:spPr>
+      </p:pic>
+      <p:pic>
+        <p:nvPicPr>
+          <p:cNvPr id="10" name="그림 9">
+            <a:extLst>
+              <a:ext uri="{FF2B5EF4-FFF2-40B4-BE49-F238E27FC236}">
+                <a16:creationId xmlns:a16="http://schemas.microsoft.com/office/drawing/2014/main" id="{D0173EE1-4B9C-4D00-B2EA-14B955E358AE}"/>
+              </a:ext>
+            </a:extLst>
+          </p:cNvPr>
+          <p:cNvPicPr>
+            <a:picLocks noChangeAspect="1"/>
+          </p:cNvPicPr>
+          <p:nvPr/>
+        </p:nvPicPr>
+        <p:blipFill>
+          <a:blip r:embed="rId5"/>
+          <a:stretch>
+            <a:fillRect/>
+          </a:stretch>
+        </p:blipFill>
+        <p:spPr>
+          <a:xfrm>
+            <a:off x="7444374" y="3152982"/>
+            <a:ext cx="3530424" cy="1101777"/>
+          </a:xfrm>
+          <a:prstGeom prst="rect">
+            <a:avLst/>
+          </a:prstGeom>
+        </p:spPr>
+      </p:pic>
+    </p:spTree>
+    <p:extLst>
+      <p:ext uri="{BB962C8B-B14F-4D97-AF65-F5344CB8AC3E}">
+        <p14:creationId xmlns:p14="http://schemas.microsoft.com/office/powerpoint/2010/main" val="1364540568"/>
+      </p:ext>
+    </p:extLst>
+  </p:cSld>
+  <p:clrMapOvr>
+    <a:masterClrMapping/>
+  </p:clrMapOvr>
+</p:sld>
+</file>
+
+<file path=ppt/slides/slide13.xml><?xml version="1.0" encoding="utf-8"?>
+<p:sld xmlns:a="http://schemas.openxmlformats.org/drawingml/2006/main" xmlns:r="http://schemas.openxmlformats.org/officeDocument/2006/relationships" xmlns:p="http://schemas.openxmlformats.org/presentationml/2006/main">
+  <p:cSld>
+    <p:spTree>
+      <p:nvGrpSpPr>
+        <p:cNvPr id="1" name=""/>
+        <p:cNvGrpSpPr/>
+        <p:nvPr/>
+      </p:nvGrpSpPr>
+      <p:grpSpPr>
+        <a:xfrm>
+          <a:off x="0" y="0"/>
+          <a:ext cx="0" cy="0"/>
+          <a:chOff x="0" y="0"/>
+          <a:chExt cx="0" cy="0"/>
+        </a:xfrm>
+      </p:grpSpPr>
+      <p:pic>
+        <p:nvPicPr>
+          <p:cNvPr id="8" name="내용 개체 틀 4">
+            <a:extLst>
+              <a:ext uri="{FF2B5EF4-FFF2-40B4-BE49-F238E27FC236}">
+                <a16:creationId xmlns:a16="http://schemas.microsoft.com/office/drawing/2014/main" id="{C30682BF-D7CC-4AC5-9717-323C96A50B6A}"/>
+              </a:ext>
+            </a:extLst>
+          </p:cNvPr>
+          <p:cNvPicPr>
+            <a:picLocks noChangeAspect="1"/>
+          </p:cNvPicPr>
+          <p:nvPr/>
+        </p:nvPicPr>
+        <p:blipFill>
+          <a:blip r:embed="rId2"/>
+          <a:stretch>
+            <a:fillRect/>
+          </a:stretch>
+        </p:blipFill>
+        <p:spPr>
+          <a:xfrm>
+            <a:off x="838200" y="1690688"/>
+            <a:ext cx="5663492" cy="793563"/>
+          </a:xfrm>
+          <a:prstGeom prst="rect">
+            <a:avLst/>
+          </a:prstGeom>
+        </p:spPr>
+      </p:pic>
+      <p:sp>
+        <p:nvSpPr>
+          <p:cNvPr id="2" name="제목 1">
+            <a:extLst>
+              <a:ext uri="{FF2B5EF4-FFF2-40B4-BE49-F238E27FC236}">
+                <a16:creationId xmlns:a16="http://schemas.microsoft.com/office/drawing/2014/main" id="{5BC4CE65-AE09-41DD-B00D-1B4CDE780D13}"/>
+              </a:ext>
+            </a:extLst>
+          </p:cNvPr>
+          <p:cNvSpPr>
+            <a:spLocks noGrp="1"/>
+          </p:cNvSpPr>
+          <p:nvPr>
+            <p:ph type="title"/>
+          </p:nvPr>
+        </p:nvSpPr>
+        <p:spPr/>
+        <p:txBody>
+          <a:bodyPr/>
+          <a:lstStyle/>
+          <a:p>
+            <a:r>
+              <a:rPr lang="en-US" altLang="ko-KR" b="1" dirty="0"/>
+              <a:t>4. </a:t>
+            </a:r>
+            <a:r>
+              <a:rPr lang="ko-KR" altLang="en-US" b="1" dirty="0"/>
+              <a:t>설계구현</a:t>
+            </a:r>
+          </a:p>
+        </p:txBody>
+      </p:sp>
+      <p:sp>
+        <p:nvSpPr>
+          <p:cNvPr id="16" name="내용 개체 틀 2">
+            <a:extLst>
+              <a:ext uri="{FF2B5EF4-FFF2-40B4-BE49-F238E27FC236}">
+                <a16:creationId xmlns:a16="http://schemas.microsoft.com/office/drawing/2014/main" id="{00697AF8-0331-4A46-BF6C-9E63D6F3A4CF}"/>
+              </a:ext>
+            </a:extLst>
+          </p:cNvPr>
+          <p:cNvSpPr>
+            <a:spLocks noGrp="1"/>
+          </p:cNvSpPr>
+          <p:nvPr>
+            <p:ph idx="1"/>
+          </p:nvPr>
+        </p:nvSpPr>
+        <p:spPr>
+          <a:xfrm>
+            <a:off x="6910892" y="1689768"/>
+            <a:ext cx="5126369" cy="520192"/>
+          </a:xfrm>
+        </p:spPr>
+        <p:txBody>
+          <a:bodyPr>
+            <a:normAutofit fontScale="92500"/>
+          </a:bodyPr>
+          <a:lstStyle/>
+          <a:p>
+            <a:r>
+              <a:rPr lang="en-US" altLang="ko-KR" b="1" u="sng" dirty="0">
+                <a:highlight>
+                  <a:srgbClr val="FFFF00"/>
+                </a:highlight>
+              </a:rPr>
+              <a:t>{</a:t>
+            </a:r>
+            <a:r>
+              <a:rPr lang="ko-KR" altLang="en-US" b="1" u="sng" dirty="0">
+                <a:highlight>
+                  <a:srgbClr val="FFFF00"/>
+                </a:highlight>
+              </a:rPr>
+              <a:t>장바구니</a:t>
+            </a:r>
+            <a:r>
+              <a:rPr lang="en-US" altLang="ko-KR" b="1" u="sng" dirty="0">
+                <a:highlight>
+                  <a:srgbClr val="FFFF00"/>
+                </a:highlight>
+              </a:rPr>
+              <a:t>} </a:t>
+            </a:r>
+            <a:r>
+              <a:rPr lang="ko-KR" altLang="en-US" b="1" u="sng" dirty="0">
+                <a:highlight>
+                  <a:srgbClr val="FFFF00"/>
+                </a:highlight>
+              </a:rPr>
+              <a:t>수량변경</a:t>
+            </a:r>
+            <a:r>
+              <a:rPr lang="en-US" altLang="ko-KR" b="1" u="sng" dirty="0">
+                <a:highlight>
+                  <a:srgbClr val="FFFF00"/>
+                </a:highlight>
+              </a:rPr>
+              <a:t>/</a:t>
+            </a:r>
+            <a:r>
+              <a:rPr lang="ko-KR" altLang="en-US" b="1" u="sng" dirty="0">
+                <a:highlight>
+                  <a:srgbClr val="FFFF00"/>
+                </a:highlight>
+              </a:rPr>
+              <a:t>삭제</a:t>
+            </a:r>
+            <a:r>
+              <a:rPr lang="en-US" altLang="ko-KR" b="1" u="sng" dirty="0">
+                <a:highlight>
+                  <a:srgbClr val="FFFF00"/>
+                </a:highlight>
+              </a:rPr>
+              <a:t>/</a:t>
+            </a:r>
+            <a:r>
+              <a:rPr lang="ko-KR" altLang="en-US" b="1" u="sng" dirty="0">
+                <a:highlight>
+                  <a:srgbClr val="FFFF00"/>
+                </a:highlight>
+              </a:rPr>
+              <a:t>정렬</a:t>
+            </a:r>
+          </a:p>
+        </p:txBody>
+      </p:sp>
+      <p:sp>
+        <p:nvSpPr>
+          <p:cNvPr id="17" name="TextBox 16">
+            <a:extLst>
+              <a:ext uri="{FF2B5EF4-FFF2-40B4-BE49-F238E27FC236}">
+                <a16:creationId xmlns:a16="http://schemas.microsoft.com/office/drawing/2014/main" id="{FD63A906-BD42-49C6-8924-591D3C0A8AFA}"/>
+              </a:ext>
+            </a:extLst>
+          </p:cNvPr>
+          <p:cNvSpPr txBox="1"/>
+          <p:nvPr/>
+        </p:nvSpPr>
+        <p:spPr>
+          <a:xfrm>
+            <a:off x="6910892" y="2209918"/>
+            <a:ext cx="5126373" cy="887615"/>
+          </a:xfrm>
+          <a:prstGeom prst="rect">
+            <a:avLst/>
+          </a:prstGeom>
+          <a:noFill/>
+        </p:spPr>
+        <p:txBody>
+          <a:bodyPr wrap="square" rtlCol="0">
+            <a:spAutoFit/>
+          </a:bodyPr>
+          <a:lstStyle/>
+          <a:p>
+            <a:pPr marL="285750" indent="-285750">
+              <a:lnSpc>
+                <a:spcPct val="150000"/>
+              </a:lnSpc>
+              <a:buFont typeface="Arial" panose="020B0604020202020204" pitchFamily="34" charset="0"/>
+              <a:buChar char="•"/>
+            </a:pPr>
+            <a:r>
+              <a:rPr lang="ko-KR" altLang="en-US" sz="1200" dirty="0"/>
+              <a:t>상품 수량을 </a:t>
+            </a:r>
+            <a:r>
+              <a:rPr lang="en-US" altLang="ko-KR" sz="1200" dirty="0"/>
+              <a:t>[+ / -] </a:t>
+            </a:r>
+            <a:r>
+              <a:rPr lang="ko-KR" altLang="en-US" sz="1200" dirty="0"/>
+              <a:t>버튼으로 증감</a:t>
+            </a:r>
+            <a:r>
+              <a:rPr lang="en-US" altLang="ko-KR" sz="1200" dirty="0"/>
+              <a:t>, [</a:t>
+            </a:r>
+            <a:r>
+              <a:rPr lang="ko-KR" altLang="en-US" sz="1200" dirty="0"/>
+              <a:t>상품삭제</a:t>
+            </a:r>
+            <a:r>
+              <a:rPr lang="en-US" altLang="ko-KR" sz="1200" dirty="0"/>
+              <a:t>]</a:t>
+            </a:r>
+            <a:r>
+              <a:rPr lang="ko-KR" altLang="en-US" sz="1200" dirty="0"/>
+              <a:t> 버튼으로 상품 삭제</a:t>
+            </a:r>
+            <a:endParaRPr lang="en-US" altLang="ko-KR" sz="1200" dirty="0"/>
+          </a:p>
+          <a:p>
+            <a:pPr marL="285750" indent="-285750">
+              <a:lnSpc>
+                <a:spcPct val="150000"/>
+              </a:lnSpc>
+              <a:buFont typeface="Arial" panose="020B0604020202020204" pitchFamily="34" charset="0"/>
+              <a:buChar char="•"/>
+            </a:pPr>
+            <a:r>
+              <a:rPr lang="en-US" altLang="ko-KR" sz="1200" dirty="0"/>
+              <a:t>[</a:t>
+            </a:r>
+            <a:r>
+              <a:rPr lang="ko-KR" altLang="en-US" sz="1200" dirty="0"/>
+              <a:t>이름순 정렬</a:t>
+            </a:r>
+            <a:r>
+              <a:rPr lang="en-US" altLang="ko-KR" sz="1200" dirty="0"/>
+              <a:t>] </a:t>
+            </a:r>
+            <a:r>
+              <a:rPr lang="ko-KR" altLang="en-US" sz="1200" dirty="0"/>
+              <a:t>상품명 기준 오름차순</a:t>
+            </a:r>
+            <a:r>
+              <a:rPr lang="en-US" altLang="ko-KR" sz="1200" dirty="0"/>
+              <a:t>/</a:t>
+            </a:r>
+            <a:r>
+              <a:rPr lang="ko-KR" altLang="en-US" sz="1200" dirty="0"/>
+              <a:t>내림차순 정렬</a:t>
+            </a:r>
+            <a:endParaRPr lang="en-US" altLang="ko-KR" sz="1200" dirty="0"/>
+          </a:p>
+          <a:p>
+            <a:pPr marL="285750" indent="-285750">
+              <a:lnSpc>
+                <a:spcPct val="150000"/>
+              </a:lnSpc>
+              <a:buFont typeface="Arial" panose="020B0604020202020204" pitchFamily="34" charset="0"/>
+              <a:buChar char="•"/>
+            </a:pPr>
+            <a:r>
+              <a:rPr lang="en-US" altLang="ko-KR" sz="1200" b="1" dirty="0">
+                <a:solidFill>
+                  <a:schemeClr val="tx1"/>
+                </a:solidFill>
+              </a:rPr>
+              <a:t>Redux</a:t>
+            </a:r>
+            <a:r>
+              <a:rPr lang="en-US" altLang="ko-KR" sz="1200" b="1" dirty="0"/>
+              <a:t> </a:t>
+            </a:r>
+            <a:r>
+              <a:rPr lang="ko-KR" altLang="en-US" sz="1200" dirty="0"/>
+              <a:t>사용으로 구현</a:t>
+            </a:r>
+          </a:p>
+        </p:txBody>
+      </p:sp>
+      <p:sp>
+        <p:nvSpPr>
+          <p:cNvPr id="22" name="직사각형 21">
+            <a:extLst>
+              <a:ext uri="{FF2B5EF4-FFF2-40B4-BE49-F238E27FC236}">
+                <a16:creationId xmlns:a16="http://schemas.microsoft.com/office/drawing/2014/main" id="{3455D3FE-06B9-4DC7-B64D-181D303640CB}"/>
+              </a:ext>
+            </a:extLst>
+          </p:cNvPr>
+          <p:cNvSpPr/>
+          <p:nvPr/>
+        </p:nvSpPr>
+        <p:spPr>
+          <a:xfrm>
+            <a:off x="7989360" y="4975895"/>
+            <a:ext cx="2491596" cy="234000"/>
+          </a:xfrm>
+          <a:prstGeom prst="rect">
+            <a:avLst/>
+          </a:prstGeom>
+          <a:noFill/>
+          <a:ln>
+            <a:noFill/>
+          </a:ln>
+        </p:spPr>
+        <p:style>
+          <a:lnRef idx="2">
+            <a:schemeClr val="accent1">
+              <a:shade val="50000"/>
+            </a:schemeClr>
+          </a:lnRef>
+          <a:fillRef idx="1">
+            <a:schemeClr val="accent1"/>
+          </a:fillRef>
+          <a:effectRef idx="0">
+            <a:schemeClr val="accent1"/>
+          </a:effectRef>
+          <a:fontRef idx="minor">
+            <a:schemeClr val="lt1"/>
+          </a:fontRef>
+        </p:style>
+        <p:txBody>
+          <a:bodyPr rtlCol="0" anchor="ctr"/>
+          <a:lstStyle/>
+          <a:p>
+            <a:pPr algn="ctr"/>
+            <a:r>
+              <a:rPr lang="en-US" altLang="ko-KR" sz="1100" b="1" dirty="0">
+                <a:solidFill>
+                  <a:schemeClr val="tx1"/>
+                </a:solidFill>
+              </a:rPr>
+              <a:t>{ Redux </a:t>
+            </a:r>
+            <a:r>
+              <a:rPr lang="en-US" altLang="ko-KR" sz="1100" b="1" dirty="0" err="1">
+                <a:solidFill>
+                  <a:schemeClr val="tx1"/>
+                </a:solidFill>
+              </a:rPr>
+              <a:t>useDispatch</a:t>
+            </a:r>
+            <a:r>
+              <a:rPr lang="en-US" altLang="ko-KR" sz="1100" b="1" dirty="0"/>
+              <a:t> </a:t>
+            </a:r>
+            <a:r>
+              <a:rPr lang="en-US" altLang="ko-KR" sz="1100" b="1" dirty="0">
+                <a:solidFill>
+                  <a:schemeClr val="tx1"/>
+                </a:solidFill>
+              </a:rPr>
+              <a:t>}</a:t>
+            </a:r>
+          </a:p>
+        </p:txBody>
+      </p:sp>
+      <p:sp>
+        <p:nvSpPr>
+          <p:cNvPr id="14" name="직사각형 13">
+            <a:extLst>
+              <a:ext uri="{FF2B5EF4-FFF2-40B4-BE49-F238E27FC236}">
+                <a16:creationId xmlns:a16="http://schemas.microsoft.com/office/drawing/2014/main" id="{0A43D450-D113-42D3-89E6-968DBA036E40}"/>
+              </a:ext>
+            </a:extLst>
+          </p:cNvPr>
+          <p:cNvSpPr/>
+          <p:nvPr/>
+        </p:nvSpPr>
+        <p:spPr>
+          <a:xfrm>
+            <a:off x="5680031" y="1760328"/>
+            <a:ext cx="415969" cy="217762"/>
+          </a:xfrm>
+          <a:prstGeom prst="rect">
+            <a:avLst/>
+          </a:prstGeom>
+          <a:noFill/>
+          <a:ln w="22225">
+            <a:solidFill>
+              <a:srgbClr val="FF0000"/>
+            </a:solidFill>
+            <a:prstDash val="sysDash"/>
+          </a:ln>
+        </p:spPr>
+        <p:style>
+          <a:lnRef idx="2">
+            <a:schemeClr val="accent1">
+              <a:shade val="50000"/>
+            </a:schemeClr>
+          </a:lnRef>
+          <a:fillRef idx="1">
+            <a:schemeClr val="accent1"/>
+          </a:fillRef>
+          <a:effectRef idx="0">
+            <a:schemeClr val="accent1"/>
+          </a:effectRef>
+          <a:fontRef idx="minor">
+            <a:schemeClr val="lt1"/>
+          </a:fontRef>
+        </p:style>
+        <p:txBody>
+          <a:bodyPr rtlCol="0" anchor="ctr"/>
+          <a:lstStyle/>
+          <a:p>
+            <a:pPr algn="ctr"/>
+            <a:endParaRPr lang="en-US" altLang="ko-KR" sz="1200" b="1" dirty="0">
+              <a:solidFill>
+                <a:srgbClr val="FF0000"/>
+              </a:solidFill>
+            </a:endParaRPr>
+          </a:p>
+        </p:txBody>
+      </p:sp>
+      <p:pic>
+        <p:nvPicPr>
+          <p:cNvPr id="9" name="그림 8">
+            <a:extLst>
+              <a:ext uri="{FF2B5EF4-FFF2-40B4-BE49-F238E27FC236}">
+                <a16:creationId xmlns:a16="http://schemas.microsoft.com/office/drawing/2014/main" id="{2ACE135C-CC32-41B7-BA35-344C395702AB}"/>
+              </a:ext>
+            </a:extLst>
+          </p:cNvPr>
+          <p:cNvPicPr>
+            <a:picLocks noChangeAspect="1"/>
+          </p:cNvPicPr>
+          <p:nvPr/>
+        </p:nvPicPr>
+        <p:blipFill>
+          <a:blip r:embed="rId3"/>
+          <a:stretch>
+            <a:fillRect/>
+          </a:stretch>
+        </p:blipFill>
+        <p:spPr>
+          <a:xfrm>
+            <a:off x="841782" y="2656098"/>
+            <a:ext cx="5659909" cy="2688658"/>
+          </a:xfrm>
+          <a:prstGeom prst="rect">
+            <a:avLst/>
+          </a:prstGeom>
+        </p:spPr>
+      </p:pic>
+      <p:sp>
+        <p:nvSpPr>
+          <p:cNvPr id="15" name="직사각형 14">
+            <a:extLst>
+              <a:ext uri="{FF2B5EF4-FFF2-40B4-BE49-F238E27FC236}">
+                <a16:creationId xmlns:a16="http://schemas.microsoft.com/office/drawing/2014/main" id="{A6416040-7613-4E09-ADD5-71049B6BAB68}"/>
+              </a:ext>
+            </a:extLst>
+          </p:cNvPr>
+          <p:cNvSpPr/>
+          <p:nvPr/>
+        </p:nvSpPr>
+        <p:spPr>
+          <a:xfrm>
+            <a:off x="5245400" y="3441440"/>
+            <a:ext cx="831938" cy="1503783"/>
+          </a:xfrm>
+          <a:prstGeom prst="rect">
+            <a:avLst/>
+          </a:prstGeom>
+          <a:noFill/>
+          <a:ln w="22225">
+            <a:solidFill>
+              <a:srgbClr val="FF0000"/>
+            </a:solidFill>
+            <a:prstDash val="sysDash"/>
+          </a:ln>
+        </p:spPr>
+        <p:style>
+          <a:lnRef idx="2">
+            <a:schemeClr val="accent1">
+              <a:shade val="50000"/>
+            </a:schemeClr>
+          </a:lnRef>
+          <a:fillRef idx="1">
+            <a:schemeClr val="accent1"/>
+          </a:fillRef>
+          <a:effectRef idx="0">
+            <a:schemeClr val="accent1"/>
+          </a:effectRef>
+          <a:fontRef idx="minor">
+            <a:schemeClr val="lt1"/>
+          </a:fontRef>
+        </p:style>
+        <p:txBody>
+          <a:bodyPr rtlCol="0" anchor="ctr"/>
+          <a:lstStyle/>
+          <a:p>
+            <a:pPr algn="ctr"/>
+            <a:endParaRPr lang="en-US" altLang="ko-KR" sz="1200" b="1" dirty="0">
+              <a:solidFill>
+                <a:srgbClr val="FF0000"/>
+              </a:solidFill>
+            </a:endParaRPr>
+          </a:p>
+        </p:txBody>
+      </p:sp>
+      <p:sp>
+        <p:nvSpPr>
+          <p:cNvPr id="18" name="직사각형 17">
+            <a:extLst>
+              <a:ext uri="{FF2B5EF4-FFF2-40B4-BE49-F238E27FC236}">
+                <a16:creationId xmlns:a16="http://schemas.microsoft.com/office/drawing/2014/main" id="{E5E3DC1C-A7B1-464A-B3A6-51D35BC0B802}"/>
+              </a:ext>
+            </a:extLst>
+          </p:cNvPr>
+          <p:cNvSpPr/>
+          <p:nvPr/>
+        </p:nvSpPr>
+        <p:spPr>
+          <a:xfrm>
+            <a:off x="3378480" y="4958880"/>
+            <a:ext cx="540377" cy="312915"/>
+          </a:xfrm>
+          <a:prstGeom prst="rect">
+            <a:avLst/>
+          </a:prstGeom>
+          <a:noFill/>
+          <a:ln w="22225">
+            <a:solidFill>
+              <a:srgbClr val="FF0000"/>
+            </a:solidFill>
+            <a:prstDash val="sysDash"/>
+          </a:ln>
+        </p:spPr>
+        <p:style>
+          <a:lnRef idx="2">
+            <a:schemeClr val="accent1">
+              <a:shade val="50000"/>
+            </a:schemeClr>
+          </a:lnRef>
+          <a:fillRef idx="1">
+            <a:schemeClr val="accent1"/>
+          </a:fillRef>
+          <a:effectRef idx="0">
+            <a:schemeClr val="accent1"/>
+          </a:effectRef>
+          <a:fontRef idx="minor">
+            <a:schemeClr val="lt1"/>
+          </a:fontRef>
+        </p:style>
+        <p:txBody>
+          <a:bodyPr rtlCol="0" anchor="ctr"/>
+          <a:lstStyle/>
+          <a:p>
+            <a:pPr algn="ctr"/>
+            <a:endParaRPr lang="en-US" altLang="ko-KR" sz="1200" b="1" dirty="0">
+              <a:solidFill>
+                <a:srgbClr val="FF0000"/>
+              </a:solidFill>
+            </a:endParaRPr>
+          </a:p>
+        </p:txBody>
+      </p:sp>
+      <p:pic>
+        <p:nvPicPr>
+          <p:cNvPr id="19" name="그림 18">
+            <a:extLst>
+              <a:ext uri="{FF2B5EF4-FFF2-40B4-BE49-F238E27FC236}">
+                <a16:creationId xmlns:a16="http://schemas.microsoft.com/office/drawing/2014/main" id="{77FB9E22-C826-4D4A-A9C7-4F1DAC9BA70B}"/>
+              </a:ext>
+            </a:extLst>
+          </p:cNvPr>
+          <p:cNvPicPr>
+            <a:picLocks noChangeAspect="1"/>
+          </p:cNvPicPr>
+          <p:nvPr/>
+        </p:nvPicPr>
+        <p:blipFill>
+          <a:blip r:embed="rId4"/>
+          <a:stretch>
+            <a:fillRect/>
+          </a:stretch>
+        </p:blipFill>
+        <p:spPr>
+          <a:xfrm>
+            <a:off x="7884414" y="3702079"/>
+            <a:ext cx="2819794" cy="1209844"/>
+          </a:xfrm>
+          <a:prstGeom prst="rect">
+            <a:avLst/>
+          </a:prstGeom>
+        </p:spPr>
+      </p:pic>
+    </p:spTree>
+    <p:extLst>
+      <p:ext uri="{BB962C8B-B14F-4D97-AF65-F5344CB8AC3E}">
+        <p14:creationId xmlns:p14="http://schemas.microsoft.com/office/powerpoint/2010/main" val="1737207365"/>
+      </p:ext>
+    </p:extLst>
+  </p:cSld>
+  <p:clrMapOvr>
+    <a:masterClrMapping/>
+  </p:clrMapOvr>
+</p:sld>
+</file>
+
+<file path=ppt/slides/slide14.xml><?xml version="1.0" encoding="utf-8"?>
+<p:sld xmlns:a="http://schemas.openxmlformats.org/drawingml/2006/main" xmlns:r="http://schemas.openxmlformats.org/officeDocument/2006/relationships" xmlns:p="http://schemas.openxmlformats.org/presentationml/2006/main">
+  <p:cSld>
+    <p:spTree>
+      <p:nvGrpSpPr>
+        <p:cNvPr id="1" name=""/>
+        <p:cNvGrpSpPr/>
+        <p:nvPr/>
+      </p:nvGrpSpPr>
+      <p:grpSpPr>
+        <a:xfrm>
+          <a:off x="0" y="0"/>
+          <a:ext cx="0" cy="0"/>
+          <a:chOff x="0" y="0"/>
+          <a:chExt cx="0" cy="0"/>
+        </a:xfrm>
+      </p:grpSpPr>
+      <p:pic>
+        <p:nvPicPr>
+          <p:cNvPr id="4" name="그림 3">
+            <a:extLst>
+              <a:ext uri="{FF2B5EF4-FFF2-40B4-BE49-F238E27FC236}">
+                <a16:creationId xmlns:a16="http://schemas.microsoft.com/office/drawing/2014/main" id="{014B1EC5-A327-4D42-86C1-DC2D03839F6B}"/>
+              </a:ext>
+            </a:extLst>
+          </p:cNvPr>
+          <p:cNvPicPr>
+            <a:picLocks noChangeAspect="1"/>
+          </p:cNvPicPr>
+          <p:nvPr/>
+        </p:nvPicPr>
+        <p:blipFill>
+          <a:blip r:embed="rId2"/>
+          <a:stretch>
+            <a:fillRect/>
+          </a:stretch>
+        </p:blipFill>
+        <p:spPr>
+          <a:xfrm>
+            <a:off x="838199" y="2537928"/>
+            <a:ext cx="5663492" cy="1623243"/>
+          </a:xfrm>
+          <a:prstGeom prst="rect">
+            <a:avLst/>
+          </a:prstGeom>
+        </p:spPr>
+      </p:pic>
+      <p:pic>
+        <p:nvPicPr>
+          <p:cNvPr id="8" name="내용 개체 틀 4">
+            <a:extLst>
+              <a:ext uri="{FF2B5EF4-FFF2-40B4-BE49-F238E27FC236}">
+                <a16:creationId xmlns:a16="http://schemas.microsoft.com/office/drawing/2014/main" id="{C30682BF-D7CC-4AC5-9717-323C96A50B6A}"/>
+              </a:ext>
+            </a:extLst>
+          </p:cNvPr>
+          <p:cNvPicPr>
+            <a:picLocks noChangeAspect="1"/>
+          </p:cNvPicPr>
+          <p:nvPr/>
+        </p:nvPicPr>
+        <p:blipFill>
+          <a:blip r:embed="rId3"/>
+          <a:stretch>
+            <a:fillRect/>
+          </a:stretch>
+        </p:blipFill>
+        <p:spPr>
+          <a:xfrm>
+            <a:off x="838200" y="1690688"/>
+            <a:ext cx="5663492" cy="793563"/>
+          </a:xfrm>
+          <a:prstGeom prst="rect">
+            <a:avLst/>
+          </a:prstGeom>
+        </p:spPr>
+      </p:pic>
+      <p:sp>
+        <p:nvSpPr>
+          <p:cNvPr id="2" name="제목 1">
+            <a:extLst>
+              <a:ext uri="{FF2B5EF4-FFF2-40B4-BE49-F238E27FC236}">
+                <a16:creationId xmlns:a16="http://schemas.microsoft.com/office/drawing/2014/main" id="{5BC4CE65-AE09-41DD-B00D-1B4CDE780D13}"/>
+              </a:ext>
+            </a:extLst>
+          </p:cNvPr>
+          <p:cNvSpPr>
+            <a:spLocks noGrp="1"/>
+          </p:cNvSpPr>
+          <p:nvPr>
+            <p:ph type="title"/>
+          </p:nvPr>
+        </p:nvSpPr>
+        <p:spPr/>
+        <p:txBody>
+          <a:bodyPr/>
+          <a:lstStyle/>
+          <a:p>
+            <a:r>
+              <a:rPr lang="en-US" altLang="ko-KR" b="1" dirty="0"/>
+              <a:t>4. </a:t>
+            </a:r>
+            <a:r>
+              <a:rPr lang="ko-KR" altLang="en-US" b="1" dirty="0"/>
+              <a:t>설계구현</a:t>
+            </a:r>
+          </a:p>
+        </p:txBody>
+      </p:sp>
+      <p:sp>
+        <p:nvSpPr>
+          <p:cNvPr id="16" name="내용 개체 틀 2">
+            <a:extLst>
+              <a:ext uri="{FF2B5EF4-FFF2-40B4-BE49-F238E27FC236}">
+                <a16:creationId xmlns:a16="http://schemas.microsoft.com/office/drawing/2014/main" id="{00697AF8-0331-4A46-BF6C-9E63D6F3A4CF}"/>
+              </a:ext>
+            </a:extLst>
+          </p:cNvPr>
+          <p:cNvSpPr>
+            <a:spLocks noGrp="1"/>
+          </p:cNvSpPr>
+          <p:nvPr>
+            <p:ph idx="1"/>
+          </p:nvPr>
+        </p:nvSpPr>
+        <p:spPr>
+          <a:xfrm>
+            <a:off x="6910892" y="1689768"/>
+            <a:ext cx="5126369" cy="520192"/>
+          </a:xfrm>
+        </p:spPr>
+        <p:txBody>
+          <a:bodyPr>
+            <a:normAutofit/>
+          </a:bodyPr>
+          <a:lstStyle/>
+          <a:p>
+            <a:r>
+              <a:rPr lang="en-US" altLang="ko-KR" b="1" u="sng" dirty="0">
+                <a:highlight>
+                  <a:srgbClr val="FFFF00"/>
+                </a:highlight>
+              </a:rPr>
+              <a:t>{</a:t>
+            </a:r>
+            <a:r>
+              <a:rPr lang="ko-KR" altLang="en-US" b="1" u="sng" dirty="0">
+                <a:highlight>
+                  <a:srgbClr val="FFFF00"/>
+                </a:highlight>
+              </a:rPr>
+              <a:t>게시판</a:t>
+            </a:r>
+            <a:r>
+              <a:rPr lang="en-US" altLang="ko-KR" b="1" u="sng" dirty="0">
+                <a:highlight>
+                  <a:srgbClr val="FFFF00"/>
+                </a:highlight>
+              </a:rPr>
+              <a:t>} </a:t>
+            </a:r>
+            <a:r>
+              <a:rPr lang="ko-KR" altLang="en-US" b="1" u="sng" dirty="0">
+                <a:highlight>
+                  <a:srgbClr val="FFFF00"/>
+                </a:highlight>
+              </a:rPr>
+              <a:t>게시글 </a:t>
+            </a:r>
+            <a:r>
+              <a:rPr lang="en-US" altLang="ko-KR" b="1" u="sng" dirty="0">
+                <a:highlight>
+                  <a:srgbClr val="FFFF00"/>
+                </a:highlight>
+              </a:rPr>
+              <a:t>C-R-U-D</a:t>
+            </a:r>
+            <a:endParaRPr lang="ko-KR" altLang="en-US" b="1" u="sng" dirty="0">
+              <a:highlight>
+                <a:srgbClr val="FFFF00"/>
+              </a:highlight>
+            </a:endParaRPr>
+          </a:p>
+        </p:txBody>
+      </p:sp>
+      <p:sp>
+        <p:nvSpPr>
+          <p:cNvPr id="17" name="TextBox 16">
+            <a:extLst>
+              <a:ext uri="{FF2B5EF4-FFF2-40B4-BE49-F238E27FC236}">
+                <a16:creationId xmlns:a16="http://schemas.microsoft.com/office/drawing/2014/main" id="{FD63A906-BD42-49C6-8924-591D3C0A8AFA}"/>
+              </a:ext>
+            </a:extLst>
+          </p:cNvPr>
+          <p:cNvSpPr txBox="1"/>
+          <p:nvPr/>
+        </p:nvSpPr>
+        <p:spPr>
+          <a:xfrm>
+            <a:off x="6910892" y="2209918"/>
+            <a:ext cx="5126373" cy="1718612"/>
+          </a:xfrm>
+          <a:prstGeom prst="rect">
+            <a:avLst/>
+          </a:prstGeom>
+          <a:noFill/>
+        </p:spPr>
+        <p:txBody>
+          <a:bodyPr wrap="square" rtlCol="0">
+            <a:spAutoFit/>
+          </a:bodyPr>
+          <a:lstStyle/>
+          <a:p>
+            <a:pPr marL="285750" indent="-285750">
+              <a:lnSpc>
+                <a:spcPct val="150000"/>
+              </a:lnSpc>
+              <a:buFont typeface="Arial" panose="020B0604020202020204" pitchFamily="34" charset="0"/>
+              <a:buChar char="•"/>
+            </a:pPr>
+            <a:r>
+              <a:rPr lang="en-US" altLang="ko-KR" sz="1200" dirty="0"/>
+              <a:t>[</a:t>
+            </a:r>
+            <a:r>
+              <a:rPr lang="ko-KR" altLang="en-US" sz="1200" dirty="0" err="1"/>
+              <a:t>문의글</a:t>
+            </a:r>
+            <a:r>
+              <a:rPr lang="ko-KR" altLang="en-US" sz="1200" dirty="0"/>
+              <a:t> 작성하기</a:t>
+            </a:r>
+            <a:r>
+              <a:rPr lang="en-US" altLang="ko-KR" sz="1200" dirty="0"/>
+              <a:t>] </a:t>
+            </a:r>
+            <a:r>
+              <a:rPr lang="ko-KR" altLang="en-US" sz="1200" dirty="0"/>
+              <a:t>버튼으로 글 작성 폼 열기</a:t>
+            </a:r>
+            <a:endParaRPr lang="en-US" altLang="ko-KR" sz="1200" dirty="0"/>
+          </a:p>
+          <a:p>
+            <a:pPr marL="285750" indent="-285750">
+              <a:lnSpc>
+                <a:spcPct val="150000"/>
+              </a:lnSpc>
+              <a:buFont typeface="Arial" panose="020B0604020202020204" pitchFamily="34" charset="0"/>
+              <a:buChar char="•"/>
+            </a:pPr>
+            <a:r>
+              <a:rPr lang="ko-KR" altLang="en-US" sz="1200" dirty="0"/>
+              <a:t>글 저장 시 유효성 검사</a:t>
+            </a:r>
+            <a:r>
+              <a:rPr lang="en-US" altLang="ko-KR" sz="1200" dirty="0"/>
+              <a:t>(</a:t>
+            </a:r>
+            <a:r>
+              <a:rPr lang="ko-KR" altLang="en-US" sz="1200" dirty="0"/>
+              <a:t>공란 방지</a:t>
+            </a:r>
+            <a:r>
+              <a:rPr lang="en-US" altLang="ko-KR" sz="1200" dirty="0"/>
+              <a:t>)</a:t>
+            </a:r>
+          </a:p>
+          <a:p>
+            <a:pPr marL="285750" indent="-285750">
+              <a:lnSpc>
+                <a:spcPct val="150000"/>
+              </a:lnSpc>
+              <a:buFont typeface="Arial" panose="020B0604020202020204" pitchFamily="34" charset="0"/>
+              <a:buChar char="•"/>
+            </a:pPr>
+            <a:r>
+              <a:rPr lang="ko-KR" altLang="en-US" sz="1200" dirty="0"/>
+              <a:t>게시글 </a:t>
+            </a:r>
+            <a:r>
+              <a:rPr lang="en-US" altLang="ko-KR" sz="1200" dirty="0"/>
+              <a:t>[</a:t>
+            </a:r>
+            <a:r>
+              <a:rPr lang="ko-KR" altLang="en-US" sz="1200" dirty="0"/>
+              <a:t>읽기</a:t>
+            </a:r>
+            <a:r>
+              <a:rPr lang="en-US" altLang="ko-KR" sz="1200" dirty="0"/>
+              <a:t>] </a:t>
+            </a:r>
+            <a:r>
+              <a:rPr lang="ko-KR" altLang="en-US" sz="1200" dirty="0"/>
+              <a:t>클릭하여 읽을 때 마다 조회수 증가</a:t>
+            </a:r>
+            <a:endParaRPr lang="en-US" altLang="ko-KR" sz="1200" dirty="0"/>
+          </a:p>
+          <a:p>
+            <a:pPr marL="285750" indent="-285750">
+              <a:lnSpc>
+                <a:spcPct val="150000"/>
+              </a:lnSpc>
+              <a:buFont typeface="Arial" panose="020B0604020202020204" pitchFamily="34" charset="0"/>
+              <a:buChar char="•"/>
+            </a:pPr>
+            <a:r>
+              <a:rPr lang="en-US" altLang="ko-KR" sz="1200" dirty="0"/>
+              <a:t>[</a:t>
+            </a:r>
+            <a:r>
+              <a:rPr lang="ko-KR" altLang="en-US" sz="1200" dirty="0"/>
+              <a:t>수정</a:t>
+            </a:r>
+            <a:r>
+              <a:rPr lang="en-US" altLang="ko-KR" sz="1200" dirty="0"/>
+              <a:t>] </a:t>
+            </a:r>
+            <a:r>
+              <a:rPr lang="ko-KR" altLang="en-US" sz="1200" dirty="0"/>
+              <a:t>작성된 글을 불러와 작성 폼에 출력</a:t>
+            </a:r>
+            <a:endParaRPr lang="en-US" altLang="ko-KR" sz="1200" dirty="0"/>
+          </a:p>
+          <a:p>
+            <a:pPr marL="285750" indent="-285750">
+              <a:lnSpc>
+                <a:spcPct val="150000"/>
+              </a:lnSpc>
+              <a:buFont typeface="Arial" panose="020B0604020202020204" pitchFamily="34" charset="0"/>
+              <a:buChar char="•"/>
+            </a:pPr>
+            <a:r>
+              <a:rPr lang="en-US" altLang="ko-KR" sz="1200" dirty="0"/>
+              <a:t>[</a:t>
+            </a:r>
+            <a:r>
+              <a:rPr lang="ko-KR" altLang="en-US" sz="1200" dirty="0"/>
+              <a:t>삭제</a:t>
+            </a:r>
+            <a:r>
+              <a:rPr lang="en-US" altLang="ko-KR" sz="1200" dirty="0"/>
+              <a:t>] </a:t>
+            </a:r>
+            <a:r>
+              <a:rPr lang="ko-KR" altLang="en-US" sz="1200" dirty="0"/>
+              <a:t>버튼으로 글 삭제</a:t>
+            </a:r>
+            <a:endParaRPr lang="en-US" altLang="ko-KR" sz="1200" dirty="0"/>
+          </a:p>
+          <a:p>
+            <a:pPr marL="285750" indent="-285750">
+              <a:lnSpc>
+                <a:spcPct val="150000"/>
+              </a:lnSpc>
+              <a:buFont typeface="Arial" panose="020B0604020202020204" pitchFamily="34" charset="0"/>
+              <a:buChar char="•"/>
+            </a:pPr>
+            <a:r>
+              <a:rPr lang="en-US" altLang="ko-KR" sz="1200" b="1" dirty="0" err="1">
+                <a:solidFill>
+                  <a:schemeClr val="tx1"/>
+                </a:solidFill>
+              </a:rPr>
+              <a:t>useState</a:t>
+            </a:r>
+            <a:r>
+              <a:rPr lang="en-US" altLang="ko-KR" sz="1200" b="1" dirty="0"/>
+              <a:t> </a:t>
+            </a:r>
+            <a:r>
+              <a:rPr lang="ko-KR" altLang="en-US" sz="1200" dirty="0"/>
+              <a:t>사용으로 구현</a:t>
+            </a:r>
+          </a:p>
+        </p:txBody>
+      </p:sp>
+      <p:sp>
+        <p:nvSpPr>
+          <p:cNvPr id="14" name="직사각형 13">
+            <a:extLst>
+              <a:ext uri="{FF2B5EF4-FFF2-40B4-BE49-F238E27FC236}">
+                <a16:creationId xmlns:a16="http://schemas.microsoft.com/office/drawing/2014/main" id="{0A43D450-D113-42D3-89E6-968DBA036E40}"/>
+              </a:ext>
+            </a:extLst>
+          </p:cNvPr>
+          <p:cNvSpPr/>
+          <p:nvPr/>
+        </p:nvSpPr>
+        <p:spPr>
+          <a:xfrm>
+            <a:off x="5250823" y="2209918"/>
+            <a:ext cx="703285" cy="197380"/>
+          </a:xfrm>
+          <a:prstGeom prst="rect">
+            <a:avLst/>
+          </a:prstGeom>
+          <a:noFill/>
+          <a:ln w="22225">
+            <a:solidFill>
+              <a:srgbClr val="FF0000"/>
+            </a:solidFill>
+            <a:prstDash val="sysDash"/>
+          </a:ln>
+        </p:spPr>
+        <p:style>
+          <a:lnRef idx="2">
+            <a:schemeClr val="accent1">
+              <a:shade val="50000"/>
+            </a:schemeClr>
+          </a:lnRef>
+          <a:fillRef idx="1">
+            <a:schemeClr val="accent1"/>
+          </a:fillRef>
+          <a:effectRef idx="0">
+            <a:schemeClr val="accent1"/>
+          </a:effectRef>
+          <a:fontRef idx="minor">
+            <a:schemeClr val="lt1"/>
+          </a:fontRef>
+        </p:style>
+        <p:txBody>
+          <a:bodyPr rtlCol="0" anchor="ctr"/>
+          <a:lstStyle/>
+          <a:p>
+            <a:pPr algn="ctr"/>
+            <a:endParaRPr lang="en-US" altLang="ko-KR" sz="1200" b="1" dirty="0">
+              <a:solidFill>
+                <a:srgbClr val="FF0000"/>
+              </a:solidFill>
+            </a:endParaRPr>
+          </a:p>
+        </p:txBody>
+      </p:sp>
+      <p:sp>
+        <p:nvSpPr>
+          <p:cNvPr id="15" name="직사각형 14">
+            <a:extLst>
+              <a:ext uri="{FF2B5EF4-FFF2-40B4-BE49-F238E27FC236}">
+                <a16:creationId xmlns:a16="http://schemas.microsoft.com/office/drawing/2014/main" id="{A6416040-7613-4E09-ADD5-71049B6BAB68}"/>
+              </a:ext>
+            </a:extLst>
+          </p:cNvPr>
+          <p:cNvSpPr/>
+          <p:nvPr/>
+        </p:nvSpPr>
+        <p:spPr>
+          <a:xfrm>
+            <a:off x="4770526" y="3188481"/>
+            <a:ext cx="986461" cy="711716"/>
+          </a:xfrm>
+          <a:prstGeom prst="rect">
+            <a:avLst/>
+          </a:prstGeom>
+          <a:noFill/>
+          <a:ln w="22225">
+            <a:solidFill>
+              <a:srgbClr val="FF0000"/>
+            </a:solidFill>
+            <a:prstDash val="sysDash"/>
+          </a:ln>
+        </p:spPr>
+        <p:style>
+          <a:lnRef idx="2">
+            <a:schemeClr val="accent1">
+              <a:shade val="50000"/>
+            </a:schemeClr>
+          </a:lnRef>
+          <a:fillRef idx="1">
+            <a:schemeClr val="accent1"/>
+          </a:fillRef>
+          <a:effectRef idx="0">
+            <a:schemeClr val="accent1"/>
+          </a:effectRef>
+          <a:fontRef idx="minor">
+            <a:schemeClr val="lt1"/>
+          </a:fontRef>
+        </p:style>
+        <p:txBody>
+          <a:bodyPr rtlCol="0" anchor="ctr"/>
+          <a:lstStyle/>
+          <a:p>
+            <a:pPr algn="ctr"/>
+            <a:endParaRPr lang="en-US" altLang="ko-KR" sz="1200" b="1" dirty="0">
+              <a:solidFill>
+                <a:srgbClr val="FF0000"/>
+              </a:solidFill>
+            </a:endParaRPr>
+          </a:p>
+        </p:txBody>
+      </p:sp>
+      <p:sp>
+        <p:nvSpPr>
+          <p:cNvPr id="18" name="직사각형 17">
+            <a:extLst>
+              <a:ext uri="{FF2B5EF4-FFF2-40B4-BE49-F238E27FC236}">
+                <a16:creationId xmlns:a16="http://schemas.microsoft.com/office/drawing/2014/main" id="{E5E3DC1C-A7B1-464A-B3A6-51D35BC0B802}"/>
+              </a:ext>
+            </a:extLst>
+          </p:cNvPr>
+          <p:cNvSpPr/>
+          <p:nvPr/>
+        </p:nvSpPr>
+        <p:spPr>
+          <a:xfrm>
+            <a:off x="5602465" y="3932186"/>
+            <a:ext cx="723690" cy="228986"/>
+          </a:xfrm>
+          <a:prstGeom prst="rect">
+            <a:avLst/>
+          </a:prstGeom>
+          <a:noFill/>
+          <a:ln w="22225">
+            <a:solidFill>
+              <a:srgbClr val="FF0000"/>
+            </a:solidFill>
+            <a:prstDash val="sysDash"/>
+          </a:ln>
+        </p:spPr>
+        <p:style>
+          <a:lnRef idx="2">
+            <a:schemeClr val="accent1">
+              <a:shade val="50000"/>
+            </a:schemeClr>
+          </a:lnRef>
+          <a:fillRef idx="1">
+            <a:schemeClr val="accent1"/>
+          </a:fillRef>
+          <a:effectRef idx="0">
+            <a:schemeClr val="accent1"/>
+          </a:effectRef>
+          <a:fontRef idx="minor">
+            <a:schemeClr val="lt1"/>
+          </a:fontRef>
+        </p:style>
+        <p:txBody>
+          <a:bodyPr rtlCol="0" anchor="ctr"/>
+          <a:lstStyle/>
+          <a:p>
+            <a:pPr algn="ctr"/>
+            <a:endParaRPr lang="en-US" altLang="ko-KR" sz="1200" b="1" dirty="0">
+              <a:solidFill>
+                <a:srgbClr val="FF0000"/>
+              </a:solidFill>
+            </a:endParaRPr>
+          </a:p>
+        </p:txBody>
+      </p:sp>
+      <p:pic>
+        <p:nvPicPr>
+          <p:cNvPr id="6" name="그림 5">
+            <a:extLst>
+              <a:ext uri="{FF2B5EF4-FFF2-40B4-BE49-F238E27FC236}">
+                <a16:creationId xmlns:a16="http://schemas.microsoft.com/office/drawing/2014/main" id="{13A2CA78-A8D8-4CB0-8F0E-2C0ED81A6157}"/>
+              </a:ext>
+            </a:extLst>
+          </p:cNvPr>
+          <p:cNvPicPr>
+            <a:picLocks noChangeAspect="1"/>
+          </p:cNvPicPr>
+          <p:nvPr/>
+        </p:nvPicPr>
+        <p:blipFill>
+          <a:blip r:embed="rId4"/>
+          <a:stretch>
+            <a:fillRect/>
+          </a:stretch>
+        </p:blipFill>
+        <p:spPr>
+          <a:xfrm>
+            <a:off x="838199" y="4415023"/>
+            <a:ext cx="4823926" cy="1589744"/>
+          </a:xfrm>
+          <a:prstGeom prst="rect">
+            <a:avLst/>
+          </a:prstGeom>
+        </p:spPr>
+      </p:pic>
+      <p:cxnSp>
+        <p:nvCxnSpPr>
+          <p:cNvPr id="20" name="직선 화살표 연결선 19">
+            <a:extLst>
+              <a:ext uri="{FF2B5EF4-FFF2-40B4-BE49-F238E27FC236}">
+                <a16:creationId xmlns:a16="http://schemas.microsoft.com/office/drawing/2014/main" id="{FDD924D5-CAFB-46B5-9525-AF34CE4DC6DF}"/>
+              </a:ext>
+            </a:extLst>
+          </p:cNvPr>
+          <p:cNvCxnSpPr>
+            <a:cxnSpLocks/>
+            <a:stCxn id="18" idx="2"/>
+          </p:cNvCxnSpPr>
+          <p:nvPr/>
+        </p:nvCxnSpPr>
+        <p:spPr>
+          <a:xfrm flipH="1">
+            <a:off x="1772816" y="4161172"/>
+            <a:ext cx="4191494" cy="650552"/>
+          </a:xfrm>
+          <a:prstGeom prst="straightConnector1">
+            <a:avLst/>
+          </a:prstGeom>
+          <a:ln w="12700">
+            <a:solidFill>
+              <a:srgbClr val="FF0000"/>
+            </a:solidFill>
+            <a:tailEnd type="triangle"/>
+          </a:ln>
+        </p:spPr>
+        <p:style>
+          <a:lnRef idx="1">
+            <a:schemeClr val="accent1"/>
+          </a:lnRef>
+          <a:fillRef idx="0">
+            <a:schemeClr val="accent1"/>
+          </a:fillRef>
+          <a:effectRef idx="0">
+            <a:schemeClr val="accent1"/>
+          </a:effectRef>
+          <a:fontRef idx="minor">
+            <a:schemeClr val="tx1"/>
+          </a:fontRef>
+        </p:style>
+      </p:cxnSp>
+    </p:spTree>
+    <p:extLst>
+      <p:ext uri="{BB962C8B-B14F-4D97-AF65-F5344CB8AC3E}">
+        <p14:creationId xmlns:p14="http://schemas.microsoft.com/office/powerpoint/2010/main" val="1914084161"/>
+      </p:ext>
+    </p:extLst>
+  </p:cSld>
+  <p:clrMapOvr>
+    <a:masterClrMapping/>
+  </p:clrMapOvr>
+</p:sld>
+</file>
+
+<file path=ppt/slides/slide15.xml><?xml version="1.0" encoding="utf-8"?>
+<p:sld xmlns:a="http://schemas.openxmlformats.org/drawingml/2006/main" xmlns:r="http://schemas.openxmlformats.org/officeDocument/2006/relationships" xmlns:p="http://schemas.openxmlformats.org/presentationml/2006/main">
+  <p:cSld>
+    <p:spTree>
+      <p:nvGrpSpPr>
+        <p:cNvPr id="1" name=""/>
+        <p:cNvGrpSpPr/>
+        <p:nvPr/>
+      </p:nvGrpSpPr>
+      <p:grpSpPr>
+        <a:xfrm>
+          <a:off x="0" y="0"/>
+          <a:ext cx="0" cy="0"/>
+          <a:chOff x="0" y="0"/>
+          <a:chExt cx="0" cy="0"/>
+        </a:xfrm>
+      </p:grpSpPr>
+      <p:sp>
+        <p:nvSpPr>
+          <p:cNvPr id="2" name="제목 1">
+            <a:extLst>
+              <a:ext uri="{FF2B5EF4-FFF2-40B4-BE49-F238E27FC236}">
+                <a16:creationId xmlns:a16="http://schemas.microsoft.com/office/drawing/2014/main" id="{A8E54536-AE7B-4DDE-B6F4-595A07AB993C}"/>
+              </a:ext>
+            </a:extLst>
+          </p:cNvPr>
+          <p:cNvSpPr>
+            <a:spLocks noGrp="1"/>
+          </p:cNvSpPr>
+          <p:nvPr>
+            <p:ph type="title"/>
+          </p:nvPr>
+        </p:nvSpPr>
+        <p:spPr>
+          <a:xfrm>
+            <a:off x="838200" y="2766218"/>
+            <a:ext cx="10515600" cy="1325563"/>
+          </a:xfrm>
+        </p:spPr>
+        <p:txBody>
+          <a:bodyPr/>
+          <a:lstStyle/>
+          <a:p>
+            <a:pPr algn="ctr"/>
+            <a:r>
+              <a:rPr lang="en-US" altLang="ko-KR" dirty="0"/>
+              <a:t>End of doc</a:t>
+            </a:r>
+            <a:endParaRPr lang="ko-KR" altLang="en-US" dirty="0"/>
+          </a:p>
+        </p:txBody>
+      </p:sp>
+    </p:spTree>
+    <p:extLst>
+      <p:ext uri="{BB962C8B-B14F-4D97-AF65-F5344CB8AC3E}">
+        <p14:creationId xmlns:p14="http://schemas.microsoft.com/office/powerpoint/2010/main" val="1499650693"/>
       </p:ext>
     </p:extLst>
   </p:cSld>
@@ -4755,7 +7823,10 @@
             <a:avLst/>
           </a:prstGeom>
           <a:solidFill>
-            <a:schemeClr val="accent2"/>
+            <a:schemeClr val="accent2">
+              <a:lumMod val="60000"/>
+              <a:lumOff val="40000"/>
+            </a:schemeClr>
           </a:solidFill>
           <a:ln>
             <a:noFill/>
@@ -4873,7 +7944,10 @@
             <a:avLst/>
           </a:prstGeom>
           <a:solidFill>
-            <a:schemeClr val="accent2"/>
+            <a:schemeClr val="accent2">
+              <a:lumMod val="60000"/>
+              <a:lumOff val="40000"/>
+            </a:schemeClr>
           </a:solidFill>
           <a:ln>
             <a:noFill/>
@@ -5221,7 +8295,7 @@
         <p:spPr>
           <a:xfrm>
             <a:off x="838199" y="2309473"/>
-            <a:ext cx="5126373" cy="523220"/>
+            <a:ext cx="5126373" cy="461665"/>
           </a:xfrm>
           <a:prstGeom prst="rect">
             <a:avLst/>
@@ -5235,15 +8309,15 @@
           <a:lstStyle/>
           <a:p>
             <a:r>
-              <a:rPr lang="en-US" altLang="ko-KR" sz="1400" b="1" dirty="0"/>
+              <a:rPr lang="en-US" altLang="ko-KR" sz="1200" b="1" dirty="0"/>
               <a:t>1. </a:t>
             </a:r>
             <a:r>
-              <a:rPr lang="ko-KR" altLang="en-US" sz="1400" b="1" dirty="0"/>
+              <a:rPr lang="ko-KR" altLang="en-US" sz="1200" b="1" dirty="0"/>
               <a:t>사용자</a:t>
             </a:r>
             <a:r>
-              <a:rPr lang="en-US" altLang="ko-KR" sz="1400" b="1" dirty="0"/>
+              <a:rPr lang="en-US" altLang="ko-KR" sz="1200" b="1" dirty="0"/>
               <a:t> Navigation</a:t>
             </a:r>
           </a:p>
@@ -5253,10 +8327,10 @@
               <a:buChar char="•"/>
             </a:pPr>
             <a:r>
-              <a:rPr lang="en-US" altLang="ko-KR" sz="1400" dirty="0"/>
+              <a:rPr lang="en-US" altLang="ko-KR" sz="1200" dirty="0"/>
               <a:t>My Page / My Like / Shopping Bag / Login</a:t>
             </a:r>
-            <a:endParaRPr lang="ko-KR" altLang="en-US" sz="1400" dirty="0"/>
+            <a:endParaRPr lang="ko-KR" altLang="en-US" sz="1200" dirty="0"/>
           </a:p>
         </p:txBody>
       </p:sp>
@@ -5275,7 +8349,7 @@
         <p:spPr>
           <a:xfrm>
             <a:off x="855325" y="2875619"/>
-            <a:ext cx="5126373" cy="523220"/>
+            <a:ext cx="5126373" cy="461665"/>
           </a:xfrm>
           <a:prstGeom prst="rect">
             <a:avLst/>
@@ -5289,15 +8363,15 @@
           <a:lstStyle/>
           <a:p>
             <a:r>
-              <a:rPr lang="en-US" altLang="ko-KR" sz="1400" b="1" dirty="0"/>
+              <a:rPr lang="en-US" altLang="ko-KR" sz="1200" b="1" dirty="0"/>
               <a:t>2. </a:t>
             </a:r>
             <a:r>
-              <a:rPr lang="ko-KR" altLang="en-US" sz="1400" b="1" dirty="0" err="1"/>
+              <a:rPr lang="ko-KR" altLang="en-US" sz="1200" b="1" dirty="0" err="1"/>
               <a:t>콜렉션</a:t>
             </a:r>
             <a:r>
-              <a:rPr lang="en-US" altLang="ko-KR" sz="1400" b="1" dirty="0"/>
+              <a:rPr lang="en-US" altLang="ko-KR" sz="1200" b="1" dirty="0"/>
               <a:t> Navigation</a:t>
             </a:r>
           </a:p>
@@ -5307,15 +8381,15 @@
               <a:buChar char="•"/>
             </a:pPr>
             <a:r>
-              <a:rPr lang="ko-KR" altLang="en-US" sz="1400" dirty="0"/>
+              <a:rPr lang="ko-KR" altLang="en-US" sz="1200" dirty="0"/>
               <a:t>주요 </a:t>
             </a:r>
             <a:r>
-              <a:rPr lang="ko-KR" altLang="en-US" sz="1400" dirty="0" err="1"/>
+              <a:rPr lang="ko-KR" altLang="en-US" sz="1200" dirty="0" err="1"/>
               <a:t>콜렉션</a:t>
             </a:r>
             <a:r>
-              <a:rPr lang="ko-KR" altLang="en-US" sz="1400" dirty="0"/>
+              <a:rPr lang="ko-KR" altLang="en-US" sz="1200" dirty="0"/>
               <a:t> 별 네비게이션</a:t>
             </a:r>
           </a:p>
@@ -5336,7 +8410,7 @@
         <p:spPr>
           <a:xfrm>
             <a:off x="855325" y="3438476"/>
-            <a:ext cx="5126373" cy="523220"/>
+            <a:ext cx="5126373" cy="461665"/>
           </a:xfrm>
           <a:prstGeom prst="rect">
             <a:avLst/>
@@ -5350,15 +8424,15 @@
           <a:lstStyle/>
           <a:p>
             <a:r>
-              <a:rPr lang="en-US" altLang="ko-KR" sz="1400" b="1" dirty="0"/>
+              <a:rPr lang="en-US" altLang="ko-KR" sz="1200" b="1" dirty="0"/>
               <a:t>3. </a:t>
             </a:r>
             <a:r>
-              <a:rPr lang="ko-KR" altLang="en-US" sz="1400" b="1" dirty="0"/>
+              <a:rPr lang="ko-KR" altLang="en-US" sz="1200" b="1" dirty="0"/>
               <a:t>카테고리</a:t>
             </a:r>
             <a:r>
-              <a:rPr lang="en-US" altLang="ko-KR" sz="1400" b="1" dirty="0"/>
+              <a:rPr lang="en-US" altLang="ko-KR" sz="1200" b="1" dirty="0"/>
               <a:t> Navigation</a:t>
             </a:r>
           </a:p>
@@ -5368,7 +8442,7 @@
               <a:buChar char="•"/>
             </a:pPr>
             <a:r>
-              <a:rPr lang="ko-KR" altLang="en-US" sz="1400" dirty="0"/>
+              <a:rPr lang="ko-KR" altLang="en-US" sz="1200" dirty="0"/>
               <a:t>카테고리 별 네비게이션</a:t>
             </a:r>
           </a:p>
@@ -5389,7 +8463,7 @@
         <p:spPr>
           <a:xfrm>
             <a:off x="838198" y="3998694"/>
-            <a:ext cx="5126373" cy="523220"/>
+            <a:ext cx="5126373" cy="461665"/>
           </a:xfrm>
           <a:prstGeom prst="rect">
             <a:avLst/>
@@ -5403,18 +8477,18 @@
           <a:lstStyle/>
           <a:p>
             <a:r>
-              <a:rPr lang="en-US" altLang="ko-KR" sz="1400" b="1" dirty="0"/>
+              <a:rPr lang="en-US" altLang="ko-KR" sz="1200" b="1" dirty="0"/>
               <a:t>4. </a:t>
             </a:r>
             <a:r>
-              <a:rPr lang="ko-KR" altLang="en-US" sz="1400" b="1" dirty="0"/>
+              <a:rPr lang="ko-KR" altLang="en-US" sz="1200" b="1" dirty="0"/>
               <a:t>브랜드 </a:t>
             </a:r>
             <a:r>
-              <a:rPr lang="ko-KR" altLang="en-US" sz="1400" b="1" dirty="0" err="1"/>
+              <a:rPr lang="ko-KR" altLang="en-US" sz="1200" b="1" dirty="0" err="1"/>
               <a:t>콜렉션</a:t>
             </a:r>
-            <a:endParaRPr lang="en-US" altLang="ko-KR" sz="1400" b="1" dirty="0"/>
+            <a:endParaRPr lang="en-US" altLang="ko-KR" sz="1200" b="1" dirty="0"/>
           </a:p>
           <a:p>
             <a:pPr marL="342900" indent="-342900">
@@ -5422,7 +8496,7 @@
               <a:buChar char="•"/>
             </a:pPr>
             <a:r>
-              <a:rPr lang="ko-KR" altLang="en-US" sz="1400" dirty="0"/>
+              <a:rPr lang="ko-KR" altLang="en-US" sz="1200" dirty="0"/>
               <a:t>브랜드 뉴스 및 신상품</a:t>
             </a:r>
           </a:p>
@@ -5443,7 +8517,7 @@
         <p:spPr>
           <a:xfrm>
             <a:off x="838197" y="4558912"/>
-            <a:ext cx="5126373" cy="523220"/>
+            <a:ext cx="5126373" cy="461665"/>
           </a:xfrm>
           <a:prstGeom prst="rect">
             <a:avLst/>
@@ -5457,18 +8531,18 @@
           <a:lstStyle/>
           <a:p>
             <a:r>
-              <a:rPr lang="en-US" altLang="ko-KR" sz="1400" b="1" dirty="0"/>
+              <a:rPr lang="en-US" altLang="ko-KR" sz="1200" b="1" dirty="0"/>
               <a:t>5. Hit</a:t>
             </a:r>
             <a:r>
-              <a:rPr lang="ko-KR" altLang="en-US" sz="1400" b="1" dirty="0"/>
+              <a:rPr lang="ko-KR" altLang="en-US" sz="1200" b="1" dirty="0"/>
               <a:t> </a:t>
             </a:r>
             <a:r>
-              <a:rPr lang="ko-KR" altLang="en-US" sz="1400" b="1" dirty="0" err="1"/>
+              <a:rPr lang="ko-KR" altLang="en-US" sz="1200" b="1" dirty="0" err="1"/>
               <a:t>콜렉션</a:t>
             </a:r>
-            <a:endParaRPr lang="en-US" altLang="ko-KR" sz="1400" b="1" dirty="0"/>
+            <a:endParaRPr lang="en-US" altLang="ko-KR" sz="1200" b="1" dirty="0"/>
           </a:p>
           <a:p>
             <a:pPr marL="342900" indent="-342900">
@@ -5476,15 +8550,15 @@
               <a:buChar char="•"/>
             </a:pPr>
             <a:r>
-              <a:rPr lang="ko-KR" altLang="en-US" sz="1400" dirty="0"/>
+              <a:rPr lang="ko-KR" altLang="en-US" sz="1200" dirty="0"/>
               <a:t>인기 </a:t>
             </a:r>
             <a:r>
-              <a:rPr lang="ko-KR" altLang="en-US" sz="1400" dirty="0" err="1"/>
+              <a:rPr lang="ko-KR" altLang="en-US" sz="1200" dirty="0" err="1"/>
               <a:t>콜렉션</a:t>
             </a:r>
             <a:r>
-              <a:rPr lang="ko-KR" altLang="en-US" sz="1400" dirty="0"/>
+              <a:rPr lang="ko-KR" altLang="en-US" sz="1200" dirty="0"/>
               <a:t> 및 신상품 배너</a:t>
             </a:r>
           </a:p>
@@ -5505,7 +8579,7 @@
         <p:spPr>
           <a:xfrm>
             <a:off x="838198" y="5127697"/>
-            <a:ext cx="5126373" cy="523220"/>
+            <a:ext cx="5126373" cy="461665"/>
           </a:xfrm>
           <a:prstGeom prst="rect">
             <a:avLst/>
@@ -5519,18 +8593,18 @@
           <a:lstStyle/>
           <a:p>
             <a:r>
-              <a:rPr lang="en-US" altLang="ko-KR" sz="1400" b="1" dirty="0"/>
+              <a:rPr lang="en-US" altLang="ko-KR" sz="1200" b="1" dirty="0"/>
               <a:t>6. </a:t>
             </a:r>
             <a:r>
-              <a:rPr lang="ko-KR" altLang="en-US" sz="1400" b="1" dirty="0" err="1"/>
+              <a:rPr lang="ko-KR" altLang="en-US" sz="1200" b="1" dirty="0" err="1"/>
               <a:t>콜렉션</a:t>
             </a:r>
             <a:r>
-              <a:rPr lang="ko-KR" altLang="en-US" sz="1400" b="1" dirty="0"/>
+              <a:rPr lang="ko-KR" altLang="en-US" sz="1200" b="1" dirty="0"/>
               <a:t> 카드</a:t>
             </a:r>
-            <a:endParaRPr lang="en-US" altLang="ko-KR" sz="1400" b="1" dirty="0"/>
+            <a:endParaRPr lang="en-US" altLang="ko-KR" sz="1200" b="1" dirty="0"/>
           </a:p>
           <a:p>
             <a:pPr marL="342900" indent="-342900">
@@ -5538,11 +8612,11 @@
               <a:buChar char="•"/>
             </a:pPr>
             <a:r>
-              <a:rPr lang="ko-KR" altLang="en-US" sz="1400" dirty="0" err="1"/>
+              <a:rPr lang="ko-KR" altLang="en-US" sz="1200" dirty="0" err="1"/>
               <a:t>콜렉션</a:t>
             </a:r>
             <a:r>
-              <a:rPr lang="ko-KR" altLang="en-US" sz="1400" dirty="0"/>
+              <a:rPr lang="ko-KR" altLang="en-US" sz="1200" dirty="0"/>
               <a:t> 설명</a:t>
             </a:r>
           </a:p>
@@ -5563,7 +8637,7 @@
         <p:spPr>
           <a:xfrm>
             <a:off x="838197" y="5696482"/>
-            <a:ext cx="5126373" cy="523220"/>
+            <a:ext cx="5126373" cy="461665"/>
           </a:xfrm>
           <a:prstGeom prst="rect">
             <a:avLst/>
@@ -5577,14 +8651,14 @@
           <a:lstStyle/>
           <a:p>
             <a:r>
-              <a:rPr lang="en-US" altLang="ko-KR" sz="1400" b="1" dirty="0"/>
+              <a:rPr lang="en-US" altLang="ko-KR" sz="1200" b="1" dirty="0"/>
               <a:t>7. </a:t>
             </a:r>
             <a:r>
-              <a:rPr lang="ko-KR" altLang="en-US" sz="1400" b="1" dirty="0"/>
+              <a:rPr lang="ko-KR" altLang="en-US" sz="1200" b="1" dirty="0"/>
               <a:t>연관상품</a:t>
             </a:r>
-            <a:endParaRPr lang="en-US" altLang="ko-KR" sz="1400" b="1" dirty="0"/>
+            <a:endParaRPr lang="en-US" altLang="ko-KR" sz="1200" b="1" dirty="0"/>
           </a:p>
           <a:p>
             <a:pPr marL="342900" indent="-342900">
@@ -5592,11 +8666,11 @@
               <a:buChar char="•"/>
             </a:pPr>
             <a:r>
-              <a:rPr lang="ko-KR" altLang="en-US" sz="1400" dirty="0" err="1"/>
+              <a:rPr lang="ko-KR" altLang="en-US" sz="1200" dirty="0" err="1"/>
               <a:t>콜렉션</a:t>
             </a:r>
             <a:r>
-              <a:rPr lang="ko-KR" altLang="en-US" sz="1400" dirty="0"/>
+              <a:rPr lang="ko-KR" altLang="en-US" sz="1200" dirty="0"/>
               <a:t> 연관 상품</a:t>
             </a:r>
           </a:p>
@@ -5675,7 +8749,7 @@
         <p:spPr>
           <a:xfrm>
             <a:off x="838196" y="6256700"/>
-            <a:ext cx="5126373" cy="523220"/>
+            <a:ext cx="5126373" cy="461665"/>
           </a:xfrm>
           <a:prstGeom prst="rect">
             <a:avLst/>
@@ -5689,7 +8763,7 @@
           <a:lstStyle/>
           <a:p>
             <a:r>
-              <a:rPr lang="en-US" altLang="ko-KR" sz="1400" b="1" dirty="0"/>
+              <a:rPr lang="en-US" altLang="ko-KR" sz="1200" b="1" dirty="0"/>
               <a:t>8. Footer</a:t>
             </a:r>
           </a:p>
@@ -5699,23 +8773,23 @@
               <a:buChar char="•"/>
             </a:pPr>
             <a:r>
-              <a:rPr lang="ko-KR" altLang="en-US" sz="1400" dirty="0"/>
+              <a:rPr lang="ko-KR" altLang="en-US" sz="1200" dirty="0"/>
               <a:t>기업정보</a:t>
             </a:r>
             <a:r>
-              <a:rPr lang="en-US" altLang="ko-KR" sz="1400" dirty="0"/>
+              <a:rPr lang="en-US" altLang="ko-KR" sz="1200" dirty="0"/>
               <a:t> </a:t>
             </a:r>
             <a:r>
-              <a:rPr lang="ko-KR" altLang="en-US" sz="1400" dirty="0"/>
+              <a:rPr lang="ko-KR" altLang="en-US" sz="1200" dirty="0"/>
               <a:t>및 공지 </a:t>
             </a:r>
             <a:r>
-              <a:rPr lang="en-US" altLang="ko-KR" sz="1400" dirty="0"/>
+              <a:rPr lang="en-US" altLang="ko-KR" sz="1200" dirty="0"/>
               <a:t>/ </a:t>
             </a:r>
             <a:r>
-              <a:rPr lang="ko-KR" altLang="en-US" sz="1400" dirty="0"/>
+              <a:rPr lang="ko-KR" altLang="en-US" sz="1200" dirty="0"/>
               <a:t>고객센터 등</a:t>
             </a:r>
           </a:p>
@@ -5794,7 +8868,7 @@
         <p:spPr>
           <a:xfrm>
             <a:off x="11159804" y="1940970"/>
-            <a:ext cx="950694" cy="255961"/>
+            <a:ext cx="720000" cy="255961"/>
           </a:xfrm>
           <a:prstGeom prst="rect">
             <a:avLst/>
@@ -5857,7 +8931,7 @@
         <p:spPr>
           <a:xfrm>
             <a:off x="11159804" y="3998694"/>
-            <a:ext cx="950694" cy="255961"/>
+            <a:ext cx="720000" cy="255961"/>
           </a:xfrm>
           <a:prstGeom prst="rect">
             <a:avLst/>
@@ -5920,7 +8994,7 @@
         <p:spPr>
           <a:xfrm>
             <a:off x="11159804" y="5948083"/>
-            <a:ext cx="950694" cy="255961"/>
+            <a:ext cx="720000" cy="255961"/>
           </a:xfrm>
           <a:prstGeom prst="rect">
             <a:avLst/>
@@ -6401,7 +9475,10 @@
             <a:avLst/>
           </a:prstGeom>
           <a:solidFill>
-            <a:schemeClr val="accent2"/>
+            <a:schemeClr val="accent2">
+              <a:lumMod val="60000"/>
+              <a:lumOff val="40000"/>
+            </a:schemeClr>
           </a:solidFill>
           <a:ln>
             <a:noFill/>
@@ -6623,7 +9700,7 @@
         <p:spPr>
           <a:xfrm>
             <a:off x="838199" y="2693884"/>
-            <a:ext cx="5126373" cy="523220"/>
+            <a:ext cx="5126373" cy="461665"/>
           </a:xfrm>
           <a:prstGeom prst="rect">
             <a:avLst/>
@@ -6637,18 +9714,18 @@
           <a:lstStyle/>
           <a:p>
             <a:r>
-              <a:rPr lang="en-US" altLang="ko-KR" sz="1400" b="1" dirty="0"/>
+              <a:rPr lang="en-US" altLang="ko-KR" sz="1200" b="1" dirty="0"/>
               <a:t>1. </a:t>
             </a:r>
             <a:r>
-              <a:rPr lang="ko-KR" altLang="en-US" sz="1400" b="1" dirty="0" err="1"/>
+              <a:rPr lang="ko-KR" altLang="en-US" sz="1200" b="1" dirty="0" err="1"/>
               <a:t>콜렉션</a:t>
             </a:r>
             <a:r>
-              <a:rPr lang="ko-KR" altLang="en-US" sz="1400" b="1" dirty="0"/>
+              <a:rPr lang="ko-KR" altLang="en-US" sz="1200" b="1" dirty="0"/>
               <a:t> 설명</a:t>
             </a:r>
-            <a:endParaRPr lang="en-US" altLang="ko-KR" sz="1400" b="1" dirty="0"/>
+            <a:endParaRPr lang="en-US" altLang="ko-KR" sz="1200" b="1" dirty="0"/>
           </a:p>
           <a:p>
             <a:pPr marL="342900" indent="-342900">
@@ -6656,11 +9733,11 @@
               <a:buChar char="•"/>
             </a:pPr>
             <a:r>
-              <a:rPr lang="ko-KR" altLang="en-US" sz="1400" dirty="0" err="1"/>
+              <a:rPr lang="ko-KR" altLang="en-US" sz="1200" dirty="0" err="1"/>
               <a:t>콜렉션</a:t>
             </a:r>
             <a:r>
-              <a:rPr lang="ko-KR" altLang="en-US" sz="1400" dirty="0"/>
+              <a:rPr lang="ko-KR" altLang="en-US" sz="1200" dirty="0"/>
               <a:t> 특징을 설명</a:t>
             </a:r>
           </a:p>
@@ -6681,7 +9758,7 @@
         <p:spPr>
           <a:xfrm>
             <a:off x="855325" y="3260030"/>
-            <a:ext cx="5126373" cy="738664"/>
+            <a:ext cx="5126373" cy="646331"/>
           </a:xfrm>
           <a:prstGeom prst="rect">
             <a:avLst/>
@@ -6695,14 +9772,14 @@
           <a:lstStyle/>
           <a:p>
             <a:r>
-              <a:rPr lang="en-US" altLang="ko-KR" sz="1400" b="1" dirty="0"/>
+              <a:rPr lang="en-US" altLang="ko-KR" sz="1200" b="1" dirty="0"/>
               <a:t>2. </a:t>
             </a:r>
             <a:r>
-              <a:rPr lang="ko-KR" altLang="en-US" sz="1400" b="1" dirty="0"/>
+              <a:rPr lang="ko-KR" altLang="en-US" sz="1200" b="1" dirty="0"/>
               <a:t>할인 행사 카운트 다운</a:t>
             </a:r>
-            <a:endParaRPr lang="en-US" altLang="ko-KR" sz="1400" b="1" dirty="0"/>
+            <a:endParaRPr lang="en-US" altLang="ko-KR" sz="1200" b="1" dirty="0"/>
           </a:p>
           <a:p>
             <a:pPr marL="342900" indent="-342900">
@@ -6710,10 +9787,10 @@
               <a:buChar char="•"/>
             </a:pPr>
             <a:r>
-              <a:rPr lang="ko-KR" altLang="en-US" sz="1400" dirty="0"/>
+              <a:rPr lang="ko-KR" altLang="en-US" sz="1200" dirty="0"/>
               <a:t>할인 기간을 설정하여 시간을 카운트 다운</a:t>
             </a:r>
-            <a:endParaRPr lang="en-US" altLang="ko-KR" sz="1400" dirty="0"/>
+            <a:endParaRPr lang="en-US" altLang="ko-KR" sz="1200" dirty="0"/>
           </a:p>
           <a:p>
             <a:pPr marL="342900" indent="-342900">
@@ -6721,35 +9798,35 @@
               <a:buChar char="•"/>
             </a:pPr>
             <a:r>
-              <a:rPr lang="en-US" altLang="ko-KR" sz="1400" dirty="0"/>
+              <a:rPr lang="en-US" altLang="ko-KR" sz="1200" dirty="0"/>
               <a:t>X</a:t>
             </a:r>
             <a:r>
-              <a:rPr lang="ko-KR" altLang="en-US" sz="1400" dirty="0"/>
+              <a:rPr lang="ko-KR" altLang="en-US" sz="1200" dirty="0"/>
               <a:t>일 </a:t>
             </a:r>
             <a:r>
-              <a:rPr lang="en-US" altLang="ko-KR" sz="1400" dirty="0"/>
+              <a:rPr lang="en-US" altLang="ko-KR" sz="1200" dirty="0"/>
               <a:t>X</a:t>
             </a:r>
             <a:r>
-              <a:rPr lang="ko-KR" altLang="en-US" sz="1400" dirty="0"/>
+              <a:rPr lang="ko-KR" altLang="en-US" sz="1200" dirty="0"/>
               <a:t>시간 </a:t>
             </a:r>
             <a:r>
-              <a:rPr lang="en-US" altLang="ko-KR" sz="1400" dirty="0"/>
+              <a:rPr lang="en-US" altLang="ko-KR" sz="1200" dirty="0"/>
               <a:t>X</a:t>
             </a:r>
             <a:r>
-              <a:rPr lang="ko-KR" altLang="en-US" sz="1400" dirty="0"/>
+              <a:rPr lang="ko-KR" altLang="en-US" sz="1200" dirty="0"/>
               <a:t>분 </a:t>
             </a:r>
             <a:r>
-              <a:rPr lang="en-US" altLang="ko-KR" sz="1400" dirty="0"/>
+              <a:rPr lang="en-US" altLang="ko-KR" sz="1200" dirty="0"/>
               <a:t>X</a:t>
             </a:r>
             <a:r>
-              <a:rPr lang="ko-KR" altLang="en-US" sz="1400" dirty="0"/>
+              <a:rPr lang="ko-KR" altLang="en-US" sz="1200" dirty="0"/>
               <a:t>초 남음</a:t>
             </a:r>
           </a:p>
@@ -6770,7 +9847,7 @@
         <p:spPr>
           <a:xfrm>
             <a:off x="838198" y="4044259"/>
-            <a:ext cx="5126373" cy="523220"/>
+            <a:ext cx="5126373" cy="461665"/>
           </a:xfrm>
           <a:prstGeom prst="rect">
             <a:avLst/>
@@ -6784,14 +9861,14 @@
           <a:lstStyle/>
           <a:p>
             <a:r>
-              <a:rPr lang="en-US" altLang="ko-KR" sz="1400" b="1" dirty="0"/>
+              <a:rPr lang="en-US" altLang="ko-KR" sz="1200" b="1" dirty="0"/>
               <a:t>4. </a:t>
             </a:r>
             <a:r>
-              <a:rPr lang="ko-KR" altLang="en-US" sz="1400" b="1" dirty="0"/>
+              <a:rPr lang="ko-KR" altLang="en-US" sz="1200" b="1" dirty="0"/>
               <a:t>상품</a:t>
             </a:r>
-            <a:endParaRPr lang="en-US" altLang="ko-KR" sz="1400" b="1" dirty="0"/>
+            <a:endParaRPr lang="en-US" altLang="ko-KR" sz="1200" b="1" dirty="0"/>
           </a:p>
           <a:p>
             <a:pPr marL="342900" indent="-342900">
@@ -6799,7 +9876,7 @@
               <a:buChar char="•"/>
             </a:pPr>
             <a:r>
-              <a:rPr lang="ko-KR" altLang="en-US" sz="1400" dirty="0"/>
+              <a:rPr lang="ko-KR" altLang="en-US" sz="1200" dirty="0"/>
               <a:t>할인 행사 상품</a:t>
             </a:r>
           </a:p>
@@ -6936,7 +10013,7 @@
         <p:spPr>
           <a:xfrm>
             <a:off x="11159804" y="1940970"/>
-            <a:ext cx="950694" cy="255961"/>
+            <a:ext cx="720000" cy="255961"/>
           </a:xfrm>
           <a:prstGeom prst="rect">
             <a:avLst/>
@@ -6999,7 +10076,7 @@
         <p:spPr>
           <a:xfrm>
             <a:off x="11159804" y="3998694"/>
-            <a:ext cx="950694" cy="255961"/>
+            <a:ext cx="720000" cy="255961"/>
           </a:xfrm>
           <a:prstGeom prst="rect">
             <a:avLst/>
@@ -7062,7 +10139,7 @@
         <p:spPr>
           <a:xfrm>
             <a:off x="11159804" y="5948083"/>
-            <a:ext cx="950694" cy="255961"/>
+            <a:ext cx="720000" cy="255961"/>
           </a:xfrm>
           <a:prstGeom prst="rect">
             <a:avLst/>
@@ -7957,7 +11034,10 @@
             <a:avLst/>
           </a:prstGeom>
           <a:solidFill>
-            <a:schemeClr val="accent2"/>
+            <a:schemeClr val="accent2">
+              <a:lumMod val="60000"/>
+              <a:lumOff val="40000"/>
+            </a:schemeClr>
           </a:solidFill>
           <a:ln>
             <a:noFill/>
@@ -8177,7 +11257,7 @@
         <p:spPr>
           <a:xfrm>
             <a:off x="11159804" y="1940970"/>
-            <a:ext cx="950694" cy="255961"/>
+            <a:ext cx="720000" cy="255961"/>
           </a:xfrm>
           <a:prstGeom prst="rect">
             <a:avLst/>
@@ -8240,7 +11320,7 @@
         <p:spPr>
           <a:xfrm>
             <a:off x="11159804" y="3998694"/>
-            <a:ext cx="950694" cy="255961"/>
+            <a:ext cx="720000" cy="255961"/>
           </a:xfrm>
           <a:prstGeom prst="rect">
             <a:avLst/>
@@ -8303,7 +11383,7 @@
         <p:spPr>
           <a:xfrm>
             <a:off x="11159804" y="5948083"/>
-            <a:ext cx="950694" cy="255961"/>
+            <a:ext cx="720000" cy="255961"/>
           </a:xfrm>
           <a:prstGeom prst="rect">
             <a:avLst/>
@@ -8772,7 +11852,7 @@
         <p:spPr>
           <a:xfrm>
             <a:off x="838199" y="2309473"/>
-            <a:ext cx="5126373" cy="523220"/>
+            <a:ext cx="5126373" cy="461665"/>
           </a:xfrm>
           <a:prstGeom prst="rect">
             <a:avLst/>
@@ -8786,14 +11866,14 @@
           <a:lstStyle/>
           <a:p>
             <a:r>
-              <a:rPr lang="en-US" altLang="ko-KR" sz="1400" b="1" dirty="0"/>
+              <a:rPr lang="en-US" altLang="ko-KR" sz="1200" b="1" dirty="0"/>
               <a:t>1. </a:t>
             </a:r>
             <a:r>
-              <a:rPr lang="ko-KR" altLang="en-US" sz="1400" b="1" dirty="0" err="1"/>
+              <a:rPr lang="ko-KR" altLang="en-US" sz="1200" b="1" dirty="0" err="1"/>
               <a:t>상품이미지</a:t>
             </a:r>
-            <a:endParaRPr lang="en-US" altLang="ko-KR" sz="1400" b="1" dirty="0"/>
+            <a:endParaRPr lang="en-US" altLang="ko-KR" sz="1200" b="1" dirty="0"/>
           </a:p>
           <a:p>
             <a:pPr marL="342900" indent="-342900">
@@ -8801,14 +11881,14 @@
               <a:buChar char="•"/>
             </a:pPr>
             <a:r>
-              <a:rPr lang="ko-KR" altLang="en-US" sz="1400" dirty="0"/>
+              <a:rPr lang="ko-KR" altLang="en-US" sz="1200" dirty="0"/>
               <a:t>상품 </a:t>
             </a:r>
             <a:r>
-              <a:rPr lang="ko-KR" altLang="en-US" sz="1400" dirty="0" err="1"/>
+              <a:rPr lang="ko-KR" altLang="en-US" sz="1200" dirty="0" err="1"/>
               <a:t>대표이미지</a:t>
             </a:r>
-            <a:endParaRPr lang="ko-KR" altLang="en-US" sz="1400" dirty="0"/>
+            <a:endParaRPr lang="ko-KR" altLang="en-US" sz="1200" dirty="0"/>
           </a:p>
         </p:txBody>
       </p:sp>
@@ -8827,7 +11907,7 @@
         <p:spPr>
           <a:xfrm>
             <a:off x="855325" y="2875619"/>
-            <a:ext cx="5126373" cy="523220"/>
+            <a:ext cx="5126373" cy="461665"/>
           </a:xfrm>
           <a:prstGeom prst="rect">
             <a:avLst/>
@@ -8841,14 +11921,14 @@
           <a:lstStyle/>
           <a:p>
             <a:r>
-              <a:rPr lang="en-US" altLang="ko-KR" sz="1400" b="1" dirty="0"/>
+              <a:rPr lang="en-US" altLang="ko-KR" sz="1200" b="1" dirty="0"/>
               <a:t>2. </a:t>
             </a:r>
             <a:r>
-              <a:rPr lang="ko-KR" altLang="en-US" sz="1400" b="1" dirty="0"/>
+              <a:rPr lang="ko-KR" altLang="en-US" sz="1200" b="1" dirty="0"/>
               <a:t>상품명 및 기타정보</a:t>
             </a:r>
-            <a:endParaRPr lang="en-US" altLang="ko-KR" sz="1400" b="1" dirty="0"/>
+            <a:endParaRPr lang="en-US" altLang="ko-KR" sz="1200" b="1" dirty="0"/>
           </a:p>
           <a:p>
             <a:pPr marL="342900" indent="-342900">
@@ -8856,23 +11936,23 @@
               <a:buChar char="•"/>
             </a:pPr>
             <a:r>
-              <a:rPr lang="ko-KR" altLang="en-US" sz="1400" dirty="0"/>
+              <a:rPr lang="ko-KR" altLang="en-US" sz="1200" dirty="0"/>
               <a:t>상품명</a:t>
             </a:r>
             <a:r>
-              <a:rPr lang="en-US" altLang="ko-KR" sz="1400" dirty="0"/>
+              <a:rPr lang="en-US" altLang="ko-KR" sz="1200" dirty="0"/>
               <a:t>, </a:t>
             </a:r>
             <a:r>
-              <a:rPr lang="ko-KR" altLang="en-US" sz="1400" dirty="0"/>
+              <a:rPr lang="ko-KR" altLang="en-US" sz="1200" dirty="0"/>
               <a:t>평점</a:t>
             </a:r>
             <a:r>
-              <a:rPr lang="en-US" altLang="ko-KR" sz="1400" dirty="0"/>
+              <a:rPr lang="en-US" altLang="ko-KR" sz="1200" dirty="0"/>
               <a:t>, </a:t>
             </a:r>
             <a:r>
-              <a:rPr lang="ko-KR" altLang="en-US" sz="1400" dirty="0"/>
+              <a:rPr lang="ko-KR" altLang="en-US" sz="1200" dirty="0"/>
               <a:t>리뷰 등</a:t>
             </a:r>
           </a:p>
@@ -8893,7 +11973,7 @@
         <p:spPr>
           <a:xfrm>
             <a:off x="855325" y="3438476"/>
-            <a:ext cx="5126373" cy="523220"/>
+            <a:ext cx="5126373" cy="461665"/>
           </a:xfrm>
           <a:prstGeom prst="rect">
             <a:avLst/>
@@ -8907,14 +11987,14 @@
           <a:lstStyle/>
           <a:p>
             <a:r>
-              <a:rPr lang="en-US" altLang="ko-KR" sz="1400" b="1" dirty="0"/>
+              <a:rPr lang="en-US" altLang="ko-KR" sz="1200" b="1" dirty="0"/>
               <a:t>3. </a:t>
             </a:r>
             <a:r>
-              <a:rPr lang="ko-KR" altLang="en-US" sz="1400" b="1" dirty="0"/>
+              <a:rPr lang="ko-KR" altLang="en-US" sz="1200" b="1" dirty="0"/>
               <a:t>가격정보</a:t>
             </a:r>
-            <a:endParaRPr lang="en-US" altLang="ko-KR" sz="1400" b="1" dirty="0"/>
+            <a:endParaRPr lang="en-US" altLang="ko-KR" sz="1200" b="1" dirty="0"/>
           </a:p>
           <a:p>
             <a:pPr marL="342900" indent="-342900">
@@ -8922,15 +12002,15 @@
               <a:buChar char="•"/>
             </a:pPr>
             <a:r>
-              <a:rPr lang="ko-KR" altLang="en-US" sz="1400" dirty="0"/>
+              <a:rPr lang="ko-KR" altLang="en-US" sz="1200" dirty="0"/>
               <a:t>가격 관련 할인율</a:t>
             </a:r>
             <a:r>
-              <a:rPr lang="en-US" altLang="ko-KR" sz="1400" dirty="0"/>
+              <a:rPr lang="en-US" altLang="ko-KR" sz="1200" dirty="0"/>
               <a:t>, </a:t>
             </a:r>
             <a:r>
-              <a:rPr lang="ko-KR" altLang="en-US" sz="1400" dirty="0"/>
+              <a:rPr lang="ko-KR" altLang="en-US" sz="1200" dirty="0"/>
               <a:t>조건 별 구매가능 가격</a:t>
             </a:r>
           </a:p>
@@ -8951,7 +12031,7 @@
         <p:spPr>
           <a:xfrm>
             <a:off x="838198" y="3998694"/>
-            <a:ext cx="5126373" cy="523220"/>
+            <a:ext cx="5126373" cy="461665"/>
           </a:xfrm>
           <a:prstGeom prst="rect">
             <a:avLst/>
@@ -8965,14 +12045,14 @@
           <a:lstStyle/>
           <a:p>
             <a:r>
-              <a:rPr lang="en-US" altLang="ko-KR" sz="1400" b="1" dirty="0"/>
+              <a:rPr lang="en-US" altLang="ko-KR" sz="1200" b="1" dirty="0"/>
               <a:t>4. </a:t>
             </a:r>
             <a:r>
-              <a:rPr lang="ko-KR" altLang="en-US" sz="1400" b="1" dirty="0"/>
+              <a:rPr lang="ko-KR" altLang="en-US" sz="1200" b="1" dirty="0"/>
               <a:t>배송정보</a:t>
             </a:r>
-            <a:endParaRPr lang="en-US" altLang="ko-KR" sz="1400" b="1" dirty="0"/>
+            <a:endParaRPr lang="en-US" altLang="ko-KR" sz="1200" b="1" dirty="0"/>
           </a:p>
           <a:p>
             <a:pPr marL="342900" indent="-342900">
@@ -8980,7 +12060,7 @@
               <a:buChar char="•"/>
             </a:pPr>
             <a:r>
-              <a:rPr lang="ko-KR" altLang="en-US" sz="1400" dirty="0"/>
+              <a:rPr lang="ko-KR" altLang="en-US" sz="1200" dirty="0"/>
               <a:t>배송일정 및 배송비 관련 정보</a:t>
             </a:r>
           </a:p>
@@ -9001,7 +12081,7 @@
         <p:spPr>
           <a:xfrm>
             <a:off x="838197" y="4558912"/>
-            <a:ext cx="5126373" cy="523220"/>
+            <a:ext cx="5126373" cy="461665"/>
           </a:xfrm>
           <a:prstGeom prst="rect">
             <a:avLst/>
@@ -9015,14 +12095,14 @@
           <a:lstStyle/>
           <a:p>
             <a:r>
-              <a:rPr lang="en-US" altLang="ko-KR" sz="1400" b="1" dirty="0"/>
+              <a:rPr lang="en-US" altLang="ko-KR" sz="1200" b="1" dirty="0"/>
               <a:t>5. </a:t>
             </a:r>
             <a:r>
-              <a:rPr lang="ko-KR" altLang="en-US" sz="1400" b="1" dirty="0"/>
+              <a:rPr lang="ko-KR" altLang="en-US" sz="1200" b="1" dirty="0"/>
               <a:t>장바구니 담기</a:t>
             </a:r>
-            <a:endParaRPr lang="en-US" altLang="ko-KR" sz="1400" b="1" dirty="0"/>
+            <a:endParaRPr lang="en-US" altLang="ko-KR" sz="1200" b="1" dirty="0"/>
           </a:p>
           <a:p>
             <a:pPr marL="342900" indent="-342900">
@@ -9030,7 +12110,7 @@
               <a:buChar char="•"/>
             </a:pPr>
             <a:r>
-              <a:rPr lang="ko-KR" altLang="en-US" sz="1400" dirty="0"/>
+              <a:rPr lang="ko-KR" altLang="en-US" sz="1200" dirty="0"/>
               <a:t>구매 할 상품 장바구니에 담기</a:t>
             </a:r>
           </a:p>
@@ -9051,7 +12131,7 @@
         <p:spPr>
           <a:xfrm>
             <a:off x="838198" y="5127697"/>
-            <a:ext cx="5126373" cy="523220"/>
+            <a:ext cx="5126373" cy="461665"/>
           </a:xfrm>
           <a:prstGeom prst="rect">
             <a:avLst/>
@@ -9065,14 +12145,14 @@
           <a:lstStyle/>
           <a:p>
             <a:r>
-              <a:rPr lang="en-US" altLang="ko-KR" sz="1400" b="1" dirty="0"/>
+              <a:rPr lang="en-US" altLang="ko-KR" sz="1200" b="1" dirty="0"/>
               <a:t>6. </a:t>
             </a:r>
             <a:r>
-              <a:rPr lang="ko-KR" altLang="en-US" sz="1400" b="1" dirty="0"/>
+              <a:rPr lang="ko-KR" altLang="en-US" sz="1200" b="1" dirty="0"/>
               <a:t>바로 구매하기</a:t>
             </a:r>
-            <a:endParaRPr lang="en-US" altLang="ko-KR" sz="1400" b="1" dirty="0"/>
+            <a:endParaRPr lang="en-US" altLang="ko-KR" sz="1200" b="1" dirty="0"/>
           </a:p>
           <a:p>
             <a:pPr marL="342900" indent="-342900">
@@ -9080,7 +12160,7 @@
               <a:buChar char="•"/>
             </a:pPr>
             <a:r>
-              <a:rPr lang="ko-KR" altLang="en-US" sz="1400" dirty="0"/>
+              <a:rPr lang="ko-KR" altLang="en-US" sz="1200" dirty="0"/>
               <a:t>장바구니 담지 않고 바로 구매</a:t>
             </a:r>
           </a:p>
@@ -9101,7 +12181,7 @@
         <p:spPr>
           <a:xfrm>
             <a:off x="838197" y="5696482"/>
-            <a:ext cx="5126373" cy="523220"/>
+            <a:ext cx="5126373" cy="461665"/>
           </a:xfrm>
           <a:prstGeom prst="rect">
             <a:avLst/>
@@ -9115,14 +12195,14 @@
           <a:lstStyle/>
           <a:p>
             <a:r>
-              <a:rPr lang="en-US" altLang="ko-KR" sz="1400" b="1" dirty="0"/>
+              <a:rPr lang="en-US" altLang="ko-KR" sz="1200" b="1" dirty="0"/>
               <a:t>7. </a:t>
             </a:r>
             <a:r>
-              <a:rPr lang="ko-KR" altLang="en-US" sz="1400" b="1" dirty="0"/>
+              <a:rPr lang="ko-KR" altLang="en-US" sz="1200" b="1" dirty="0"/>
               <a:t>배너</a:t>
             </a:r>
-            <a:endParaRPr lang="en-US" altLang="ko-KR" sz="1400" b="1" dirty="0"/>
+            <a:endParaRPr lang="en-US" altLang="ko-KR" sz="1200" b="1" dirty="0"/>
           </a:p>
           <a:p>
             <a:pPr marL="342900" indent="-342900">
@@ -9130,15 +12210,15 @@
               <a:buChar char="•"/>
             </a:pPr>
             <a:r>
-              <a:rPr lang="ko-KR" altLang="en-US" sz="1400" dirty="0"/>
+              <a:rPr lang="ko-KR" altLang="en-US" sz="1200" dirty="0"/>
               <a:t>행사 및 인기 </a:t>
             </a:r>
             <a:r>
-              <a:rPr lang="ko-KR" altLang="en-US" sz="1400" dirty="0" err="1"/>
+              <a:rPr lang="ko-KR" altLang="en-US" sz="1200" dirty="0" err="1"/>
               <a:t>콜렉션</a:t>
             </a:r>
             <a:r>
-              <a:rPr lang="ko-KR" altLang="en-US" sz="1400" dirty="0"/>
+              <a:rPr lang="ko-KR" altLang="en-US" sz="1200" dirty="0"/>
               <a:t> 관련 배너</a:t>
             </a:r>
           </a:p>
@@ -9159,7 +12239,7 @@
         <p:spPr>
           <a:xfrm>
             <a:off x="838196" y="6256700"/>
-            <a:ext cx="5126373" cy="307777"/>
+            <a:ext cx="5126373" cy="276999"/>
           </a:xfrm>
           <a:prstGeom prst="rect">
             <a:avLst/>
@@ -9173,14 +12253,14 @@
           <a:lstStyle/>
           <a:p>
             <a:r>
-              <a:rPr lang="en-US" altLang="ko-KR" sz="1400" b="1" dirty="0"/>
+              <a:rPr lang="en-US" altLang="ko-KR" sz="1200" b="1" dirty="0"/>
               <a:t>8. </a:t>
             </a:r>
             <a:r>
-              <a:rPr lang="ko-KR" altLang="en-US" sz="1400" b="1" dirty="0"/>
+              <a:rPr lang="ko-KR" altLang="en-US" sz="1200" b="1" dirty="0"/>
               <a:t>상품 상세설명</a:t>
             </a:r>
-            <a:endParaRPr lang="en-US" altLang="ko-KR" sz="1400" b="1" dirty="0"/>
+            <a:endParaRPr lang="en-US" altLang="ko-KR" sz="1200" b="1" dirty="0"/>
           </a:p>
         </p:txBody>
       </p:sp>
@@ -9617,7 +12697,10 @@
             <a:avLst/>
           </a:prstGeom>
           <a:solidFill>
-            <a:schemeClr val="accent2"/>
+            <a:schemeClr val="accent2">
+              <a:lumMod val="60000"/>
+              <a:lumOff val="40000"/>
+            </a:schemeClr>
           </a:solidFill>
           <a:ln>
             <a:noFill/>
@@ -9662,8 +12745,8 @@
         </p:nvSpPr>
         <p:spPr>
           <a:xfrm>
-            <a:off x="6397654" y="2753354"/>
-            <a:ext cx="1806545" cy="1924473"/>
+            <a:off x="6756655" y="3179981"/>
+            <a:ext cx="630551" cy="576615"/>
           </a:xfrm>
           <a:prstGeom prst="rect">
             <a:avLst/>
@@ -9700,7 +12783,7 @@
             <a:pPr algn="ctr"/>
             <a:r>
               <a:rPr lang="ko-KR" altLang="en-US" sz="1100" b="1" dirty="0"/>
-              <a:t>상품 이미지</a:t>
+              <a:t>이미지</a:t>
             </a:r>
             <a:endParaRPr lang="en-US" altLang="ko-KR" sz="1100" b="1" dirty="0"/>
           </a:p>
@@ -9837,7 +12920,7 @@
         <p:spPr>
           <a:xfrm>
             <a:off x="11159804" y="1940970"/>
-            <a:ext cx="950694" cy="255961"/>
+            <a:ext cx="720000" cy="255961"/>
           </a:xfrm>
           <a:prstGeom prst="rect">
             <a:avLst/>
@@ -9900,7 +12983,7 @@
         <p:spPr>
           <a:xfrm>
             <a:off x="11159804" y="3998694"/>
-            <a:ext cx="950694" cy="255961"/>
+            <a:ext cx="720000" cy="255961"/>
           </a:xfrm>
           <a:prstGeom prst="rect">
             <a:avLst/>
@@ -9963,7 +13046,7 @@
         <p:spPr>
           <a:xfrm>
             <a:off x="11159804" y="5948083"/>
-            <a:ext cx="950694" cy="255961"/>
+            <a:ext cx="720000" cy="255961"/>
           </a:xfrm>
           <a:prstGeom prst="rect">
             <a:avLst/>
@@ -10013,10 +13096,10 @@
       </p:sp>
       <p:sp>
         <p:nvSpPr>
-          <p:cNvPr id="35" name="직사각형 34">
-            <a:extLst>
-              <a:ext uri="{FF2B5EF4-FFF2-40B4-BE49-F238E27FC236}">
-                <a16:creationId xmlns:a16="http://schemas.microsoft.com/office/drawing/2014/main" id="{0B7ADA5F-0CF2-4FB8-9422-86847A170320}"/>
+          <p:cNvPr id="38" name="직사각형 37">
+            <a:extLst>
+              <a:ext uri="{FF2B5EF4-FFF2-40B4-BE49-F238E27FC236}">
+                <a16:creationId xmlns:a16="http://schemas.microsoft.com/office/drawing/2014/main" id="{01DE39E5-3BE8-4AEF-9284-592E995F6D9A}"/>
               </a:ext>
             </a:extLst>
           </p:cNvPr>
@@ -10025,17 +13108,13 @@
         </p:nvSpPr>
         <p:spPr>
           <a:xfrm>
-            <a:off x="8332625" y="3111752"/>
-            <a:ext cx="2499659" cy="527169"/>
-          </a:xfrm>
-          <a:prstGeom prst="rect">
-            <a:avLst/>
-          </a:prstGeom>
-          <a:solidFill>
-            <a:schemeClr val="accent1">
-              <a:lumMod val="75000"/>
-            </a:schemeClr>
-          </a:solidFill>
+            <a:off x="7387205" y="3150168"/>
+            <a:ext cx="1042360" cy="576615"/>
+          </a:xfrm>
+          <a:prstGeom prst="rect">
+            <a:avLst/>
+          </a:prstGeom>
+          <a:noFill/>
           <a:ln>
             <a:noFill/>
           </a:ln>
@@ -10062,19 +13141,146 @@
           <a:p>
             <a:pPr algn="ctr"/>
             <a:r>
-              <a:rPr lang="ko-KR" altLang="en-US" sz="1100" b="1" dirty="0"/>
-              <a:t>가격정보</a:t>
-            </a:r>
-            <a:endParaRPr lang="en-US" altLang="ko-KR" sz="1100" b="1" dirty="0"/>
-          </a:p>
-        </p:txBody>
-      </p:sp>
-      <p:sp>
-        <p:nvSpPr>
-          <p:cNvPr id="36" name="직사각형 35">
-            <a:extLst>
-              <a:ext uri="{FF2B5EF4-FFF2-40B4-BE49-F238E27FC236}">
-                <a16:creationId xmlns:a16="http://schemas.microsoft.com/office/drawing/2014/main" id="{F3A5D59E-4B8A-43BD-9342-267EE2D1D219}"/>
+              <a:rPr lang="en-US" altLang="ko-KR" sz="1100" b="1" dirty="0"/>
+              <a:t>title</a:t>
+            </a:r>
+          </a:p>
+        </p:txBody>
+      </p:sp>
+      <p:sp>
+        <p:nvSpPr>
+          <p:cNvPr id="42" name="TextBox 41">
+            <a:extLst>
+              <a:ext uri="{FF2B5EF4-FFF2-40B4-BE49-F238E27FC236}">
+                <a16:creationId xmlns:a16="http://schemas.microsoft.com/office/drawing/2014/main" id="{9EDA496F-4E97-46A1-A9CB-DF392DF742E2}"/>
+              </a:ext>
+            </a:extLst>
+          </p:cNvPr>
+          <p:cNvSpPr txBox="1"/>
+          <p:nvPr/>
+        </p:nvSpPr>
+        <p:spPr>
+          <a:xfrm>
+            <a:off x="838199" y="2661110"/>
+            <a:ext cx="5126373" cy="276999"/>
+          </a:xfrm>
+          <a:prstGeom prst="rect">
+            <a:avLst/>
+          </a:prstGeom>
+          <a:noFill/>
+        </p:spPr>
+        <p:txBody>
+          <a:bodyPr wrap="square" rtlCol="0">
+            <a:spAutoFit/>
+          </a:bodyPr>
+          <a:lstStyle/>
+          <a:p>
+            <a:r>
+              <a:rPr lang="en-US" altLang="ko-KR" sz="1200" b="1" dirty="0"/>
+              <a:t>1. </a:t>
+            </a:r>
+            <a:r>
+              <a:rPr lang="ko-KR" altLang="en-US" sz="1200" b="1" dirty="0" err="1"/>
+              <a:t>상품이미지</a:t>
+            </a:r>
+            <a:r>
+              <a:rPr lang="ko-KR" altLang="en-US" sz="1200" b="1" dirty="0"/>
+              <a:t> </a:t>
+            </a:r>
+            <a:r>
+              <a:rPr lang="en-US" altLang="ko-KR" sz="1200" b="1" dirty="0"/>
+              <a:t>/ </a:t>
+            </a:r>
+            <a:r>
+              <a:rPr lang="ko-KR" altLang="en-US" sz="1200" b="1" dirty="0"/>
+              <a:t>상품명 </a:t>
+            </a:r>
+            <a:r>
+              <a:rPr lang="en-US" altLang="ko-KR" sz="1200" b="1" dirty="0"/>
+              <a:t>/ </a:t>
+            </a:r>
+            <a:r>
+              <a:rPr lang="ko-KR" altLang="en-US" sz="1200" b="1" dirty="0"/>
+              <a:t>수량</a:t>
+            </a:r>
+            <a:endParaRPr lang="ko-KR" altLang="en-US" sz="1200" dirty="0"/>
+          </a:p>
+        </p:txBody>
+      </p:sp>
+      <p:sp>
+        <p:nvSpPr>
+          <p:cNvPr id="43" name="TextBox 42">
+            <a:extLst>
+              <a:ext uri="{FF2B5EF4-FFF2-40B4-BE49-F238E27FC236}">
+                <a16:creationId xmlns:a16="http://schemas.microsoft.com/office/drawing/2014/main" id="{ED08CEFF-3620-4653-A8F2-14049D502061}"/>
+              </a:ext>
+            </a:extLst>
+          </p:cNvPr>
+          <p:cNvSpPr txBox="1"/>
+          <p:nvPr/>
+        </p:nvSpPr>
+        <p:spPr>
+          <a:xfrm>
+            <a:off x="855325" y="3227256"/>
+            <a:ext cx="5126373" cy="830997"/>
+          </a:xfrm>
+          <a:prstGeom prst="rect">
+            <a:avLst/>
+          </a:prstGeom>
+          <a:noFill/>
+        </p:spPr>
+        <p:txBody>
+          <a:bodyPr wrap="square" rtlCol="0">
+            <a:spAutoFit/>
+          </a:bodyPr>
+          <a:lstStyle/>
+          <a:p>
+            <a:r>
+              <a:rPr lang="en-US" altLang="ko-KR" sz="1200" b="1" dirty="0"/>
+              <a:t>2. </a:t>
+            </a:r>
+            <a:r>
+              <a:rPr lang="ko-KR" altLang="en-US" sz="1200" b="1" dirty="0"/>
+              <a:t>변경하기</a:t>
+            </a:r>
+            <a:endParaRPr lang="en-US" altLang="ko-KR" sz="1200" b="1" dirty="0"/>
+          </a:p>
+          <a:p>
+            <a:pPr marL="342900" indent="-342900">
+              <a:buFont typeface="Arial" panose="020B0604020202020204" pitchFamily="34" charset="0"/>
+              <a:buChar char="•"/>
+            </a:pPr>
+            <a:r>
+              <a:rPr lang="en-US" altLang="ko-KR" sz="1200" dirty="0"/>
+              <a:t>+ / - </a:t>
+            </a:r>
+            <a:r>
+              <a:rPr lang="ko-KR" altLang="en-US" sz="1200" dirty="0"/>
+              <a:t>버튼으로 수량 변경</a:t>
+            </a:r>
+            <a:endParaRPr lang="en-US" altLang="ko-KR" sz="1200" dirty="0"/>
+          </a:p>
+          <a:p>
+            <a:pPr marL="342900" indent="-342900">
+              <a:buFont typeface="Arial" panose="020B0604020202020204" pitchFamily="34" charset="0"/>
+              <a:buChar char="•"/>
+            </a:pPr>
+            <a:r>
+              <a:rPr lang="ko-KR" altLang="en-US" sz="1200" dirty="0"/>
+              <a:t>상품삭제 버튼으로 장바구니에서 해당 상품 삭제</a:t>
+            </a:r>
+          </a:p>
+          <a:p>
+            <a:endParaRPr lang="ko-KR" altLang="en-US" sz="1200" dirty="0"/>
+          </a:p>
+        </p:txBody>
+      </p:sp>
+      <p:sp>
+        <p:nvSpPr>
+          <p:cNvPr id="10" name="직사각형 9">
+            <a:extLst>
+              <a:ext uri="{FF2B5EF4-FFF2-40B4-BE49-F238E27FC236}">
+                <a16:creationId xmlns:a16="http://schemas.microsoft.com/office/drawing/2014/main" id="{5A42E5A9-14FB-DECF-8655-5C273B3CD8CF}"/>
               </a:ext>
             </a:extLst>
           </p:cNvPr>
@@ -10083,8 +13289,8 @@
         </p:nvSpPr>
         <p:spPr>
           <a:xfrm>
-            <a:off x="8341480" y="3694150"/>
-            <a:ext cx="2490804" cy="527169"/>
+            <a:off x="6756655" y="4037059"/>
+            <a:ext cx="630551" cy="576615"/>
           </a:xfrm>
           <a:prstGeom prst="rect">
             <a:avLst/>
@@ -10121,7 +13327,7 @@
             <a:pPr algn="ctr"/>
             <a:r>
               <a:rPr lang="ko-KR" altLang="en-US" sz="1100" b="1" dirty="0"/>
-              <a:t>배송정보</a:t>
+              <a:t>이미지</a:t>
             </a:r>
             <a:endParaRPr lang="en-US" altLang="ko-KR" sz="1100" b="1" dirty="0"/>
           </a:p>
@@ -10129,10 +13335,10 @@
       </p:sp>
       <p:sp>
         <p:nvSpPr>
-          <p:cNvPr id="37" name="직사각형 36">
-            <a:extLst>
-              <a:ext uri="{FF2B5EF4-FFF2-40B4-BE49-F238E27FC236}">
-                <a16:creationId xmlns:a16="http://schemas.microsoft.com/office/drawing/2014/main" id="{0381E49A-440A-4348-8E91-C282B9999392}"/>
+          <p:cNvPr id="11" name="직사각형 10">
+            <a:extLst>
+              <a:ext uri="{FF2B5EF4-FFF2-40B4-BE49-F238E27FC236}">
+                <a16:creationId xmlns:a16="http://schemas.microsoft.com/office/drawing/2014/main" id="{8A7251BE-9EFF-03F0-3884-76C89A5A915C}"/>
               </a:ext>
             </a:extLst>
           </p:cNvPr>
@@ -10141,8 +13347,8 @@
         </p:nvSpPr>
         <p:spPr>
           <a:xfrm>
-            <a:off x="6397654" y="5243787"/>
-            <a:ext cx="4434630" cy="485327"/>
+            <a:off x="6756654" y="4842766"/>
+            <a:ext cx="630551" cy="576615"/>
           </a:xfrm>
           <a:prstGeom prst="rect">
             <a:avLst/>
@@ -10179,7 +13385,7 @@
             <a:pPr algn="ctr"/>
             <a:r>
               <a:rPr lang="ko-KR" altLang="en-US" sz="1100" b="1" dirty="0"/>
-              <a:t>상품 상세설명</a:t>
+              <a:t>이미지</a:t>
             </a:r>
             <a:endParaRPr lang="en-US" altLang="ko-KR" sz="1100" b="1" dirty="0"/>
           </a:p>
@@ -10187,10 +13393,10 @@
       </p:sp>
       <p:sp>
         <p:nvSpPr>
-          <p:cNvPr id="38" name="직사각형 37">
-            <a:extLst>
-              <a:ext uri="{FF2B5EF4-FFF2-40B4-BE49-F238E27FC236}">
-                <a16:creationId xmlns:a16="http://schemas.microsoft.com/office/drawing/2014/main" id="{01DE39E5-3BE8-4AEF-9284-592E995F6D9A}"/>
+          <p:cNvPr id="12" name="직사각형 11">
+            <a:extLst>
+              <a:ext uri="{FF2B5EF4-FFF2-40B4-BE49-F238E27FC236}">
+                <a16:creationId xmlns:a16="http://schemas.microsoft.com/office/drawing/2014/main" id="{9EB609C8-4ACF-5E59-CBA7-648FE51D288A}"/>
               </a:ext>
             </a:extLst>
           </p:cNvPr>
@@ -10199,17 +13405,13 @@
         </p:nvSpPr>
         <p:spPr>
           <a:xfrm>
-            <a:off x="8332625" y="2753355"/>
-            <a:ext cx="2499659" cy="325837"/>
-          </a:xfrm>
-          <a:prstGeom prst="rect">
-            <a:avLst/>
-          </a:prstGeom>
-          <a:solidFill>
-            <a:schemeClr val="accent1">
-              <a:lumMod val="75000"/>
-            </a:schemeClr>
-          </a:solidFill>
+            <a:off x="8429565" y="3150168"/>
+            <a:ext cx="642003" cy="576615"/>
+          </a:xfrm>
+          <a:prstGeom prst="rect">
+            <a:avLst/>
+          </a:prstGeom>
+          <a:noFill/>
           <a:ln>
             <a:noFill/>
           </a:ln>
@@ -10236,19 +13438,108 @@
           <a:p>
             <a:pPr algn="ctr"/>
             <a:r>
-              <a:rPr lang="ko-KR" altLang="en-US" sz="1100" b="1" dirty="0"/>
-              <a:t>상품명 및 기타 정보</a:t>
-            </a:r>
-            <a:endParaRPr lang="en-US" altLang="ko-KR" sz="1100" b="1" dirty="0"/>
-          </a:p>
-        </p:txBody>
-      </p:sp>
-      <p:sp>
-        <p:nvSpPr>
-          <p:cNvPr id="39" name="직사각형 38">
-            <a:extLst>
-              <a:ext uri="{FF2B5EF4-FFF2-40B4-BE49-F238E27FC236}">
-                <a16:creationId xmlns:a16="http://schemas.microsoft.com/office/drawing/2014/main" id="{B4A82A6F-386E-4117-8A62-3CAFBF091176}"/>
+              <a:rPr lang="en-US" altLang="ko-KR" sz="1100" b="1" dirty="0"/>
+              <a:t>count</a:t>
+            </a:r>
+          </a:p>
+        </p:txBody>
+      </p:sp>
+      <p:cxnSp>
+        <p:nvCxnSpPr>
+          <p:cNvPr id="14" name="직선 연결선 13">
+            <a:extLst>
+              <a:ext uri="{FF2B5EF4-FFF2-40B4-BE49-F238E27FC236}">
+                <a16:creationId xmlns:a16="http://schemas.microsoft.com/office/drawing/2014/main" id="{EFFFDFAC-4F50-9959-A9E2-D7AC3BB07EF4}"/>
+              </a:ext>
+            </a:extLst>
+          </p:cNvPr>
+          <p:cNvCxnSpPr/>
+          <p:nvPr/>
+        </p:nvCxnSpPr>
+        <p:spPr>
+          <a:xfrm>
+            <a:off x="6397654" y="3041780"/>
+            <a:ext cx="4434630" cy="0"/>
+          </a:xfrm>
+          <a:prstGeom prst="line">
+            <a:avLst/>
+          </a:prstGeom>
+          <a:ln w="12700">
+            <a:solidFill>
+              <a:schemeClr val="accent5">
+                <a:lumMod val="40000"/>
+                <a:lumOff val="60000"/>
+              </a:schemeClr>
+            </a:solidFill>
+          </a:ln>
+        </p:spPr>
+        <p:style>
+          <a:lnRef idx="1">
+            <a:schemeClr val="accent1"/>
+          </a:lnRef>
+          <a:fillRef idx="0">
+            <a:schemeClr val="accent1"/>
+          </a:fillRef>
+          <a:effectRef idx="0">
+            <a:schemeClr val="accent1"/>
+          </a:effectRef>
+          <a:fontRef idx="minor">
+            <a:schemeClr val="tx1"/>
+          </a:fontRef>
+        </p:style>
+      </p:cxnSp>
+      <p:cxnSp>
+        <p:nvCxnSpPr>
+          <p:cNvPr id="15" name="직선 연결선 14">
+            <a:extLst>
+              <a:ext uri="{FF2B5EF4-FFF2-40B4-BE49-F238E27FC236}">
+                <a16:creationId xmlns:a16="http://schemas.microsoft.com/office/drawing/2014/main" id="{A1253FA9-F9A8-666F-1004-DB1049469745}"/>
+              </a:ext>
+            </a:extLst>
+          </p:cNvPr>
+          <p:cNvCxnSpPr>
+            <a:cxnSpLocks/>
+          </p:cNvCxnSpPr>
+          <p:nvPr/>
+        </p:nvCxnSpPr>
+        <p:spPr>
+          <a:xfrm>
+            <a:off x="6610874" y="2826473"/>
+            <a:ext cx="0" cy="2728021"/>
+          </a:xfrm>
+          <a:prstGeom prst="line">
+            <a:avLst/>
+          </a:prstGeom>
+          <a:ln w="12700">
+            <a:solidFill>
+              <a:schemeClr val="accent5">
+                <a:lumMod val="40000"/>
+                <a:lumOff val="60000"/>
+              </a:schemeClr>
+            </a:solidFill>
+          </a:ln>
+        </p:spPr>
+        <p:style>
+          <a:lnRef idx="1">
+            <a:schemeClr val="accent1"/>
+          </a:lnRef>
+          <a:fillRef idx="0">
+            <a:schemeClr val="accent1"/>
+          </a:fillRef>
+          <a:effectRef idx="0">
+            <a:schemeClr val="accent1"/>
+          </a:effectRef>
+          <a:fontRef idx="minor">
+            <a:schemeClr val="tx1"/>
+          </a:fontRef>
+        </p:style>
+      </p:cxnSp>
+      <p:sp>
+        <p:nvSpPr>
+          <p:cNvPr id="18" name="직사각형 17">
+            <a:extLst>
+              <a:ext uri="{FF2B5EF4-FFF2-40B4-BE49-F238E27FC236}">
+                <a16:creationId xmlns:a16="http://schemas.microsoft.com/office/drawing/2014/main" id="{8C56E0AB-64BA-2CBB-F7A4-D7C6E3CC9C46}"/>
               </a:ext>
             </a:extLst>
           </p:cNvPr>
@@ -10257,32 +13548,25 @@
         </p:nvSpPr>
         <p:spPr>
           <a:xfrm>
-            <a:off x="8341480" y="4252191"/>
-            <a:ext cx="1209647" cy="409198"/>
-          </a:xfrm>
-          <a:prstGeom prst="rect">
-            <a:avLst/>
-          </a:prstGeom>
-          <a:solidFill>
-            <a:schemeClr val="accent1">
-              <a:lumMod val="75000"/>
-            </a:schemeClr>
-          </a:solidFill>
-          <a:ln>
-            <a:noFill/>
-          </a:ln>
+            <a:off x="9232628" y="3297809"/>
+            <a:ext cx="329658" cy="301460"/>
+          </a:xfrm>
+          <a:prstGeom prst="rect">
+            <a:avLst/>
+          </a:prstGeom>
+          <a:ln/>
         </p:spPr>
         <p:style>
           <a:lnRef idx="2">
-            <a:schemeClr val="accent1">
-              <a:shade val="50000"/>
+            <a:schemeClr val="accent6">
+              <a:shade val="15000"/>
             </a:schemeClr>
           </a:lnRef>
           <a:fillRef idx="1">
-            <a:schemeClr val="accent1"/>
+            <a:schemeClr val="accent6"/>
           </a:fillRef>
           <a:effectRef idx="0">
-            <a:schemeClr val="accent1"/>
+            <a:schemeClr val="accent6"/>
           </a:effectRef>
           <a:fontRef idx="minor">
             <a:schemeClr val="lt1"/>
@@ -10294,19 +13578,18 @@
           <a:p>
             <a:pPr algn="ctr"/>
             <a:r>
-              <a:rPr lang="ko-KR" altLang="en-US" sz="1100" b="1"/>
-              <a:t>장바구니 담기</a:t>
-            </a:r>
-            <a:endParaRPr lang="en-US" altLang="ko-KR" sz="1100" b="1" dirty="0"/>
-          </a:p>
-        </p:txBody>
-      </p:sp>
-      <p:sp>
-        <p:nvSpPr>
-          <p:cNvPr id="40" name="직사각형 39">
-            <a:extLst>
-              <a:ext uri="{FF2B5EF4-FFF2-40B4-BE49-F238E27FC236}">
-                <a16:creationId xmlns:a16="http://schemas.microsoft.com/office/drawing/2014/main" id="{41D748A3-31A3-4A3D-9DF9-E6DA0E3B0C54}"/>
+              <a:rPr lang="en-US" altLang="ko-KR" sz="1200" b="1" dirty="0"/>
+              <a:t>+</a:t>
+            </a:r>
+          </a:p>
+        </p:txBody>
+      </p:sp>
+      <p:sp>
+        <p:nvSpPr>
+          <p:cNvPr id="19" name="직사각형 18">
+            <a:extLst>
+              <a:ext uri="{FF2B5EF4-FFF2-40B4-BE49-F238E27FC236}">
+                <a16:creationId xmlns:a16="http://schemas.microsoft.com/office/drawing/2014/main" id="{CBF33CC8-2E5D-1CE5-9F84-6A0F6510A1ED}"/>
               </a:ext>
             </a:extLst>
           </p:cNvPr>
@@ -10315,32 +13598,25 @@
         </p:nvSpPr>
         <p:spPr>
           <a:xfrm>
-            <a:off x="9623453" y="4252191"/>
-            <a:ext cx="1209647" cy="409198"/>
-          </a:xfrm>
-          <a:prstGeom prst="rect">
-            <a:avLst/>
-          </a:prstGeom>
-          <a:solidFill>
-            <a:schemeClr val="accent1">
-              <a:lumMod val="75000"/>
-            </a:schemeClr>
-          </a:solidFill>
-          <a:ln>
-            <a:noFill/>
-          </a:ln>
+            <a:off x="9597412" y="3294989"/>
+            <a:ext cx="329658" cy="301460"/>
+          </a:xfrm>
+          <a:prstGeom prst="rect">
+            <a:avLst/>
+          </a:prstGeom>
+          <a:ln/>
         </p:spPr>
         <p:style>
           <a:lnRef idx="2">
-            <a:schemeClr val="accent1">
-              <a:shade val="50000"/>
+            <a:schemeClr val="accent4">
+              <a:shade val="15000"/>
             </a:schemeClr>
           </a:lnRef>
           <a:fillRef idx="1">
-            <a:schemeClr val="accent1"/>
+            <a:schemeClr val="accent4"/>
           </a:fillRef>
           <a:effectRef idx="0">
-            <a:schemeClr val="accent1"/>
+            <a:schemeClr val="accent4"/>
           </a:effectRef>
           <a:fontRef idx="minor">
             <a:schemeClr val="lt1"/>
@@ -10352,19 +13628,18 @@
           <a:p>
             <a:pPr algn="ctr"/>
             <a:r>
-              <a:rPr lang="ko-KR" altLang="en-US" sz="1100" b="1" dirty="0"/>
-              <a:t>바로 구매하기</a:t>
-            </a:r>
-            <a:endParaRPr lang="en-US" altLang="ko-KR" sz="1100" b="1" dirty="0"/>
-          </a:p>
-        </p:txBody>
-      </p:sp>
-      <p:sp>
-        <p:nvSpPr>
-          <p:cNvPr id="41" name="직사각형 40">
-            <a:extLst>
-              <a:ext uri="{FF2B5EF4-FFF2-40B4-BE49-F238E27FC236}">
-                <a16:creationId xmlns:a16="http://schemas.microsoft.com/office/drawing/2014/main" id="{3FE33F9F-2E44-4B94-9B56-D669EA8C6521}"/>
+              <a:rPr lang="en-US" altLang="ko-KR" sz="1200" b="1" dirty="0"/>
+              <a:t>-</a:t>
+            </a:r>
+          </a:p>
+        </p:txBody>
+      </p:sp>
+      <p:sp>
+        <p:nvSpPr>
+          <p:cNvPr id="20" name="직사각형 19">
+            <a:extLst>
+              <a:ext uri="{FF2B5EF4-FFF2-40B4-BE49-F238E27FC236}">
+                <a16:creationId xmlns:a16="http://schemas.microsoft.com/office/drawing/2014/main" id="{918FD271-8D42-B1F7-CE53-EA49F76A4FBA}"/>
               </a:ext>
             </a:extLst>
           </p:cNvPr>
@@ -10373,19 +13648,17 @@
         </p:nvSpPr>
         <p:spPr>
           <a:xfrm>
-            <a:off x="6904838" y="4725133"/>
-            <a:ext cx="3420262" cy="485327"/>
-          </a:xfrm>
-          <a:prstGeom prst="rect">
-            <a:avLst/>
-          </a:prstGeom>
-          <a:solidFill>
-            <a:schemeClr val="accent1">
-              <a:lumMod val="75000"/>
-            </a:schemeClr>
-          </a:solidFill>
+            <a:off x="9956801" y="3294989"/>
+            <a:ext cx="875484" cy="301428"/>
+          </a:xfrm>
+          <a:prstGeom prst="rect">
+            <a:avLst/>
+          </a:prstGeom>
+          <a:noFill/>
           <a:ln>
-            <a:noFill/>
+            <a:solidFill>
+              <a:srgbClr val="FF0000"/>
+            </a:solidFill>
           </a:ln>
         </p:spPr>
         <p:style>
@@ -10410,8 +13683,230 @@
           <a:p>
             <a:pPr algn="ctr"/>
             <a:r>
+              <a:rPr lang="ko-KR" altLang="en-US" sz="1200" b="1" dirty="0">
+                <a:solidFill>
+                  <a:srgbClr val="FF0000"/>
+                </a:solidFill>
+              </a:rPr>
+              <a:t>상품삭제</a:t>
+            </a:r>
+            <a:endParaRPr lang="en-US" altLang="ko-KR" sz="1200" b="1" dirty="0">
+              <a:solidFill>
+                <a:srgbClr val="FF0000"/>
+              </a:solidFill>
+            </a:endParaRPr>
+          </a:p>
+        </p:txBody>
+      </p:sp>
+      <p:sp>
+        <p:nvSpPr>
+          <p:cNvPr id="24" name="직사각형 23">
+            <a:extLst>
+              <a:ext uri="{FF2B5EF4-FFF2-40B4-BE49-F238E27FC236}">
+                <a16:creationId xmlns:a16="http://schemas.microsoft.com/office/drawing/2014/main" id="{C1A84FA5-B56D-FA87-E806-BB0012B0F84E}"/>
+              </a:ext>
+            </a:extLst>
+          </p:cNvPr>
+          <p:cNvSpPr/>
+          <p:nvPr/>
+        </p:nvSpPr>
+        <p:spPr>
+          <a:xfrm>
+            <a:off x="6283353" y="3264001"/>
+            <a:ext cx="330719" cy="342094"/>
+          </a:xfrm>
+          <a:prstGeom prst="rect">
+            <a:avLst/>
+          </a:prstGeom>
+          <a:noFill/>
+          <a:ln>
+            <a:noFill/>
+          </a:ln>
+        </p:spPr>
+        <p:style>
+          <a:lnRef idx="2">
+            <a:schemeClr val="accent1">
+              <a:shade val="50000"/>
+            </a:schemeClr>
+          </a:lnRef>
+          <a:fillRef idx="1">
+            <a:schemeClr val="accent1"/>
+          </a:fillRef>
+          <a:effectRef idx="0">
+            <a:schemeClr val="accent1"/>
+          </a:effectRef>
+          <a:fontRef idx="minor">
+            <a:schemeClr val="lt1"/>
+          </a:fontRef>
+        </p:style>
+        <p:txBody>
+          <a:bodyPr rtlCol="0" anchor="ctr"/>
+          <a:lstStyle/>
+          <a:p>
+            <a:pPr algn="ctr"/>
+            <a:r>
+              <a:rPr lang="en-US" altLang="ko-KR" sz="1100" b="1" dirty="0"/>
+              <a:t>1</a:t>
+            </a:r>
+          </a:p>
+        </p:txBody>
+      </p:sp>
+      <p:sp>
+        <p:nvSpPr>
+          <p:cNvPr id="25" name="직사각형 24">
+            <a:extLst>
+              <a:ext uri="{FF2B5EF4-FFF2-40B4-BE49-F238E27FC236}">
+                <a16:creationId xmlns:a16="http://schemas.microsoft.com/office/drawing/2014/main" id="{886D8ED5-022A-8E3C-CDAC-DBD8039ABB50}"/>
+              </a:ext>
+            </a:extLst>
+          </p:cNvPr>
+          <p:cNvSpPr/>
+          <p:nvPr/>
+        </p:nvSpPr>
+        <p:spPr>
+          <a:xfrm>
+            <a:off x="6280154" y="2688235"/>
+            <a:ext cx="330719" cy="342094"/>
+          </a:xfrm>
+          <a:prstGeom prst="rect">
+            <a:avLst/>
+          </a:prstGeom>
+          <a:noFill/>
+          <a:ln>
+            <a:noFill/>
+          </a:ln>
+        </p:spPr>
+        <p:style>
+          <a:lnRef idx="2">
+            <a:schemeClr val="accent1">
+              <a:shade val="50000"/>
+            </a:schemeClr>
+          </a:lnRef>
+          <a:fillRef idx="1">
+            <a:schemeClr val="accent1"/>
+          </a:fillRef>
+          <a:effectRef idx="0">
+            <a:schemeClr val="accent1"/>
+          </a:effectRef>
+          <a:fontRef idx="minor">
+            <a:schemeClr val="lt1"/>
+          </a:fontRef>
+        </p:style>
+        <p:txBody>
+          <a:bodyPr rtlCol="0" anchor="ctr"/>
+          <a:lstStyle/>
+          <a:p>
+            <a:pPr algn="ctr"/>
+            <a:r>
+              <a:rPr lang="en-US" altLang="ko-KR" sz="1100" b="1" dirty="0"/>
+              <a:t>ID</a:t>
+            </a:r>
+          </a:p>
+        </p:txBody>
+      </p:sp>
+      <p:sp>
+        <p:nvSpPr>
+          <p:cNvPr id="27" name="직사각형 26">
+            <a:extLst>
+              <a:ext uri="{FF2B5EF4-FFF2-40B4-BE49-F238E27FC236}">
+                <a16:creationId xmlns:a16="http://schemas.microsoft.com/office/drawing/2014/main" id="{F6C050B5-FCE8-FEDA-1147-874A8C136BA5}"/>
+              </a:ext>
+            </a:extLst>
+          </p:cNvPr>
+          <p:cNvSpPr/>
+          <p:nvPr/>
+        </p:nvSpPr>
+        <p:spPr>
+          <a:xfrm>
+            <a:off x="6618569" y="2685682"/>
+            <a:ext cx="1007913" cy="342094"/>
+          </a:xfrm>
+          <a:prstGeom prst="rect">
+            <a:avLst/>
+          </a:prstGeom>
+          <a:noFill/>
+          <a:ln>
+            <a:noFill/>
+          </a:ln>
+        </p:spPr>
+        <p:style>
+          <a:lnRef idx="2">
+            <a:schemeClr val="accent1">
+              <a:shade val="50000"/>
+            </a:schemeClr>
+          </a:lnRef>
+          <a:fillRef idx="1">
+            <a:schemeClr val="accent1"/>
+          </a:fillRef>
+          <a:effectRef idx="0">
+            <a:schemeClr val="accent1"/>
+          </a:effectRef>
+          <a:fontRef idx="minor">
+            <a:schemeClr val="lt1"/>
+          </a:fontRef>
+        </p:style>
+        <p:txBody>
+          <a:bodyPr rtlCol="0" anchor="ctr"/>
+          <a:lstStyle/>
+          <a:p>
+            <a:pPr algn="ctr"/>
+            <a:r>
+              <a:rPr lang="ko-KR" altLang="en-US" sz="1100" b="1" dirty="0" err="1"/>
+              <a:t>상품이미지</a:t>
+            </a:r>
+            <a:endParaRPr lang="en-US" altLang="ko-KR" sz="1100" b="1" dirty="0"/>
+          </a:p>
+        </p:txBody>
+      </p:sp>
+      <p:sp>
+        <p:nvSpPr>
+          <p:cNvPr id="33" name="직사각형 32">
+            <a:extLst>
+              <a:ext uri="{FF2B5EF4-FFF2-40B4-BE49-F238E27FC236}">
+                <a16:creationId xmlns:a16="http://schemas.microsoft.com/office/drawing/2014/main" id="{F0825D52-AF30-8E79-BFA9-830127F1597E}"/>
+              </a:ext>
+            </a:extLst>
+          </p:cNvPr>
+          <p:cNvSpPr/>
+          <p:nvPr/>
+        </p:nvSpPr>
+        <p:spPr>
+          <a:xfrm>
+            <a:off x="7588447" y="2682408"/>
+            <a:ext cx="650882" cy="342094"/>
+          </a:xfrm>
+          <a:prstGeom prst="rect">
+            <a:avLst/>
+          </a:prstGeom>
+          <a:noFill/>
+          <a:ln>
+            <a:noFill/>
+          </a:ln>
+        </p:spPr>
+        <p:style>
+          <a:lnRef idx="2">
+            <a:schemeClr val="accent1">
+              <a:shade val="50000"/>
+            </a:schemeClr>
+          </a:lnRef>
+          <a:fillRef idx="1">
+            <a:schemeClr val="accent1"/>
+          </a:fillRef>
+          <a:effectRef idx="0">
+            <a:schemeClr val="accent1"/>
+          </a:effectRef>
+          <a:fontRef idx="minor">
+            <a:schemeClr val="lt1"/>
+          </a:fontRef>
+        </p:style>
+        <p:txBody>
+          <a:bodyPr rtlCol="0" anchor="ctr"/>
+          <a:lstStyle/>
+          <a:p>
+            <a:pPr algn="ctr"/>
+            <a:r>
               <a:rPr lang="ko-KR" altLang="en-US" sz="1100" b="1" dirty="0"/>
-              <a:t>배너</a:t>
+              <a:t>상품명</a:t>
             </a:r>
             <a:endParaRPr lang="en-US" altLang="ko-KR" sz="1100" b="1" dirty="0"/>
           </a:p>
@@ -10419,428 +13914,755 @@
       </p:sp>
       <p:sp>
         <p:nvSpPr>
-          <p:cNvPr id="42" name="TextBox 41">
-            <a:extLst>
-              <a:ext uri="{FF2B5EF4-FFF2-40B4-BE49-F238E27FC236}">
-                <a16:creationId xmlns:a16="http://schemas.microsoft.com/office/drawing/2014/main" id="{9EDA496F-4E97-46A1-A9CB-DF392DF742E2}"/>
-              </a:ext>
-            </a:extLst>
-          </p:cNvPr>
-          <p:cNvSpPr txBox="1"/>
-          <p:nvPr/>
-        </p:nvSpPr>
-        <p:spPr>
-          <a:xfrm>
-            <a:off x="838199" y="2309473"/>
-            <a:ext cx="5126373" cy="523220"/>
+          <p:cNvPr id="34" name="직사각형 33">
+            <a:extLst>
+              <a:ext uri="{FF2B5EF4-FFF2-40B4-BE49-F238E27FC236}">
+                <a16:creationId xmlns:a16="http://schemas.microsoft.com/office/drawing/2014/main" id="{630ED911-D1B8-29E8-48DE-4104DF4A2BFC}"/>
+              </a:ext>
+            </a:extLst>
+          </p:cNvPr>
+          <p:cNvSpPr/>
+          <p:nvPr/>
+        </p:nvSpPr>
+        <p:spPr>
+          <a:xfrm>
+            <a:off x="8437032" y="2691047"/>
+            <a:ext cx="650882" cy="342094"/>
           </a:xfrm>
           <a:prstGeom prst="rect">
             <a:avLst/>
           </a:prstGeom>
           <a:noFill/>
-        </p:spPr>
-        <p:txBody>
-          <a:bodyPr wrap="square" rtlCol="0">
-            <a:spAutoFit/>
-          </a:bodyPr>
-          <a:lstStyle/>
-          <a:p>
-            <a:r>
-              <a:rPr lang="en-US" altLang="ko-KR" sz="1400" b="1" dirty="0"/>
-              <a:t>1. </a:t>
-            </a:r>
-            <a:r>
-              <a:rPr lang="ko-KR" altLang="en-US" sz="1400" b="1" dirty="0" err="1"/>
-              <a:t>상품이미지</a:t>
-            </a:r>
-            <a:endParaRPr lang="en-US" altLang="ko-KR" sz="1400" b="1" dirty="0"/>
-          </a:p>
-          <a:p>
-            <a:pPr marL="342900" indent="-342900">
-              <a:buFont typeface="Arial" panose="020B0604020202020204" pitchFamily="34" charset="0"/>
-              <a:buChar char="•"/>
-            </a:pPr>
-            <a:r>
-              <a:rPr lang="ko-KR" altLang="en-US" sz="1400" dirty="0"/>
-              <a:t>상품 </a:t>
-            </a:r>
-            <a:r>
-              <a:rPr lang="ko-KR" altLang="en-US" sz="1400" dirty="0" err="1"/>
-              <a:t>대표이미지</a:t>
-            </a:r>
-            <a:endParaRPr lang="ko-KR" altLang="en-US" sz="1400" dirty="0"/>
-          </a:p>
-        </p:txBody>
-      </p:sp>
-      <p:sp>
-        <p:nvSpPr>
-          <p:cNvPr id="43" name="TextBox 42">
-            <a:extLst>
-              <a:ext uri="{FF2B5EF4-FFF2-40B4-BE49-F238E27FC236}">
-                <a16:creationId xmlns:a16="http://schemas.microsoft.com/office/drawing/2014/main" id="{ED08CEFF-3620-4653-A8F2-14049D502061}"/>
-              </a:ext>
-            </a:extLst>
-          </p:cNvPr>
-          <p:cNvSpPr txBox="1"/>
-          <p:nvPr/>
-        </p:nvSpPr>
-        <p:spPr>
-          <a:xfrm>
-            <a:off x="855325" y="2875619"/>
-            <a:ext cx="5126373" cy="523220"/>
+          <a:ln>
+            <a:noFill/>
+          </a:ln>
+        </p:spPr>
+        <p:style>
+          <a:lnRef idx="2">
+            <a:schemeClr val="accent1">
+              <a:shade val="50000"/>
+            </a:schemeClr>
+          </a:lnRef>
+          <a:fillRef idx="1">
+            <a:schemeClr val="accent1"/>
+          </a:fillRef>
+          <a:effectRef idx="0">
+            <a:schemeClr val="accent1"/>
+          </a:effectRef>
+          <a:fontRef idx="minor">
+            <a:schemeClr val="lt1"/>
+          </a:fontRef>
+        </p:style>
+        <p:txBody>
+          <a:bodyPr rtlCol="0" anchor="ctr"/>
+          <a:lstStyle/>
+          <a:p>
+            <a:pPr algn="ctr"/>
+            <a:r>
+              <a:rPr lang="ko-KR" altLang="en-US" sz="1100" b="1" dirty="0"/>
+              <a:t>수량</a:t>
+            </a:r>
+            <a:endParaRPr lang="en-US" altLang="ko-KR" sz="1100" b="1" dirty="0"/>
+          </a:p>
+        </p:txBody>
+      </p:sp>
+      <p:sp>
+        <p:nvSpPr>
+          <p:cNvPr id="50" name="직사각형 49">
+            <a:extLst>
+              <a:ext uri="{FF2B5EF4-FFF2-40B4-BE49-F238E27FC236}">
+                <a16:creationId xmlns:a16="http://schemas.microsoft.com/office/drawing/2014/main" id="{8D5DA69D-F9C4-ADDC-0FDD-FB8CB79C69EA}"/>
+              </a:ext>
+            </a:extLst>
+          </p:cNvPr>
+          <p:cNvSpPr/>
+          <p:nvPr/>
+        </p:nvSpPr>
+        <p:spPr>
+          <a:xfrm>
+            <a:off x="9247454" y="2682408"/>
+            <a:ext cx="1146847" cy="342094"/>
           </a:xfrm>
           <a:prstGeom prst="rect">
             <a:avLst/>
           </a:prstGeom>
           <a:noFill/>
-        </p:spPr>
-        <p:txBody>
-          <a:bodyPr wrap="square" rtlCol="0">
-            <a:spAutoFit/>
-          </a:bodyPr>
-          <a:lstStyle/>
-          <a:p>
-            <a:r>
-              <a:rPr lang="en-US" altLang="ko-KR" sz="1400" b="1" dirty="0"/>
-              <a:t>2. </a:t>
-            </a:r>
-            <a:r>
-              <a:rPr lang="ko-KR" altLang="en-US" sz="1400" b="1" dirty="0"/>
-              <a:t>상품명 및 기타정보</a:t>
-            </a:r>
-            <a:endParaRPr lang="en-US" altLang="ko-KR" sz="1400" b="1" dirty="0"/>
-          </a:p>
-          <a:p>
-            <a:pPr marL="342900" indent="-342900">
-              <a:buFont typeface="Arial" panose="020B0604020202020204" pitchFamily="34" charset="0"/>
-              <a:buChar char="•"/>
-            </a:pPr>
-            <a:r>
-              <a:rPr lang="ko-KR" altLang="en-US" sz="1400" dirty="0"/>
-              <a:t>상품명</a:t>
-            </a:r>
-            <a:r>
-              <a:rPr lang="en-US" altLang="ko-KR" sz="1400" dirty="0"/>
-              <a:t>, </a:t>
-            </a:r>
-            <a:r>
-              <a:rPr lang="ko-KR" altLang="en-US" sz="1400" dirty="0"/>
-              <a:t>평점</a:t>
-            </a:r>
-            <a:r>
-              <a:rPr lang="en-US" altLang="ko-KR" sz="1400" dirty="0"/>
-              <a:t>, </a:t>
-            </a:r>
-            <a:r>
-              <a:rPr lang="ko-KR" altLang="en-US" sz="1400" dirty="0"/>
-              <a:t>리뷰 등</a:t>
-            </a:r>
-          </a:p>
-        </p:txBody>
-      </p:sp>
-      <p:sp>
-        <p:nvSpPr>
-          <p:cNvPr id="44" name="TextBox 43">
-            <a:extLst>
-              <a:ext uri="{FF2B5EF4-FFF2-40B4-BE49-F238E27FC236}">
-                <a16:creationId xmlns:a16="http://schemas.microsoft.com/office/drawing/2014/main" id="{D9C08414-0F69-435D-A534-F629B166552A}"/>
-              </a:ext>
-            </a:extLst>
-          </p:cNvPr>
-          <p:cNvSpPr txBox="1"/>
-          <p:nvPr/>
-        </p:nvSpPr>
-        <p:spPr>
-          <a:xfrm>
-            <a:off x="855325" y="3438476"/>
-            <a:ext cx="5126373" cy="523220"/>
+          <a:ln>
+            <a:noFill/>
+          </a:ln>
+        </p:spPr>
+        <p:style>
+          <a:lnRef idx="2">
+            <a:schemeClr val="accent1">
+              <a:shade val="50000"/>
+            </a:schemeClr>
+          </a:lnRef>
+          <a:fillRef idx="1">
+            <a:schemeClr val="accent1"/>
+          </a:fillRef>
+          <a:effectRef idx="0">
+            <a:schemeClr val="accent1"/>
+          </a:effectRef>
+          <a:fontRef idx="minor">
+            <a:schemeClr val="lt1"/>
+          </a:fontRef>
+        </p:style>
+        <p:txBody>
+          <a:bodyPr rtlCol="0" anchor="ctr"/>
+          <a:lstStyle/>
+          <a:p>
+            <a:pPr algn="ctr"/>
+            <a:r>
+              <a:rPr lang="ko-KR" altLang="en-US" sz="1100" b="1"/>
+              <a:t>변경하기</a:t>
+            </a:r>
+            <a:endParaRPr lang="en-US" altLang="ko-KR" sz="1100" b="1" dirty="0"/>
+          </a:p>
+        </p:txBody>
+      </p:sp>
+      <p:sp>
+        <p:nvSpPr>
+          <p:cNvPr id="51" name="직사각형 50">
+            <a:extLst>
+              <a:ext uri="{FF2B5EF4-FFF2-40B4-BE49-F238E27FC236}">
+                <a16:creationId xmlns:a16="http://schemas.microsoft.com/office/drawing/2014/main" id="{A1EAF08B-CF44-4666-26A2-892AE599A86E}"/>
+              </a:ext>
+            </a:extLst>
+          </p:cNvPr>
+          <p:cNvSpPr/>
+          <p:nvPr/>
+        </p:nvSpPr>
+        <p:spPr>
+          <a:xfrm>
+            <a:off x="6276958" y="4179820"/>
+            <a:ext cx="330719" cy="342094"/>
           </a:xfrm>
           <a:prstGeom prst="rect">
             <a:avLst/>
           </a:prstGeom>
           <a:noFill/>
-        </p:spPr>
-        <p:txBody>
-          <a:bodyPr wrap="square" rtlCol="0">
-            <a:spAutoFit/>
-          </a:bodyPr>
-          <a:lstStyle/>
-          <a:p>
-            <a:r>
-              <a:rPr lang="en-US" altLang="ko-KR" sz="1400" b="1" dirty="0"/>
-              <a:t>3. </a:t>
-            </a:r>
-            <a:r>
-              <a:rPr lang="ko-KR" altLang="en-US" sz="1400" b="1" dirty="0"/>
-              <a:t>가격정보</a:t>
-            </a:r>
-            <a:endParaRPr lang="en-US" altLang="ko-KR" sz="1400" b="1" dirty="0"/>
-          </a:p>
-          <a:p>
-            <a:pPr marL="342900" indent="-342900">
-              <a:buFont typeface="Arial" panose="020B0604020202020204" pitchFamily="34" charset="0"/>
-              <a:buChar char="•"/>
-            </a:pPr>
-            <a:r>
-              <a:rPr lang="ko-KR" altLang="en-US" sz="1400" dirty="0"/>
-              <a:t>가격 관련 할인율</a:t>
-            </a:r>
-            <a:r>
-              <a:rPr lang="en-US" altLang="ko-KR" sz="1400" dirty="0"/>
-              <a:t>, </a:t>
-            </a:r>
-            <a:r>
-              <a:rPr lang="ko-KR" altLang="en-US" sz="1400" dirty="0"/>
-              <a:t>조건 별 구매가능 가격</a:t>
-            </a:r>
-          </a:p>
-        </p:txBody>
-      </p:sp>
-      <p:sp>
-        <p:nvSpPr>
-          <p:cNvPr id="45" name="TextBox 44">
-            <a:extLst>
-              <a:ext uri="{FF2B5EF4-FFF2-40B4-BE49-F238E27FC236}">
-                <a16:creationId xmlns:a16="http://schemas.microsoft.com/office/drawing/2014/main" id="{B3AF2389-A206-4872-AD7B-6411CD146328}"/>
-              </a:ext>
-            </a:extLst>
-          </p:cNvPr>
-          <p:cNvSpPr txBox="1"/>
-          <p:nvPr/>
-        </p:nvSpPr>
-        <p:spPr>
-          <a:xfrm>
-            <a:off x="838198" y="3998694"/>
-            <a:ext cx="5126373" cy="523220"/>
+          <a:ln>
+            <a:noFill/>
+          </a:ln>
+        </p:spPr>
+        <p:style>
+          <a:lnRef idx="2">
+            <a:schemeClr val="accent1">
+              <a:shade val="50000"/>
+            </a:schemeClr>
+          </a:lnRef>
+          <a:fillRef idx="1">
+            <a:schemeClr val="accent1"/>
+          </a:fillRef>
+          <a:effectRef idx="0">
+            <a:schemeClr val="accent1"/>
+          </a:effectRef>
+          <a:fontRef idx="minor">
+            <a:schemeClr val="lt1"/>
+          </a:fontRef>
+        </p:style>
+        <p:txBody>
+          <a:bodyPr rtlCol="0" anchor="ctr"/>
+          <a:lstStyle/>
+          <a:p>
+            <a:pPr algn="ctr"/>
+            <a:r>
+              <a:rPr lang="en-US" altLang="ko-KR" sz="1100" b="1" dirty="0"/>
+              <a:t>2</a:t>
+            </a:r>
+          </a:p>
+        </p:txBody>
+      </p:sp>
+      <p:sp>
+        <p:nvSpPr>
+          <p:cNvPr id="52" name="직사각형 51">
+            <a:extLst>
+              <a:ext uri="{FF2B5EF4-FFF2-40B4-BE49-F238E27FC236}">
+                <a16:creationId xmlns:a16="http://schemas.microsoft.com/office/drawing/2014/main" id="{B80E9A62-D0E6-1A0A-111D-66496F18B6A1}"/>
+              </a:ext>
+            </a:extLst>
+          </p:cNvPr>
+          <p:cNvSpPr/>
+          <p:nvPr/>
+        </p:nvSpPr>
+        <p:spPr>
+          <a:xfrm>
+            <a:off x="6268945" y="4956650"/>
+            <a:ext cx="330719" cy="342094"/>
           </a:xfrm>
           <a:prstGeom prst="rect">
             <a:avLst/>
           </a:prstGeom>
           <a:noFill/>
-        </p:spPr>
-        <p:txBody>
-          <a:bodyPr wrap="square" rtlCol="0">
-            <a:spAutoFit/>
-          </a:bodyPr>
-          <a:lstStyle/>
-          <a:p>
-            <a:r>
-              <a:rPr lang="en-US" altLang="ko-KR" sz="1400" b="1" dirty="0"/>
-              <a:t>4. </a:t>
-            </a:r>
-            <a:r>
-              <a:rPr lang="ko-KR" altLang="en-US" sz="1400" b="1" dirty="0"/>
-              <a:t>배송정보</a:t>
-            </a:r>
-            <a:endParaRPr lang="en-US" altLang="ko-KR" sz="1400" b="1" dirty="0"/>
-          </a:p>
-          <a:p>
-            <a:pPr marL="342900" indent="-342900">
-              <a:buFont typeface="Arial" panose="020B0604020202020204" pitchFamily="34" charset="0"/>
-              <a:buChar char="•"/>
-            </a:pPr>
-            <a:r>
-              <a:rPr lang="ko-KR" altLang="en-US" sz="1400" dirty="0"/>
-              <a:t>배송일정 및 배송비 관련 정보</a:t>
-            </a:r>
-          </a:p>
-        </p:txBody>
-      </p:sp>
-      <p:sp>
-        <p:nvSpPr>
-          <p:cNvPr id="46" name="TextBox 45">
-            <a:extLst>
-              <a:ext uri="{FF2B5EF4-FFF2-40B4-BE49-F238E27FC236}">
-                <a16:creationId xmlns:a16="http://schemas.microsoft.com/office/drawing/2014/main" id="{7D879687-9A1D-4FEF-B0D8-F80F750DEF6E}"/>
-              </a:ext>
-            </a:extLst>
-          </p:cNvPr>
-          <p:cNvSpPr txBox="1"/>
-          <p:nvPr/>
-        </p:nvSpPr>
-        <p:spPr>
-          <a:xfrm>
-            <a:off x="838197" y="4558912"/>
-            <a:ext cx="5126373" cy="523220"/>
+          <a:ln>
+            <a:noFill/>
+          </a:ln>
+        </p:spPr>
+        <p:style>
+          <a:lnRef idx="2">
+            <a:schemeClr val="accent1">
+              <a:shade val="50000"/>
+            </a:schemeClr>
+          </a:lnRef>
+          <a:fillRef idx="1">
+            <a:schemeClr val="accent1"/>
+          </a:fillRef>
+          <a:effectRef idx="0">
+            <a:schemeClr val="accent1"/>
+          </a:effectRef>
+          <a:fontRef idx="minor">
+            <a:schemeClr val="lt1"/>
+          </a:fontRef>
+        </p:style>
+        <p:txBody>
+          <a:bodyPr rtlCol="0" anchor="ctr"/>
+          <a:lstStyle/>
+          <a:p>
+            <a:pPr algn="ctr"/>
+            <a:r>
+              <a:rPr lang="en-US" altLang="ko-KR" sz="1100" b="1" dirty="0"/>
+              <a:t>3</a:t>
+            </a:r>
+          </a:p>
+        </p:txBody>
+      </p:sp>
+      <p:sp>
+        <p:nvSpPr>
+          <p:cNvPr id="53" name="직사각형 52">
+            <a:extLst>
+              <a:ext uri="{FF2B5EF4-FFF2-40B4-BE49-F238E27FC236}">
+                <a16:creationId xmlns:a16="http://schemas.microsoft.com/office/drawing/2014/main" id="{D4A41523-80D6-4D0A-32DC-EC76577D4FF3}"/>
+              </a:ext>
+            </a:extLst>
+          </p:cNvPr>
+          <p:cNvSpPr/>
+          <p:nvPr/>
+        </p:nvSpPr>
+        <p:spPr>
+          <a:xfrm>
+            <a:off x="7387204" y="4011996"/>
+            <a:ext cx="1042360" cy="576615"/>
           </a:xfrm>
           <a:prstGeom prst="rect">
             <a:avLst/>
           </a:prstGeom>
           <a:noFill/>
-        </p:spPr>
-        <p:txBody>
-          <a:bodyPr wrap="square" rtlCol="0">
-            <a:spAutoFit/>
-          </a:bodyPr>
-          <a:lstStyle/>
-          <a:p>
-            <a:r>
-              <a:rPr lang="en-US" altLang="ko-KR" sz="1400" b="1" dirty="0"/>
-              <a:t>5. </a:t>
-            </a:r>
-            <a:r>
-              <a:rPr lang="ko-KR" altLang="en-US" sz="1400" b="1" dirty="0"/>
-              <a:t>장바구니 담기</a:t>
-            </a:r>
-            <a:endParaRPr lang="en-US" altLang="ko-KR" sz="1400" b="1" dirty="0"/>
-          </a:p>
-          <a:p>
-            <a:pPr marL="342900" indent="-342900">
-              <a:buFont typeface="Arial" panose="020B0604020202020204" pitchFamily="34" charset="0"/>
-              <a:buChar char="•"/>
-            </a:pPr>
-            <a:r>
-              <a:rPr lang="ko-KR" altLang="en-US" sz="1400" dirty="0"/>
-              <a:t>구매 할 상품 장바구니에 담기</a:t>
-            </a:r>
-          </a:p>
-        </p:txBody>
-      </p:sp>
-      <p:sp>
-        <p:nvSpPr>
-          <p:cNvPr id="47" name="TextBox 46">
-            <a:extLst>
-              <a:ext uri="{FF2B5EF4-FFF2-40B4-BE49-F238E27FC236}">
-                <a16:creationId xmlns:a16="http://schemas.microsoft.com/office/drawing/2014/main" id="{97C85F5A-2FE3-4441-A530-88334475D73D}"/>
-              </a:ext>
-            </a:extLst>
-          </p:cNvPr>
-          <p:cNvSpPr txBox="1"/>
-          <p:nvPr/>
-        </p:nvSpPr>
-        <p:spPr>
-          <a:xfrm>
-            <a:off x="838198" y="5127697"/>
-            <a:ext cx="5126373" cy="523220"/>
+          <a:ln>
+            <a:noFill/>
+          </a:ln>
+        </p:spPr>
+        <p:style>
+          <a:lnRef idx="2">
+            <a:schemeClr val="accent1">
+              <a:shade val="50000"/>
+            </a:schemeClr>
+          </a:lnRef>
+          <a:fillRef idx="1">
+            <a:schemeClr val="accent1"/>
+          </a:fillRef>
+          <a:effectRef idx="0">
+            <a:schemeClr val="accent1"/>
+          </a:effectRef>
+          <a:fontRef idx="minor">
+            <a:schemeClr val="lt1"/>
+          </a:fontRef>
+        </p:style>
+        <p:txBody>
+          <a:bodyPr rtlCol="0" anchor="ctr"/>
+          <a:lstStyle/>
+          <a:p>
+            <a:pPr algn="ctr"/>
+            <a:r>
+              <a:rPr lang="en-US" altLang="ko-KR" sz="1100" b="1" dirty="0"/>
+              <a:t>title</a:t>
+            </a:r>
+          </a:p>
+        </p:txBody>
+      </p:sp>
+      <p:sp>
+        <p:nvSpPr>
+          <p:cNvPr id="54" name="직사각형 53">
+            <a:extLst>
+              <a:ext uri="{FF2B5EF4-FFF2-40B4-BE49-F238E27FC236}">
+                <a16:creationId xmlns:a16="http://schemas.microsoft.com/office/drawing/2014/main" id="{80F7BAE9-4275-AA22-16BE-C1455BE300B1}"/>
+              </a:ext>
+            </a:extLst>
+          </p:cNvPr>
+          <p:cNvSpPr/>
+          <p:nvPr/>
+        </p:nvSpPr>
+        <p:spPr>
+          <a:xfrm>
+            <a:off x="8429564" y="4011996"/>
+            <a:ext cx="642003" cy="576615"/>
           </a:xfrm>
           <a:prstGeom prst="rect">
             <a:avLst/>
           </a:prstGeom>
           <a:noFill/>
-        </p:spPr>
-        <p:txBody>
-          <a:bodyPr wrap="square" rtlCol="0">
-            <a:spAutoFit/>
-          </a:bodyPr>
-          <a:lstStyle/>
-          <a:p>
-            <a:r>
-              <a:rPr lang="en-US" altLang="ko-KR" sz="1400" b="1" dirty="0"/>
-              <a:t>6. </a:t>
-            </a:r>
-            <a:r>
-              <a:rPr lang="ko-KR" altLang="en-US" sz="1400" b="1" dirty="0"/>
-              <a:t>바로 구매하기</a:t>
-            </a:r>
-            <a:endParaRPr lang="en-US" altLang="ko-KR" sz="1400" b="1" dirty="0"/>
-          </a:p>
-          <a:p>
-            <a:pPr marL="342900" indent="-342900">
-              <a:buFont typeface="Arial" panose="020B0604020202020204" pitchFamily="34" charset="0"/>
-              <a:buChar char="•"/>
-            </a:pPr>
-            <a:r>
-              <a:rPr lang="ko-KR" altLang="en-US" sz="1400" dirty="0"/>
-              <a:t>장바구니 담지 않고 바로 구매</a:t>
-            </a:r>
-          </a:p>
-        </p:txBody>
-      </p:sp>
-      <p:sp>
-        <p:nvSpPr>
-          <p:cNvPr id="48" name="TextBox 47">
-            <a:extLst>
-              <a:ext uri="{FF2B5EF4-FFF2-40B4-BE49-F238E27FC236}">
-                <a16:creationId xmlns:a16="http://schemas.microsoft.com/office/drawing/2014/main" id="{248DF4A5-3B24-4687-823D-612EFBE4EABB}"/>
-              </a:ext>
-            </a:extLst>
-          </p:cNvPr>
-          <p:cNvSpPr txBox="1"/>
-          <p:nvPr/>
-        </p:nvSpPr>
-        <p:spPr>
-          <a:xfrm>
-            <a:off x="838197" y="5696482"/>
-            <a:ext cx="5126373" cy="523220"/>
+          <a:ln>
+            <a:noFill/>
+          </a:ln>
+        </p:spPr>
+        <p:style>
+          <a:lnRef idx="2">
+            <a:schemeClr val="accent1">
+              <a:shade val="50000"/>
+            </a:schemeClr>
+          </a:lnRef>
+          <a:fillRef idx="1">
+            <a:schemeClr val="accent1"/>
+          </a:fillRef>
+          <a:effectRef idx="0">
+            <a:schemeClr val="accent1"/>
+          </a:effectRef>
+          <a:fontRef idx="minor">
+            <a:schemeClr val="lt1"/>
+          </a:fontRef>
+        </p:style>
+        <p:txBody>
+          <a:bodyPr rtlCol="0" anchor="ctr"/>
+          <a:lstStyle/>
+          <a:p>
+            <a:pPr algn="ctr"/>
+            <a:r>
+              <a:rPr lang="en-US" altLang="ko-KR" sz="1100" b="1" dirty="0"/>
+              <a:t>count</a:t>
+            </a:r>
+          </a:p>
+        </p:txBody>
+      </p:sp>
+      <p:sp>
+        <p:nvSpPr>
+          <p:cNvPr id="55" name="직사각형 54">
+            <a:extLst>
+              <a:ext uri="{FF2B5EF4-FFF2-40B4-BE49-F238E27FC236}">
+                <a16:creationId xmlns:a16="http://schemas.microsoft.com/office/drawing/2014/main" id="{AC86CE37-6332-268F-EB3A-2C19D2B637E9}"/>
+              </a:ext>
+            </a:extLst>
+          </p:cNvPr>
+          <p:cNvSpPr/>
+          <p:nvPr/>
+        </p:nvSpPr>
+        <p:spPr>
+          <a:xfrm>
+            <a:off x="9232627" y="4159637"/>
+            <a:ext cx="329658" cy="301460"/>
+          </a:xfrm>
+          <a:prstGeom prst="rect">
+            <a:avLst/>
+          </a:prstGeom>
+          <a:ln/>
+        </p:spPr>
+        <p:style>
+          <a:lnRef idx="2">
+            <a:schemeClr val="accent6">
+              <a:shade val="15000"/>
+            </a:schemeClr>
+          </a:lnRef>
+          <a:fillRef idx="1">
+            <a:schemeClr val="accent6"/>
+          </a:fillRef>
+          <a:effectRef idx="0">
+            <a:schemeClr val="accent6"/>
+          </a:effectRef>
+          <a:fontRef idx="minor">
+            <a:schemeClr val="lt1"/>
+          </a:fontRef>
+        </p:style>
+        <p:txBody>
+          <a:bodyPr rtlCol="0" anchor="ctr"/>
+          <a:lstStyle/>
+          <a:p>
+            <a:pPr algn="ctr"/>
+            <a:r>
+              <a:rPr lang="en-US" altLang="ko-KR" sz="1200" b="1" dirty="0"/>
+              <a:t>+</a:t>
+            </a:r>
+          </a:p>
+        </p:txBody>
+      </p:sp>
+      <p:sp>
+        <p:nvSpPr>
+          <p:cNvPr id="56" name="직사각형 55">
+            <a:extLst>
+              <a:ext uri="{FF2B5EF4-FFF2-40B4-BE49-F238E27FC236}">
+                <a16:creationId xmlns:a16="http://schemas.microsoft.com/office/drawing/2014/main" id="{95742883-30B2-1633-7BCB-E85CB8182A84}"/>
+              </a:ext>
+            </a:extLst>
+          </p:cNvPr>
+          <p:cNvSpPr/>
+          <p:nvPr/>
+        </p:nvSpPr>
+        <p:spPr>
+          <a:xfrm>
+            <a:off x="9597411" y="4156817"/>
+            <a:ext cx="329658" cy="301460"/>
+          </a:xfrm>
+          <a:prstGeom prst="rect">
+            <a:avLst/>
+          </a:prstGeom>
+          <a:ln/>
+        </p:spPr>
+        <p:style>
+          <a:lnRef idx="2">
+            <a:schemeClr val="accent4">
+              <a:shade val="15000"/>
+            </a:schemeClr>
+          </a:lnRef>
+          <a:fillRef idx="1">
+            <a:schemeClr val="accent4"/>
+          </a:fillRef>
+          <a:effectRef idx="0">
+            <a:schemeClr val="accent4"/>
+          </a:effectRef>
+          <a:fontRef idx="minor">
+            <a:schemeClr val="lt1"/>
+          </a:fontRef>
+        </p:style>
+        <p:txBody>
+          <a:bodyPr rtlCol="0" anchor="ctr"/>
+          <a:lstStyle/>
+          <a:p>
+            <a:pPr algn="ctr"/>
+            <a:r>
+              <a:rPr lang="en-US" altLang="ko-KR" sz="1200" b="1" dirty="0"/>
+              <a:t>-</a:t>
+            </a:r>
+          </a:p>
+        </p:txBody>
+      </p:sp>
+      <p:sp>
+        <p:nvSpPr>
+          <p:cNvPr id="57" name="직사각형 56">
+            <a:extLst>
+              <a:ext uri="{FF2B5EF4-FFF2-40B4-BE49-F238E27FC236}">
+                <a16:creationId xmlns:a16="http://schemas.microsoft.com/office/drawing/2014/main" id="{F9F86A67-B2F6-D5F4-BF60-C77FC3BB42F1}"/>
+              </a:ext>
+            </a:extLst>
+          </p:cNvPr>
+          <p:cNvSpPr/>
+          <p:nvPr/>
+        </p:nvSpPr>
+        <p:spPr>
+          <a:xfrm>
+            <a:off x="9956800" y="4156817"/>
+            <a:ext cx="875484" cy="301428"/>
           </a:xfrm>
           <a:prstGeom prst="rect">
             <a:avLst/>
           </a:prstGeom>
           <a:noFill/>
-        </p:spPr>
-        <p:txBody>
-          <a:bodyPr wrap="square" rtlCol="0">
-            <a:spAutoFit/>
-          </a:bodyPr>
-          <a:lstStyle/>
-          <a:p>
-            <a:r>
-              <a:rPr lang="en-US" altLang="ko-KR" sz="1400" b="1" dirty="0"/>
-              <a:t>7. </a:t>
-            </a:r>
-            <a:r>
-              <a:rPr lang="ko-KR" altLang="en-US" sz="1400" b="1" dirty="0"/>
-              <a:t>배너</a:t>
-            </a:r>
-            <a:endParaRPr lang="en-US" altLang="ko-KR" sz="1400" b="1" dirty="0"/>
-          </a:p>
-          <a:p>
-            <a:pPr marL="342900" indent="-342900">
-              <a:buFont typeface="Arial" panose="020B0604020202020204" pitchFamily="34" charset="0"/>
-              <a:buChar char="•"/>
-            </a:pPr>
-            <a:r>
-              <a:rPr lang="ko-KR" altLang="en-US" sz="1400" dirty="0"/>
-              <a:t>행사 및 인기 </a:t>
-            </a:r>
-            <a:r>
-              <a:rPr lang="ko-KR" altLang="en-US" sz="1400" dirty="0" err="1"/>
-              <a:t>콜렉션</a:t>
-            </a:r>
-            <a:r>
-              <a:rPr lang="ko-KR" altLang="en-US" sz="1400" dirty="0"/>
-              <a:t> 관련 배너</a:t>
-            </a:r>
-          </a:p>
-        </p:txBody>
-      </p:sp>
-      <p:sp>
-        <p:nvSpPr>
-          <p:cNvPr id="49" name="TextBox 48">
-            <a:extLst>
-              <a:ext uri="{FF2B5EF4-FFF2-40B4-BE49-F238E27FC236}">
-                <a16:creationId xmlns:a16="http://schemas.microsoft.com/office/drawing/2014/main" id="{37EEF8FA-2F7A-4636-8A7E-73AC718EC193}"/>
-              </a:ext>
-            </a:extLst>
-          </p:cNvPr>
-          <p:cNvSpPr txBox="1"/>
-          <p:nvPr/>
-        </p:nvSpPr>
-        <p:spPr>
-          <a:xfrm>
-            <a:off x="838196" y="6256700"/>
-            <a:ext cx="5126373" cy="307777"/>
+          <a:ln>
+            <a:solidFill>
+              <a:srgbClr val="FF0000"/>
+            </a:solidFill>
+          </a:ln>
+        </p:spPr>
+        <p:style>
+          <a:lnRef idx="2">
+            <a:schemeClr val="accent1">
+              <a:shade val="50000"/>
+            </a:schemeClr>
+          </a:lnRef>
+          <a:fillRef idx="1">
+            <a:schemeClr val="accent1"/>
+          </a:fillRef>
+          <a:effectRef idx="0">
+            <a:schemeClr val="accent1"/>
+          </a:effectRef>
+          <a:fontRef idx="minor">
+            <a:schemeClr val="lt1"/>
+          </a:fontRef>
+        </p:style>
+        <p:txBody>
+          <a:bodyPr rtlCol="0" anchor="ctr"/>
+          <a:lstStyle/>
+          <a:p>
+            <a:pPr algn="ctr"/>
+            <a:r>
+              <a:rPr lang="ko-KR" altLang="en-US" sz="1200" b="1" dirty="0">
+                <a:solidFill>
+                  <a:srgbClr val="FF0000"/>
+                </a:solidFill>
+              </a:rPr>
+              <a:t>상품삭제</a:t>
+            </a:r>
+            <a:endParaRPr lang="en-US" altLang="ko-KR" sz="1200" b="1" dirty="0">
+              <a:solidFill>
+                <a:srgbClr val="FF0000"/>
+              </a:solidFill>
+            </a:endParaRPr>
+          </a:p>
+        </p:txBody>
+      </p:sp>
+      <p:sp>
+        <p:nvSpPr>
+          <p:cNvPr id="58" name="직사각형 57">
+            <a:extLst>
+              <a:ext uri="{FF2B5EF4-FFF2-40B4-BE49-F238E27FC236}">
+                <a16:creationId xmlns:a16="http://schemas.microsoft.com/office/drawing/2014/main" id="{2EF3D59B-4CC9-C820-4DD3-CB16A23C7997}"/>
+              </a:ext>
+            </a:extLst>
+          </p:cNvPr>
+          <p:cNvSpPr/>
+          <p:nvPr/>
+        </p:nvSpPr>
+        <p:spPr>
+          <a:xfrm>
+            <a:off x="7387204" y="4809406"/>
+            <a:ext cx="1042360" cy="576615"/>
           </a:xfrm>
           <a:prstGeom prst="rect">
             <a:avLst/>
           </a:prstGeom>
           <a:noFill/>
-        </p:spPr>
-        <p:txBody>
-          <a:bodyPr wrap="square" rtlCol="0">
-            <a:spAutoFit/>
-          </a:bodyPr>
-          <a:lstStyle/>
-          <a:p>
-            <a:r>
-              <a:rPr lang="en-US" altLang="ko-KR" sz="1400" b="1" dirty="0"/>
-              <a:t>8. </a:t>
-            </a:r>
-            <a:r>
-              <a:rPr lang="ko-KR" altLang="en-US" sz="1400" b="1" dirty="0"/>
-              <a:t>상품 상세설명</a:t>
-            </a:r>
-            <a:endParaRPr lang="en-US" altLang="ko-KR" sz="1400" b="1" dirty="0"/>
+          <a:ln>
+            <a:noFill/>
+          </a:ln>
+        </p:spPr>
+        <p:style>
+          <a:lnRef idx="2">
+            <a:schemeClr val="accent1">
+              <a:shade val="50000"/>
+            </a:schemeClr>
+          </a:lnRef>
+          <a:fillRef idx="1">
+            <a:schemeClr val="accent1"/>
+          </a:fillRef>
+          <a:effectRef idx="0">
+            <a:schemeClr val="accent1"/>
+          </a:effectRef>
+          <a:fontRef idx="minor">
+            <a:schemeClr val="lt1"/>
+          </a:fontRef>
+        </p:style>
+        <p:txBody>
+          <a:bodyPr rtlCol="0" anchor="ctr"/>
+          <a:lstStyle/>
+          <a:p>
+            <a:pPr algn="ctr"/>
+            <a:r>
+              <a:rPr lang="en-US" altLang="ko-KR" sz="1100" b="1" dirty="0"/>
+              <a:t>title</a:t>
+            </a:r>
+          </a:p>
+        </p:txBody>
+      </p:sp>
+      <p:sp>
+        <p:nvSpPr>
+          <p:cNvPr id="59" name="직사각형 58">
+            <a:extLst>
+              <a:ext uri="{FF2B5EF4-FFF2-40B4-BE49-F238E27FC236}">
+                <a16:creationId xmlns:a16="http://schemas.microsoft.com/office/drawing/2014/main" id="{72C3ED19-720E-DB97-5092-D21D44C4B50E}"/>
+              </a:ext>
+            </a:extLst>
+          </p:cNvPr>
+          <p:cNvSpPr/>
+          <p:nvPr/>
+        </p:nvSpPr>
+        <p:spPr>
+          <a:xfrm>
+            <a:off x="8429564" y="4809406"/>
+            <a:ext cx="642003" cy="576615"/>
+          </a:xfrm>
+          <a:prstGeom prst="rect">
+            <a:avLst/>
+          </a:prstGeom>
+          <a:noFill/>
+          <a:ln>
+            <a:noFill/>
+          </a:ln>
+        </p:spPr>
+        <p:style>
+          <a:lnRef idx="2">
+            <a:schemeClr val="accent1">
+              <a:shade val="50000"/>
+            </a:schemeClr>
+          </a:lnRef>
+          <a:fillRef idx="1">
+            <a:schemeClr val="accent1"/>
+          </a:fillRef>
+          <a:effectRef idx="0">
+            <a:schemeClr val="accent1"/>
+          </a:effectRef>
+          <a:fontRef idx="minor">
+            <a:schemeClr val="lt1"/>
+          </a:fontRef>
+        </p:style>
+        <p:txBody>
+          <a:bodyPr rtlCol="0" anchor="ctr"/>
+          <a:lstStyle/>
+          <a:p>
+            <a:pPr algn="ctr"/>
+            <a:r>
+              <a:rPr lang="en-US" altLang="ko-KR" sz="1100" b="1" dirty="0"/>
+              <a:t>count</a:t>
+            </a:r>
+          </a:p>
+        </p:txBody>
+      </p:sp>
+      <p:sp>
+        <p:nvSpPr>
+          <p:cNvPr id="60" name="직사각형 59">
+            <a:extLst>
+              <a:ext uri="{FF2B5EF4-FFF2-40B4-BE49-F238E27FC236}">
+                <a16:creationId xmlns:a16="http://schemas.microsoft.com/office/drawing/2014/main" id="{B92E36CD-98DC-A62E-4CBF-EF42B856D44A}"/>
+              </a:ext>
+            </a:extLst>
+          </p:cNvPr>
+          <p:cNvSpPr/>
+          <p:nvPr/>
+        </p:nvSpPr>
+        <p:spPr>
+          <a:xfrm>
+            <a:off x="9232627" y="4957047"/>
+            <a:ext cx="329658" cy="301460"/>
+          </a:xfrm>
+          <a:prstGeom prst="rect">
+            <a:avLst/>
+          </a:prstGeom>
+          <a:ln/>
+        </p:spPr>
+        <p:style>
+          <a:lnRef idx="2">
+            <a:schemeClr val="accent6">
+              <a:shade val="15000"/>
+            </a:schemeClr>
+          </a:lnRef>
+          <a:fillRef idx="1">
+            <a:schemeClr val="accent6"/>
+          </a:fillRef>
+          <a:effectRef idx="0">
+            <a:schemeClr val="accent6"/>
+          </a:effectRef>
+          <a:fontRef idx="minor">
+            <a:schemeClr val="lt1"/>
+          </a:fontRef>
+        </p:style>
+        <p:txBody>
+          <a:bodyPr rtlCol="0" anchor="ctr"/>
+          <a:lstStyle/>
+          <a:p>
+            <a:pPr algn="ctr"/>
+            <a:r>
+              <a:rPr lang="en-US" altLang="ko-KR" sz="1200" b="1" dirty="0"/>
+              <a:t>+</a:t>
+            </a:r>
+          </a:p>
+        </p:txBody>
+      </p:sp>
+      <p:sp>
+        <p:nvSpPr>
+          <p:cNvPr id="61" name="직사각형 60">
+            <a:extLst>
+              <a:ext uri="{FF2B5EF4-FFF2-40B4-BE49-F238E27FC236}">
+                <a16:creationId xmlns:a16="http://schemas.microsoft.com/office/drawing/2014/main" id="{5F0CD206-3A63-5856-6B54-77F8B81A5603}"/>
+              </a:ext>
+            </a:extLst>
+          </p:cNvPr>
+          <p:cNvSpPr/>
+          <p:nvPr/>
+        </p:nvSpPr>
+        <p:spPr>
+          <a:xfrm>
+            <a:off x="9597411" y="4954227"/>
+            <a:ext cx="329658" cy="301460"/>
+          </a:xfrm>
+          <a:prstGeom prst="rect">
+            <a:avLst/>
+          </a:prstGeom>
+          <a:ln/>
+        </p:spPr>
+        <p:style>
+          <a:lnRef idx="2">
+            <a:schemeClr val="accent4">
+              <a:shade val="15000"/>
+            </a:schemeClr>
+          </a:lnRef>
+          <a:fillRef idx="1">
+            <a:schemeClr val="accent4"/>
+          </a:fillRef>
+          <a:effectRef idx="0">
+            <a:schemeClr val="accent4"/>
+          </a:effectRef>
+          <a:fontRef idx="minor">
+            <a:schemeClr val="lt1"/>
+          </a:fontRef>
+        </p:style>
+        <p:txBody>
+          <a:bodyPr rtlCol="0" anchor="ctr"/>
+          <a:lstStyle/>
+          <a:p>
+            <a:pPr algn="ctr"/>
+            <a:r>
+              <a:rPr lang="en-US" altLang="ko-KR" sz="1200" b="1" dirty="0"/>
+              <a:t>-</a:t>
+            </a:r>
+          </a:p>
+        </p:txBody>
+      </p:sp>
+      <p:sp>
+        <p:nvSpPr>
+          <p:cNvPr id="62" name="직사각형 61">
+            <a:extLst>
+              <a:ext uri="{FF2B5EF4-FFF2-40B4-BE49-F238E27FC236}">
+                <a16:creationId xmlns:a16="http://schemas.microsoft.com/office/drawing/2014/main" id="{56CEB8D4-271B-222B-6DBB-30A5304DDE80}"/>
+              </a:ext>
+            </a:extLst>
+          </p:cNvPr>
+          <p:cNvSpPr/>
+          <p:nvPr/>
+        </p:nvSpPr>
+        <p:spPr>
+          <a:xfrm>
+            <a:off x="9956800" y="4954227"/>
+            <a:ext cx="875484" cy="301428"/>
+          </a:xfrm>
+          <a:prstGeom prst="rect">
+            <a:avLst/>
+          </a:prstGeom>
+          <a:noFill/>
+          <a:ln>
+            <a:solidFill>
+              <a:srgbClr val="FF0000"/>
+            </a:solidFill>
+          </a:ln>
+        </p:spPr>
+        <p:style>
+          <a:lnRef idx="2">
+            <a:schemeClr val="accent1">
+              <a:shade val="50000"/>
+            </a:schemeClr>
+          </a:lnRef>
+          <a:fillRef idx="1">
+            <a:schemeClr val="accent1"/>
+          </a:fillRef>
+          <a:effectRef idx="0">
+            <a:schemeClr val="accent1"/>
+          </a:effectRef>
+          <a:fontRef idx="minor">
+            <a:schemeClr val="lt1"/>
+          </a:fontRef>
+        </p:style>
+        <p:txBody>
+          <a:bodyPr rtlCol="0" anchor="ctr"/>
+          <a:lstStyle/>
+          <a:p>
+            <a:pPr algn="ctr"/>
+            <a:r>
+              <a:rPr lang="ko-KR" altLang="en-US" sz="1200" b="1" dirty="0">
+                <a:solidFill>
+                  <a:srgbClr val="FF0000"/>
+                </a:solidFill>
+              </a:rPr>
+              <a:t>상품삭제</a:t>
+            </a:r>
+            <a:endParaRPr lang="en-US" altLang="ko-KR" sz="1200" b="1" dirty="0">
+              <a:solidFill>
+                <a:srgbClr val="FF0000"/>
+              </a:solidFill>
+            </a:endParaRPr>
           </a:p>
         </p:txBody>
       </p:sp>
@@ -10862,7 +14684,13 @@
   <p:cSld>
     <p:spTree>
       <p:nvGrpSpPr>
-        <p:cNvPr id="1" name=""/>
+        <p:cNvPr id="1" name="">
+          <a:extLst>
+            <a:ext uri="{FF2B5EF4-FFF2-40B4-BE49-F238E27FC236}">
+              <a16:creationId xmlns:a16="http://schemas.microsoft.com/office/drawing/2014/main" id="{C0CF975B-8E19-B505-124C-DA8A308DBFDC}"/>
+            </a:ext>
+          </a:extLst>
+        </p:cNvPr>
         <p:cNvGrpSpPr/>
         <p:nvPr/>
       </p:nvGrpSpPr>
@@ -10879,7 +14707,7 @@
           <p:cNvPr id="2" name="제목 1">
             <a:extLst>
               <a:ext uri="{FF2B5EF4-FFF2-40B4-BE49-F238E27FC236}">
-                <a16:creationId xmlns:a16="http://schemas.microsoft.com/office/drawing/2014/main" id="{5BC4CE65-AE09-41DD-B00D-1B4CDE780D13}"/>
+                <a16:creationId xmlns:a16="http://schemas.microsoft.com/office/drawing/2014/main" id="{6EFFD3CF-2340-DBA6-07FB-A7B82BFD0E8E}"/>
               </a:ext>
             </a:extLst>
           </p:cNvPr>
@@ -10897,11 +14725,11 @@
           <a:p>
             <a:r>
               <a:rPr lang="en-US" altLang="ko-KR" b="1" dirty="0"/>
-              <a:t>4. </a:t>
+              <a:t>3. </a:t>
             </a:r>
             <a:r>
               <a:rPr lang="ko-KR" altLang="en-US" b="1" dirty="0"/>
-              <a:t>설계구현</a:t>
+              <a:t>화면설계</a:t>
             </a:r>
           </a:p>
         </p:txBody>
@@ -10911,7 +14739,7 @@
           <p:cNvPr id="3" name="내용 개체 틀 2">
             <a:extLst>
               <a:ext uri="{FF2B5EF4-FFF2-40B4-BE49-F238E27FC236}">
-                <a16:creationId xmlns:a16="http://schemas.microsoft.com/office/drawing/2014/main" id="{D230E202-5998-49F4-A98F-9C35E0D3F6C4}"/>
+                <a16:creationId xmlns:a16="http://schemas.microsoft.com/office/drawing/2014/main" id="{052BDD51-45B7-2CEF-49D7-EA0ABACC6F00}"/>
               </a:ext>
             </a:extLst>
           </p:cNvPr>
@@ -10922,19 +14750,3062 @@
             <p:ph idx="1"/>
           </p:nvPr>
         </p:nvSpPr>
-        <p:spPr/>
+        <p:spPr>
+          <a:xfrm>
+            <a:off x="838200" y="1749644"/>
+            <a:ext cx="5126369" cy="520192"/>
+          </a:xfrm>
+        </p:spPr>
         <p:txBody>
           <a:bodyPr/>
           <a:lstStyle/>
           <a:p>
-            <a:endParaRPr lang="ko-KR" altLang="en-US"/>
-          </a:p>
-        </p:txBody>
-      </p:sp>
+            <a:r>
+              <a:rPr lang="ko-KR" altLang="en-US" b="1" u="sng" dirty="0">
+                <a:highlight>
+                  <a:srgbClr val="FFFF00"/>
+                </a:highlight>
+              </a:rPr>
+              <a:t>게시판 </a:t>
+            </a:r>
+            <a:r>
+              <a:rPr lang="en-US" altLang="ko-KR" b="1" u="sng" dirty="0">
+                <a:highlight>
+                  <a:srgbClr val="FFFF00"/>
+                </a:highlight>
+              </a:rPr>
+              <a:t>Page</a:t>
+            </a:r>
+            <a:endParaRPr lang="ko-KR" altLang="en-US" b="1" u="sng" dirty="0">
+              <a:highlight>
+                <a:srgbClr val="FFFF00"/>
+              </a:highlight>
+            </a:endParaRPr>
+          </a:p>
+        </p:txBody>
+      </p:sp>
+      <p:sp>
+        <p:nvSpPr>
+          <p:cNvPr id="4" name="직사각형 3">
+            <a:extLst>
+              <a:ext uri="{FF2B5EF4-FFF2-40B4-BE49-F238E27FC236}">
+                <a16:creationId xmlns:a16="http://schemas.microsoft.com/office/drawing/2014/main" id="{1FF2FE6C-4AE5-A59A-C0F5-672191E3C448}"/>
+              </a:ext>
+            </a:extLst>
+          </p:cNvPr>
+          <p:cNvSpPr/>
+          <p:nvPr/>
+        </p:nvSpPr>
+        <p:spPr>
+          <a:xfrm>
+            <a:off x="6096000" y="1451295"/>
+            <a:ext cx="4949504" cy="5041580"/>
+          </a:xfrm>
+          <a:prstGeom prst="rect">
+            <a:avLst/>
+          </a:prstGeom>
+          <a:solidFill>
+            <a:schemeClr val="bg1">
+              <a:lumMod val="95000"/>
+            </a:schemeClr>
+          </a:solidFill>
+          <a:ln>
+            <a:noFill/>
+          </a:ln>
+        </p:spPr>
+        <p:style>
+          <a:lnRef idx="2">
+            <a:schemeClr val="accent1">
+              <a:shade val="50000"/>
+            </a:schemeClr>
+          </a:lnRef>
+          <a:fillRef idx="1">
+            <a:schemeClr val="accent1"/>
+          </a:fillRef>
+          <a:effectRef idx="0">
+            <a:schemeClr val="accent1"/>
+          </a:effectRef>
+          <a:fontRef idx="minor">
+            <a:schemeClr val="lt1"/>
+          </a:fontRef>
+        </p:style>
+        <p:txBody>
+          <a:bodyPr rtlCol="0" anchor="ctr"/>
+          <a:lstStyle/>
+          <a:p>
+            <a:pPr algn="ctr"/>
+            <a:endParaRPr lang="ko-KR" altLang="en-US" b="1"/>
+          </a:p>
+        </p:txBody>
+      </p:sp>
+      <p:sp>
+        <p:nvSpPr>
+          <p:cNvPr id="5" name="직사각형 4">
+            <a:extLst>
+              <a:ext uri="{FF2B5EF4-FFF2-40B4-BE49-F238E27FC236}">
+                <a16:creationId xmlns:a16="http://schemas.microsoft.com/office/drawing/2014/main" id="{0DCF7572-5E2C-942A-F07D-6838E05DB60F}"/>
+              </a:ext>
+            </a:extLst>
+          </p:cNvPr>
+          <p:cNvSpPr/>
+          <p:nvPr/>
+        </p:nvSpPr>
+        <p:spPr>
+          <a:xfrm>
+            <a:off x="6283354" y="1614213"/>
+            <a:ext cx="4630723" cy="982379"/>
+          </a:xfrm>
+          <a:prstGeom prst="rect">
+            <a:avLst/>
+          </a:prstGeom>
+          <a:solidFill>
+            <a:schemeClr val="bg1">
+              <a:lumMod val="50000"/>
+            </a:schemeClr>
+          </a:solidFill>
+          <a:ln>
+            <a:noFill/>
+          </a:ln>
+        </p:spPr>
+        <p:style>
+          <a:lnRef idx="2">
+            <a:schemeClr val="accent1">
+              <a:shade val="50000"/>
+            </a:schemeClr>
+          </a:lnRef>
+          <a:fillRef idx="1">
+            <a:schemeClr val="accent1"/>
+          </a:fillRef>
+          <a:effectRef idx="0">
+            <a:schemeClr val="accent1"/>
+          </a:effectRef>
+          <a:fontRef idx="minor">
+            <a:schemeClr val="lt1"/>
+          </a:fontRef>
+        </p:style>
+        <p:txBody>
+          <a:bodyPr rtlCol="0" anchor="ctr"/>
+          <a:lstStyle/>
+          <a:p>
+            <a:pPr algn="ctr"/>
+            <a:r>
+              <a:rPr lang="ko-KR" altLang="en-US" sz="1100" b="1" dirty="0"/>
+              <a:t>로고</a:t>
+            </a:r>
+          </a:p>
+        </p:txBody>
+      </p:sp>
+      <p:sp>
+        <p:nvSpPr>
+          <p:cNvPr id="6" name="직사각형 5">
+            <a:extLst>
+              <a:ext uri="{FF2B5EF4-FFF2-40B4-BE49-F238E27FC236}">
+                <a16:creationId xmlns:a16="http://schemas.microsoft.com/office/drawing/2014/main" id="{229DD30B-26DC-AE90-948D-A9E966F10B71}"/>
+              </a:ext>
+            </a:extLst>
+          </p:cNvPr>
+          <p:cNvSpPr/>
+          <p:nvPr/>
+        </p:nvSpPr>
+        <p:spPr>
+          <a:xfrm>
+            <a:off x="8699384" y="1651452"/>
+            <a:ext cx="2132900" cy="239293"/>
+          </a:xfrm>
+          <a:prstGeom prst="rect">
+            <a:avLst/>
+          </a:prstGeom>
+          <a:solidFill>
+            <a:schemeClr val="accent1">
+              <a:lumMod val="60000"/>
+              <a:lumOff val="40000"/>
+            </a:schemeClr>
+          </a:solidFill>
+          <a:ln>
+            <a:noFill/>
+          </a:ln>
+        </p:spPr>
+        <p:style>
+          <a:lnRef idx="2">
+            <a:schemeClr val="accent1">
+              <a:shade val="50000"/>
+            </a:schemeClr>
+          </a:lnRef>
+          <a:fillRef idx="1">
+            <a:schemeClr val="accent1"/>
+          </a:fillRef>
+          <a:effectRef idx="0">
+            <a:schemeClr val="accent1"/>
+          </a:effectRef>
+          <a:fontRef idx="minor">
+            <a:schemeClr val="lt1"/>
+          </a:fontRef>
+        </p:style>
+        <p:txBody>
+          <a:bodyPr rtlCol="0" anchor="ctr"/>
+          <a:lstStyle/>
+          <a:p>
+            <a:pPr algn="ctr"/>
+            <a:r>
+              <a:rPr lang="ko-KR" altLang="en-US" sz="1100" b="1" dirty="0"/>
+              <a:t>사용자</a:t>
+            </a:r>
+            <a:r>
+              <a:rPr lang="en-US" altLang="ko-KR" sz="1100" b="1" dirty="0"/>
+              <a:t> Navigation</a:t>
+            </a:r>
+            <a:endParaRPr lang="ko-KR" altLang="en-US" sz="1100" b="1" dirty="0"/>
+          </a:p>
+        </p:txBody>
+      </p:sp>
+      <p:sp>
+        <p:nvSpPr>
+          <p:cNvPr id="7" name="직사각형 6">
+            <a:extLst>
+              <a:ext uri="{FF2B5EF4-FFF2-40B4-BE49-F238E27FC236}">
+                <a16:creationId xmlns:a16="http://schemas.microsoft.com/office/drawing/2014/main" id="{035816FB-8915-CF77-7D43-5990A3D7ED80}"/>
+              </a:ext>
+            </a:extLst>
+          </p:cNvPr>
+          <p:cNvSpPr/>
+          <p:nvPr/>
+        </p:nvSpPr>
+        <p:spPr>
+          <a:xfrm>
+            <a:off x="6397654" y="1940970"/>
+            <a:ext cx="3559146" cy="255961"/>
+          </a:xfrm>
+          <a:prstGeom prst="rect">
+            <a:avLst/>
+          </a:prstGeom>
+          <a:solidFill>
+            <a:schemeClr val="accent1">
+              <a:lumMod val="60000"/>
+              <a:lumOff val="40000"/>
+            </a:schemeClr>
+          </a:solidFill>
+          <a:ln>
+            <a:noFill/>
+          </a:ln>
+        </p:spPr>
+        <p:style>
+          <a:lnRef idx="2">
+            <a:schemeClr val="accent1">
+              <a:shade val="50000"/>
+            </a:schemeClr>
+          </a:lnRef>
+          <a:fillRef idx="1">
+            <a:schemeClr val="accent1"/>
+          </a:fillRef>
+          <a:effectRef idx="0">
+            <a:schemeClr val="accent1"/>
+          </a:effectRef>
+          <a:fontRef idx="minor">
+            <a:schemeClr val="lt1"/>
+          </a:fontRef>
+        </p:style>
+        <p:txBody>
+          <a:bodyPr rtlCol="0" anchor="ctr"/>
+          <a:lstStyle/>
+          <a:p>
+            <a:pPr algn="ctr"/>
+            <a:r>
+              <a:rPr lang="ko-KR" altLang="en-US" sz="1100" b="1" dirty="0" err="1"/>
+              <a:t>콜렉션</a:t>
+            </a:r>
+            <a:r>
+              <a:rPr lang="en-US" altLang="ko-KR" sz="1100" b="1" dirty="0"/>
+              <a:t> Navigation</a:t>
+            </a:r>
+            <a:endParaRPr lang="ko-KR" altLang="en-US" sz="1100" b="1" dirty="0"/>
+          </a:p>
+        </p:txBody>
+      </p:sp>
+      <p:sp>
+        <p:nvSpPr>
+          <p:cNvPr id="8" name="직사각형 7">
+            <a:extLst>
+              <a:ext uri="{FF2B5EF4-FFF2-40B4-BE49-F238E27FC236}">
+                <a16:creationId xmlns:a16="http://schemas.microsoft.com/office/drawing/2014/main" id="{03C70084-3CA1-15EF-6DAB-6FA788747D2D}"/>
+              </a:ext>
+            </a:extLst>
+          </p:cNvPr>
+          <p:cNvSpPr/>
+          <p:nvPr/>
+        </p:nvSpPr>
+        <p:spPr>
+          <a:xfrm>
+            <a:off x="6397654" y="2226906"/>
+            <a:ext cx="4434630" cy="331586"/>
+          </a:xfrm>
+          <a:prstGeom prst="rect">
+            <a:avLst/>
+          </a:prstGeom>
+          <a:solidFill>
+            <a:schemeClr val="accent1">
+              <a:lumMod val="60000"/>
+              <a:lumOff val="40000"/>
+            </a:schemeClr>
+          </a:solidFill>
+          <a:ln>
+            <a:noFill/>
+          </a:ln>
+        </p:spPr>
+        <p:style>
+          <a:lnRef idx="2">
+            <a:schemeClr val="accent1">
+              <a:shade val="50000"/>
+            </a:schemeClr>
+          </a:lnRef>
+          <a:fillRef idx="1">
+            <a:schemeClr val="accent1"/>
+          </a:fillRef>
+          <a:effectRef idx="0">
+            <a:schemeClr val="accent1"/>
+          </a:effectRef>
+          <a:fontRef idx="minor">
+            <a:schemeClr val="lt1"/>
+          </a:fontRef>
+        </p:style>
+        <p:txBody>
+          <a:bodyPr rtlCol="0" anchor="ctr"/>
+          <a:lstStyle/>
+          <a:p>
+            <a:pPr algn="ctr"/>
+            <a:r>
+              <a:rPr lang="ko-KR" altLang="en-US" sz="1100" b="1" dirty="0"/>
+              <a:t>카테고리</a:t>
+            </a:r>
+            <a:r>
+              <a:rPr lang="en-US" altLang="ko-KR" sz="1100" b="1" dirty="0"/>
+              <a:t> Navigation</a:t>
+            </a:r>
+            <a:endParaRPr lang="ko-KR" altLang="en-US" sz="1100" b="1" dirty="0"/>
+          </a:p>
+        </p:txBody>
+      </p:sp>
+      <p:sp>
+        <p:nvSpPr>
+          <p:cNvPr id="9" name="직사각형 8">
+            <a:extLst>
+              <a:ext uri="{FF2B5EF4-FFF2-40B4-BE49-F238E27FC236}">
+                <a16:creationId xmlns:a16="http://schemas.microsoft.com/office/drawing/2014/main" id="{FA94AB9B-7C7D-8ABA-6A89-597AD9F15EBF}"/>
+              </a:ext>
+            </a:extLst>
+          </p:cNvPr>
+          <p:cNvSpPr/>
+          <p:nvPr/>
+        </p:nvSpPr>
+        <p:spPr>
+          <a:xfrm>
+            <a:off x="6283354" y="2637846"/>
+            <a:ext cx="4630722" cy="3148812"/>
+          </a:xfrm>
+          <a:prstGeom prst="rect">
+            <a:avLst/>
+          </a:prstGeom>
+          <a:solidFill>
+            <a:schemeClr val="accent2">
+              <a:lumMod val="60000"/>
+              <a:lumOff val="40000"/>
+            </a:schemeClr>
+          </a:solidFill>
+          <a:ln>
+            <a:noFill/>
+          </a:ln>
+        </p:spPr>
+        <p:style>
+          <a:lnRef idx="2">
+            <a:schemeClr val="accent1">
+              <a:shade val="50000"/>
+            </a:schemeClr>
+          </a:lnRef>
+          <a:fillRef idx="1">
+            <a:schemeClr val="accent1"/>
+          </a:fillRef>
+          <a:effectRef idx="0">
+            <a:schemeClr val="accent1"/>
+          </a:effectRef>
+          <a:fontRef idx="minor">
+            <a:schemeClr val="lt1"/>
+          </a:fontRef>
+        </p:style>
+        <p:txBody>
+          <a:bodyPr rtlCol="0" anchor="ctr"/>
+          <a:lstStyle/>
+          <a:p>
+            <a:pPr algn="ctr"/>
+            <a:endParaRPr lang="ko-KR" altLang="en-US" sz="1100" b="1" dirty="0"/>
+          </a:p>
+        </p:txBody>
+      </p:sp>
+      <p:sp>
+        <p:nvSpPr>
+          <p:cNvPr id="16" name="직사각형 15">
+            <a:extLst>
+              <a:ext uri="{FF2B5EF4-FFF2-40B4-BE49-F238E27FC236}">
+                <a16:creationId xmlns:a16="http://schemas.microsoft.com/office/drawing/2014/main" id="{F136462F-A756-A596-80DD-7E1BA058FB26}"/>
+              </a:ext>
+            </a:extLst>
+          </p:cNvPr>
+          <p:cNvSpPr/>
+          <p:nvPr/>
+        </p:nvSpPr>
+        <p:spPr>
+          <a:xfrm>
+            <a:off x="6756655" y="3179981"/>
+            <a:ext cx="630551" cy="576615"/>
+          </a:xfrm>
+          <a:prstGeom prst="rect">
+            <a:avLst/>
+          </a:prstGeom>
+          <a:noFill/>
+          <a:ln>
+            <a:noFill/>
+          </a:ln>
+        </p:spPr>
+        <p:style>
+          <a:lnRef idx="2">
+            <a:schemeClr val="accent1">
+              <a:shade val="50000"/>
+            </a:schemeClr>
+          </a:lnRef>
+          <a:fillRef idx="1">
+            <a:schemeClr val="accent1"/>
+          </a:fillRef>
+          <a:effectRef idx="0">
+            <a:schemeClr val="accent1"/>
+          </a:effectRef>
+          <a:fontRef idx="minor">
+            <a:schemeClr val="lt1"/>
+          </a:fontRef>
+        </p:style>
+        <p:txBody>
+          <a:bodyPr rtlCol="0" anchor="ctr"/>
+          <a:lstStyle/>
+          <a:p>
+            <a:pPr algn="ctr"/>
+            <a:r>
+              <a:rPr lang="en-US" altLang="ko-KR" sz="1100" b="1" dirty="0"/>
+              <a:t>title</a:t>
+            </a:r>
+          </a:p>
+        </p:txBody>
+      </p:sp>
+      <p:sp>
+        <p:nvSpPr>
+          <p:cNvPr id="26" name="직사각형 25">
+            <a:extLst>
+              <a:ext uri="{FF2B5EF4-FFF2-40B4-BE49-F238E27FC236}">
+                <a16:creationId xmlns:a16="http://schemas.microsoft.com/office/drawing/2014/main" id="{B219B5BD-1448-D7FC-CDDC-F7B0552672FE}"/>
+              </a:ext>
+            </a:extLst>
+          </p:cNvPr>
+          <p:cNvSpPr/>
+          <p:nvPr/>
+        </p:nvSpPr>
+        <p:spPr>
+          <a:xfrm>
+            <a:off x="6283354" y="5850839"/>
+            <a:ext cx="4630722" cy="507184"/>
+          </a:xfrm>
+          <a:prstGeom prst="rect">
+            <a:avLst/>
+          </a:prstGeom>
+          <a:solidFill>
+            <a:schemeClr val="bg1">
+              <a:lumMod val="50000"/>
+            </a:schemeClr>
+          </a:solidFill>
+          <a:ln>
+            <a:noFill/>
+          </a:ln>
+        </p:spPr>
+        <p:style>
+          <a:lnRef idx="2">
+            <a:schemeClr val="accent1">
+              <a:shade val="50000"/>
+            </a:schemeClr>
+          </a:lnRef>
+          <a:fillRef idx="1">
+            <a:schemeClr val="accent1"/>
+          </a:fillRef>
+          <a:effectRef idx="0">
+            <a:schemeClr val="accent1"/>
+          </a:effectRef>
+          <a:fontRef idx="minor">
+            <a:schemeClr val="lt1"/>
+          </a:fontRef>
+        </p:style>
+        <p:txBody>
+          <a:bodyPr rtlCol="0" anchor="ctr"/>
+          <a:lstStyle/>
+          <a:p>
+            <a:pPr algn="ctr"/>
+            <a:r>
+              <a:rPr lang="en-US" altLang="ko-KR" sz="1100" b="1" dirty="0"/>
+              <a:t>Footer</a:t>
+            </a:r>
+            <a:endParaRPr lang="ko-KR" altLang="en-US" sz="1100" b="1" dirty="0"/>
+          </a:p>
+        </p:txBody>
+      </p:sp>
+      <p:sp>
+        <p:nvSpPr>
+          <p:cNvPr id="28" name="직사각형 27">
+            <a:extLst>
+              <a:ext uri="{FF2B5EF4-FFF2-40B4-BE49-F238E27FC236}">
+                <a16:creationId xmlns:a16="http://schemas.microsoft.com/office/drawing/2014/main" id="{FCDF5636-A080-03DB-E5E2-5CDCF904E8F1}"/>
+              </a:ext>
+            </a:extLst>
+          </p:cNvPr>
+          <p:cNvSpPr/>
+          <p:nvPr/>
+        </p:nvSpPr>
+        <p:spPr>
+          <a:xfrm>
+            <a:off x="6397654" y="1663923"/>
+            <a:ext cx="1297847" cy="255961"/>
+          </a:xfrm>
+          <a:prstGeom prst="rect">
+            <a:avLst/>
+          </a:prstGeom>
+          <a:solidFill>
+            <a:schemeClr val="accent1">
+              <a:lumMod val="60000"/>
+              <a:lumOff val="40000"/>
+            </a:schemeClr>
+          </a:solidFill>
+          <a:ln>
+            <a:noFill/>
+          </a:ln>
+        </p:spPr>
+        <p:style>
+          <a:lnRef idx="2">
+            <a:schemeClr val="accent1">
+              <a:shade val="50000"/>
+            </a:schemeClr>
+          </a:lnRef>
+          <a:fillRef idx="1">
+            <a:schemeClr val="accent1"/>
+          </a:fillRef>
+          <a:effectRef idx="0">
+            <a:schemeClr val="accent1"/>
+          </a:effectRef>
+          <a:fontRef idx="minor">
+            <a:schemeClr val="lt1"/>
+          </a:fontRef>
+        </p:style>
+        <p:txBody>
+          <a:bodyPr rtlCol="0" anchor="ctr"/>
+          <a:lstStyle/>
+          <a:p>
+            <a:pPr algn="ctr"/>
+            <a:r>
+              <a:rPr lang="ko-KR" altLang="en-US" sz="1100" b="1" dirty="0"/>
+              <a:t>로고</a:t>
+            </a:r>
+          </a:p>
+        </p:txBody>
+      </p:sp>
+      <p:sp>
+        <p:nvSpPr>
+          <p:cNvPr id="29" name="직사각형 28">
+            <a:extLst>
+              <a:ext uri="{FF2B5EF4-FFF2-40B4-BE49-F238E27FC236}">
+                <a16:creationId xmlns:a16="http://schemas.microsoft.com/office/drawing/2014/main" id="{58457331-DA00-256B-27C5-F2C49CE687AD}"/>
+              </a:ext>
+            </a:extLst>
+          </p:cNvPr>
+          <p:cNvSpPr/>
+          <p:nvPr/>
+        </p:nvSpPr>
+        <p:spPr>
+          <a:xfrm>
+            <a:off x="11159804" y="1940970"/>
+            <a:ext cx="720000" cy="255961"/>
+          </a:xfrm>
+          <a:prstGeom prst="rect">
+            <a:avLst/>
+          </a:prstGeom>
+          <a:noFill/>
+        </p:spPr>
+        <p:style>
+          <a:lnRef idx="2">
+            <a:schemeClr val="accent1">
+              <a:shade val="50000"/>
+            </a:schemeClr>
+          </a:lnRef>
+          <a:fillRef idx="1">
+            <a:schemeClr val="accent1"/>
+          </a:fillRef>
+          <a:effectRef idx="0">
+            <a:schemeClr val="accent1"/>
+          </a:effectRef>
+          <a:fontRef idx="minor">
+            <a:schemeClr val="lt1"/>
+          </a:fontRef>
+        </p:style>
+        <p:txBody>
+          <a:bodyPr rtlCol="0" anchor="ctr"/>
+          <a:lstStyle/>
+          <a:p>
+            <a:pPr algn="ctr"/>
+            <a:r>
+              <a:rPr lang="en-US" altLang="ko-KR" sz="1100" b="1" dirty="0">
+                <a:solidFill>
+                  <a:schemeClr val="accent1">
+                    <a:lumMod val="75000"/>
+                  </a:schemeClr>
+                </a:solidFill>
+              </a:rPr>
+              <a:t>Header</a:t>
+            </a:r>
+            <a:endParaRPr lang="ko-KR" altLang="en-US" sz="1100" b="1" dirty="0">
+              <a:solidFill>
+                <a:schemeClr val="accent1">
+                  <a:lumMod val="75000"/>
+                </a:schemeClr>
+              </a:solidFill>
+            </a:endParaRPr>
+          </a:p>
+        </p:txBody>
+      </p:sp>
+      <p:sp>
+        <p:nvSpPr>
+          <p:cNvPr id="30" name="직사각형 29">
+            <a:extLst>
+              <a:ext uri="{FF2B5EF4-FFF2-40B4-BE49-F238E27FC236}">
+                <a16:creationId xmlns:a16="http://schemas.microsoft.com/office/drawing/2014/main" id="{2AF9B5CA-6C03-9982-863C-3809A39FFB06}"/>
+              </a:ext>
+            </a:extLst>
+          </p:cNvPr>
+          <p:cNvSpPr/>
+          <p:nvPr/>
+        </p:nvSpPr>
+        <p:spPr>
+          <a:xfrm>
+            <a:off x="11159804" y="3998694"/>
+            <a:ext cx="720000" cy="255961"/>
+          </a:xfrm>
+          <a:prstGeom prst="rect">
+            <a:avLst/>
+          </a:prstGeom>
+          <a:noFill/>
+        </p:spPr>
+        <p:style>
+          <a:lnRef idx="2">
+            <a:schemeClr val="accent1">
+              <a:shade val="50000"/>
+            </a:schemeClr>
+          </a:lnRef>
+          <a:fillRef idx="1">
+            <a:schemeClr val="accent1"/>
+          </a:fillRef>
+          <a:effectRef idx="0">
+            <a:schemeClr val="accent1"/>
+          </a:effectRef>
+          <a:fontRef idx="minor">
+            <a:schemeClr val="lt1"/>
+          </a:fontRef>
+        </p:style>
+        <p:txBody>
+          <a:bodyPr rtlCol="0" anchor="ctr"/>
+          <a:lstStyle/>
+          <a:p>
+            <a:pPr algn="ctr"/>
+            <a:r>
+              <a:rPr lang="en-US" altLang="ko-KR" sz="1100" b="1" dirty="0">
+                <a:solidFill>
+                  <a:schemeClr val="accent1">
+                    <a:lumMod val="75000"/>
+                  </a:schemeClr>
+                </a:solidFill>
+              </a:rPr>
+              <a:t>Main</a:t>
+            </a:r>
+            <a:endParaRPr lang="ko-KR" altLang="en-US" sz="1100" b="1" dirty="0">
+              <a:solidFill>
+                <a:schemeClr val="accent1">
+                  <a:lumMod val="75000"/>
+                </a:schemeClr>
+              </a:solidFill>
+            </a:endParaRPr>
+          </a:p>
+        </p:txBody>
+      </p:sp>
+      <p:sp>
+        <p:nvSpPr>
+          <p:cNvPr id="31" name="직사각형 30">
+            <a:extLst>
+              <a:ext uri="{FF2B5EF4-FFF2-40B4-BE49-F238E27FC236}">
+                <a16:creationId xmlns:a16="http://schemas.microsoft.com/office/drawing/2014/main" id="{0B7E6924-58C9-D823-C392-FAA53E0A0B07}"/>
+              </a:ext>
+            </a:extLst>
+          </p:cNvPr>
+          <p:cNvSpPr/>
+          <p:nvPr/>
+        </p:nvSpPr>
+        <p:spPr>
+          <a:xfrm>
+            <a:off x="11159804" y="5948083"/>
+            <a:ext cx="720000" cy="255961"/>
+          </a:xfrm>
+          <a:prstGeom prst="rect">
+            <a:avLst/>
+          </a:prstGeom>
+          <a:noFill/>
+        </p:spPr>
+        <p:style>
+          <a:lnRef idx="2">
+            <a:schemeClr val="accent1">
+              <a:shade val="50000"/>
+            </a:schemeClr>
+          </a:lnRef>
+          <a:fillRef idx="1">
+            <a:schemeClr val="accent1"/>
+          </a:fillRef>
+          <a:effectRef idx="0">
+            <a:schemeClr val="accent1"/>
+          </a:effectRef>
+          <a:fontRef idx="minor">
+            <a:schemeClr val="lt1"/>
+          </a:fontRef>
+        </p:style>
+        <p:txBody>
+          <a:bodyPr rtlCol="0" anchor="ctr"/>
+          <a:lstStyle/>
+          <a:p>
+            <a:pPr algn="ctr"/>
+            <a:r>
+              <a:rPr lang="en-US" altLang="ko-KR" sz="1100" b="1" dirty="0">
+                <a:solidFill>
+                  <a:schemeClr val="accent1">
+                    <a:lumMod val="75000"/>
+                  </a:schemeClr>
+                </a:solidFill>
+              </a:rPr>
+              <a:t>Footer</a:t>
+            </a:r>
+            <a:endParaRPr lang="ko-KR" altLang="en-US" sz="1100" b="1" dirty="0">
+              <a:solidFill>
+                <a:schemeClr val="accent1">
+                  <a:lumMod val="75000"/>
+                </a:schemeClr>
+              </a:solidFill>
+            </a:endParaRPr>
+          </a:p>
+        </p:txBody>
+      </p:sp>
+      <p:sp>
+        <p:nvSpPr>
+          <p:cNvPr id="38" name="직사각형 37">
+            <a:extLst>
+              <a:ext uri="{FF2B5EF4-FFF2-40B4-BE49-F238E27FC236}">
+                <a16:creationId xmlns:a16="http://schemas.microsoft.com/office/drawing/2014/main" id="{592AF2F1-4215-5C38-2078-DBFB45282385}"/>
+              </a:ext>
+            </a:extLst>
+          </p:cNvPr>
+          <p:cNvSpPr/>
+          <p:nvPr/>
+        </p:nvSpPr>
+        <p:spPr>
+          <a:xfrm>
+            <a:off x="7387205" y="3150168"/>
+            <a:ext cx="1042360" cy="576615"/>
+          </a:xfrm>
+          <a:prstGeom prst="rect">
+            <a:avLst/>
+          </a:prstGeom>
+          <a:noFill/>
+          <a:ln>
+            <a:noFill/>
+          </a:ln>
+        </p:spPr>
+        <p:style>
+          <a:lnRef idx="2">
+            <a:schemeClr val="accent1">
+              <a:shade val="50000"/>
+            </a:schemeClr>
+          </a:lnRef>
+          <a:fillRef idx="1">
+            <a:schemeClr val="accent1"/>
+          </a:fillRef>
+          <a:effectRef idx="0">
+            <a:schemeClr val="accent1"/>
+          </a:effectRef>
+          <a:fontRef idx="minor">
+            <a:schemeClr val="lt1"/>
+          </a:fontRef>
+        </p:style>
+        <p:txBody>
+          <a:bodyPr rtlCol="0" anchor="ctr"/>
+          <a:lstStyle/>
+          <a:p>
+            <a:pPr algn="ctr"/>
+            <a:r>
+              <a:rPr lang="en-US" altLang="ko-KR" sz="1100" b="1" dirty="0"/>
+              <a:t>content</a:t>
+            </a:r>
+          </a:p>
+        </p:txBody>
+      </p:sp>
+      <p:sp>
+        <p:nvSpPr>
+          <p:cNvPr id="42" name="TextBox 41">
+            <a:extLst>
+              <a:ext uri="{FF2B5EF4-FFF2-40B4-BE49-F238E27FC236}">
+                <a16:creationId xmlns:a16="http://schemas.microsoft.com/office/drawing/2014/main" id="{1A0E9FB4-CB5E-4191-8EB4-8D4994FDFFD2}"/>
+              </a:ext>
+            </a:extLst>
+          </p:cNvPr>
+          <p:cNvSpPr txBox="1"/>
+          <p:nvPr/>
+        </p:nvSpPr>
+        <p:spPr>
+          <a:xfrm>
+            <a:off x="838199" y="2429437"/>
+            <a:ext cx="5126373" cy="276999"/>
+          </a:xfrm>
+          <a:prstGeom prst="rect">
+            <a:avLst/>
+          </a:prstGeom>
+          <a:noFill/>
+        </p:spPr>
+        <p:txBody>
+          <a:bodyPr wrap="square" rtlCol="0">
+            <a:spAutoFit/>
+          </a:bodyPr>
+          <a:lstStyle/>
+          <a:p>
+            <a:r>
+              <a:rPr lang="en-US" altLang="ko-KR" sz="1200" b="1" dirty="0"/>
+              <a:t>1. </a:t>
+            </a:r>
+            <a:r>
+              <a:rPr lang="ko-KR" altLang="en-US" sz="1200" b="1" dirty="0"/>
+              <a:t>제목 </a:t>
+            </a:r>
+            <a:r>
+              <a:rPr lang="en-US" altLang="ko-KR" sz="1200" b="1" dirty="0"/>
+              <a:t>/ </a:t>
+            </a:r>
+            <a:r>
+              <a:rPr lang="ko-KR" altLang="en-US" sz="1200" b="1" dirty="0" err="1"/>
+              <a:t>문의글</a:t>
+            </a:r>
+            <a:r>
+              <a:rPr lang="ko-KR" altLang="en-US" sz="1200" b="1" dirty="0"/>
+              <a:t> </a:t>
+            </a:r>
+            <a:r>
+              <a:rPr lang="en-US" altLang="ko-KR" sz="1200" b="1" dirty="0"/>
+              <a:t>/ </a:t>
+            </a:r>
+            <a:r>
+              <a:rPr lang="ko-KR" altLang="en-US" sz="1200" b="1" dirty="0"/>
+              <a:t>조회수</a:t>
+            </a:r>
+            <a:endParaRPr lang="en-US" altLang="ko-KR" sz="1200" b="1" dirty="0"/>
+          </a:p>
+        </p:txBody>
+      </p:sp>
+      <p:sp>
+        <p:nvSpPr>
+          <p:cNvPr id="43" name="TextBox 42">
+            <a:extLst>
+              <a:ext uri="{FF2B5EF4-FFF2-40B4-BE49-F238E27FC236}">
+                <a16:creationId xmlns:a16="http://schemas.microsoft.com/office/drawing/2014/main" id="{3C80123E-CF88-D48A-947C-3EF3B4EA62AD}"/>
+              </a:ext>
+            </a:extLst>
+          </p:cNvPr>
+          <p:cNvSpPr txBox="1"/>
+          <p:nvPr/>
+        </p:nvSpPr>
+        <p:spPr>
+          <a:xfrm>
+            <a:off x="855325" y="2995583"/>
+            <a:ext cx="5126373" cy="830997"/>
+          </a:xfrm>
+          <a:prstGeom prst="rect">
+            <a:avLst/>
+          </a:prstGeom>
+          <a:noFill/>
+        </p:spPr>
+        <p:txBody>
+          <a:bodyPr wrap="square" rtlCol="0">
+            <a:spAutoFit/>
+          </a:bodyPr>
+          <a:lstStyle/>
+          <a:p>
+            <a:r>
+              <a:rPr lang="en-US" altLang="ko-KR" sz="1200" b="1" dirty="0"/>
+              <a:t>2. </a:t>
+            </a:r>
+            <a:r>
+              <a:rPr lang="ko-KR" altLang="en-US" sz="1200" b="1" dirty="0"/>
+              <a:t>문의하기</a:t>
+            </a:r>
+            <a:endParaRPr lang="en-US" altLang="ko-KR" sz="1200" b="1" dirty="0"/>
+          </a:p>
+          <a:p>
+            <a:pPr marL="285750" indent="-285750">
+              <a:buFont typeface="Arial" panose="020B0604020202020204" pitchFamily="34" charset="0"/>
+              <a:buChar char="•"/>
+            </a:pPr>
+            <a:r>
+              <a:rPr lang="ko-KR" altLang="en-US" sz="1200" dirty="0"/>
+              <a:t>읽기 </a:t>
+            </a:r>
+            <a:r>
+              <a:rPr lang="en-US" altLang="ko-KR" sz="1200" dirty="0"/>
+              <a:t>– </a:t>
+            </a:r>
+            <a:r>
+              <a:rPr lang="ko-KR" altLang="en-US" sz="1200" dirty="0"/>
+              <a:t>해당 게시글 읽기</a:t>
+            </a:r>
+            <a:endParaRPr lang="en-US" altLang="ko-KR" sz="1200" dirty="0"/>
+          </a:p>
+          <a:p>
+            <a:pPr marL="285750" indent="-285750">
+              <a:buFont typeface="Arial" panose="020B0604020202020204" pitchFamily="34" charset="0"/>
+              <a:buChar char="•"/>
+            </a:pPr>
+            <a:r>
+              <a:rPr lang="ko-KR" altLang="en-US" sz="1200" dirty="0"/>
+              <a:t>수정 </a:t>
+            </a:r>
+            <a:r>
+              <a:rPr lang="en-US" altLang="ko-KR" sz="1200" dirty="0"/>
+              <a:t>– </a:t>
+            </a:r>
+            <a:r>
+              <a:rPr lang="ko-KR" altLang="en-US" sz="1200" dirty="0"/>
+              <a:t>해당 게시글 수정</a:t>
+            </a:r>
+            <a:endParaRPr lang="en-US" altLang="ko-KR" sz="1200" dirty="0"/>
+          </a:p>
+          <a:p>
+            <a:pPr marL="285750" indent="-285750">
+              <a:buFont typeface="Arial" panose="020B0604020202020204" pitchFamily="34" charset="0"/>
+              <a:buChar char="•"/>
+            </a:pPr>
+            <a:r>
+              <a:rPr lang="ko-KR" altLang="en-US" sz="1200" dirty="0"/>
+              <a:t>삭제 </a:t>
+            </a:r>
+            <a:r>
+              <a:rPr lang="en-US" altLang="ko-KR" sz="1200" dirty="0"/>
+              <a:t>– </a:t>
+            </a:r>
+            <a:r>
+              <a:rPr lang="ko-KR" altLang="en-US" sz="1200" dirty="0"/>
+              <a:t>해당 게시글 삭제</a:t>
+            </a:r>
+          </a:p>
+        </p:txBody>
+      </p:sp>
+      <p:sp>
+        <p:nvSpPr>
+          <p:cNvPr id="44" name="TextBox 43">
+            <a:extLst>
+              <a:ext uri="{FF2B5EF4-FFF2-40B4-BE49-F238E27FC236}">
+                <a16:creationId xmlns:a16="http://schemas.microsoft.com/office/drawing/2014/main" id="{D6035F1E-A73E-5C03-4449-7CD116A9ED0A}"/>
+              </a:ext>
+            </a:extLst>
+          </p:cNvPr>
+          <p:cNvSpPr txBox="1"/>
+          <p:nvPr/>
+        </p:nvSpPr>
+        <p:spPr>
+          <a:xfrm>
+            <a:off x="855325" y="4011996"/>
+            <a:ext cx="5126373" cy="276999"/>
+          </a:xfrm>
+          <a:prstGeom prst="rect">
+            <a:avLst/>
+          </a:prstGeom>
+          <a:noFill/>
+        </p:spPr>
+        <p:txBody>
+          <a:bodyPr wrap="square" rtlCol="0">
+            <a:spAutoFit/>
+          </a:bodyPr>
+          <a:lstStyle/>
+          <a:p>
+            <a:r>
+              <a:rPr lang="en-US" altLang="ko-KR" sz="1200" b="1" dirty="0"/>
+              <a:t>3. </a:t>
+            </a:r>
+            <a:r>
+              <a:rPr lang="ko-KR" altLang="en-US" sz="1200" b="1" dirty="0" err="1"/>
+              <a:t>문의글</a:t>
+            </a:r>
+            <a:r>
+              <a:rPr lang="ko-KR" altLang="en-US" sz="1200" b="1" dirty="0"/>
+              <a:t> 작성</a:t>
+            </a:r>
+            <a:endParaRPr lang="ko-KR" altLang="en-US" sz="1200" dirty="0"/>
+          </a:p>
+        </p:txBody>
+      </p:sp>
+      <p:sp>
+        <p:nvSpPr>
+          <p:cNvPr id="10" name="직사각형 9">
+            <a:extLst>
+              <a:ext uri="{FF2B5EF4-FFF2-40B4-BE49-F238E27FC236}">
+                <a16:creationId xmlns:a16="http://schemas.microsoft.com/office/drawing/2014/main" id="{78997D48-BA65-D0A6-9E9A-5F5BFA6DFA49}"/>
+              </a:ext>
+            </a:extLst>
+          </p:cNvPr>
+          <p:cNvSpPr/>
+          <p:nvPr/>
+        </p:nvSpPr>
+        <p:spPr>
+          <a:xfrm>
+            <a:off x="6756655" y="4037059"/>
+            <a:ext cx="630551" cy="576615"/>
+          </a:xfrm>
+          <a:prstGeom prst="rect">
+            <a:avLst/>
+          </a:prstGeom>
+          <a:noFill/>
+          <a:ln>
+            <a:noFill/>
+          </a:ln>
+        </p:spPr>
+        <p:style>
+          <a:lnRef idx="2">
+            <a:schemeClr val="accent1">
+              <a:shade val="50000"/>
+            </a:schemeClr>
+          </a:lnRef>
+          <a:fillRef idx="1">
+            <a:schemeClr val="accent1"/>
+          </a:fillRef>
+          <a:effectRef idx="0">
+            <a:schemeClr val="accent1"/>
+          </a:effectRef>
+          <a:fontRef idx="minor">
+            <a:schemeClr val="lt1"/>
+          </a:fontRef>
+        </p:style>
+        <p:txBody>
+          <a:bodyPr rtlCol="0" anchor="ctr"/>
+          <a:lstStyle/>
+          <a:p>
+            <a:pPr algn="ctr"/>
+            <a:r>
+              <a:rPr lang="en-US" altLang="ko-KR" sz="1100" b="1" dirty="0"/>
+              <a:t>title</a:t>
+            </a:r>
+          </a:p>
+        </p:txBody>
+      </p:sp>
+      <p:sp>
+        <p:nvSpPr>
+          <p:cNvPr id="11" name="직사각형 10">
+            <a:extLst>
+              <a:ext uri="{FF2B5EF4-FFF2-40B4-BE49-F238E27FC236}">
+                <a16:creationId xmlns:a16="http://schemas.microsoft.com/office/drawing/2014/main" id="{7A041E85-5096-F184-AF7F-15DAEB936E4F}"/>
+              </a:ext>
+            </a:extLst>
+          </p:cNvPr>
+          <p:cNvSpPr/>
+          <p:nvPr/>
+        </p:nvSpPr>
+        <p:spPr>
+          <a:xfrm>
+            <a:off x="6756654" y="4842766"/>
+            <a:ext cx="630551" cy="576615"/>
+          </a:xfrm>
+          <a:prstGeom prst="rect">
+            <a:avLst/>
+          </a:prstGeom>
+          <a:noFill/>
+          <a:ln>
+            <a:noFill/>
+          </a:ln>
+        </p:spPr>
+        <p:style>
+          <a:lnRef idx="2">
+            <a:schemeClr val="accent1">
+              <a:shade val="50000"/>
+            </a:schemeClr>
+          </a:lnRef>
+          <a:fillRef idx="1">
+            <a:schemeClr val="accent1"/>
+          </a:fillRef>
+          <a:effectRef idx="0">
+            <a:schemeClr val="accent1"/>
+          </a:effectRef>
+          <a:fontRef idx="minor">
+            <a:schemeClr val="lt1"/>
+          </a:fontRef>
+        </p:style>
+        <p:txBody>
+          <a:bodyPr rtlCol="0" anchor="ctr"/>
+          <a:lstStyle/>
+          <a:p>
+            <a:pPr algn="ctr"/>
+            <a:r>
+              <a:rPr lang="en-US" altLang="ko-KR" sz="1100" b="1" dirty="0"/>
+              <a:t>title</a:t>
+            </a:r>
+          </a:p>
+        </p:txBody>
+      </p:sp>
+      <p:sp>
+        <p:nvSpPr>
+          <p:cNvPr id="12" name="직사각형 11">
+            <a:extLst>
+              <a:ext uri="{FF2B5EF4-FFF2-40B4-BE49-F238E27FC236}">
+                <a16:creationId xmlns:a16="http://schemas.microsoft.com/office/drawing/2014/main" id="{F3947D4B-2E7B-AC23-BDDB-301F532E0ED8}"/>
+              </a:ext>
+            </a:extLst>
+          </p:cNvPr>
+          <p:cNvSpPr/>
+          <p:nvPr/>
+        </p:nvSpPr>
+        <p:spPr>
+          <a:xfrm>
+            <a:off x="8429565" y="3150168"/>
+            <a:ext cx="642003" cy="576615"/>
+          </a:xfrm>
+          <a:prstGeom prst="rect">
+            <a:avLst/>
+          </a:prstGeom>
+          <a:noFill/>
+          <a:ln>
+            <a:noFill/>
+          </a:ln>
+        </p:spPr>
+        <p:style>
+          <a:lnRef idx="2">
+            <a:schemeClr val="accent1">
+              <a:shade val="50000"/>
+            </a:schemeClr>
+          </a:lnRef>
+          <a:fillRef idx="1">
+            <a:schemeClr val="accent1"/>
+          </a:fillRef>
+          <a:effectRef idx="0">
+            <a:schemeClr val="accent1"/>
+          </a:effectRef>
+          <a:fontRef idx="minor">
+            <a:schemeClr val="lt1"/>
+          </a:fontRef>
+        </p:style>
+        <p:txBody>
+          <a:bodyPr rtlCol="0" anchor="ctr"/>
+          <a:lstStyle/>
+          <a:p>
+            <a:pPr algn="ctr"/>
+            <a:r>
+              <a:rPr lang="en-US" altLang="ko-KR" sz="1100" b="1" dirty="0"/>
+              <a:t>count</a:t>
+            </a:r>
+          </a:p>
+        </p:txBody>
+      </p:sp>
+      <p:cxnSp>
+        <p:nvCxnSpPr>
+          <p:cNvPr id="14" name="직선 연결선 13">
+            <a:extLst>
+              <a:ext uri="{FF2B5EF4-FFF2-40B4-BE49-F238E27FC236}">
+                <a16:creationId xmlns:a16="http://schemas.microsoft.com/office/drawing/2014/main" id="{E0379CD7-E4B9-B4F8-D2B5-A3BB93CC0135}"/>
+              </a:ext>
+            </a:extLst>
+          </p:cNvPr>
+          <p:cNvCxnSpPr/>
+          <p:nvPr/>
+        </p:nvCxnSpPr>
+        <p:spPr>
+          <a:xfrm>
+            <a:off x="6397654" y="3041780"/>
+            <a:ext cx="4434630" cy="0"/>
+          </a:xfrm>
+          <a:prstGeom prst="line">
+            <a:avLst/>
+          </a:prstGeom>
+          <a:ln w="12700">
+            <a:solidFill>
+              <a:schemeClr val="accent5">
+                <a:lumMod val="40000"/>
+                <a:lumOff val="60000"/>
+              </a:schemeClr>
+            </a:solidFill>
+          </a:ln>
+        </p:spPr>
+        <p:style>
+          <a:lnRef idx="1">
+            <a:schemeClr val="accent1"/>
+          </a:lnRef>
+          <a:fillRef idx="0">
+            <a:schemeClr val="accent1"/>
+          </a:fillRef>
+          <a:effectRef idx="0">
+            <a:schemeClr val="accent1"/>
+          </a:effectRef>
+          <a:fontRef idx="minor">
+            <a:schemeClr val="tx1"/>
+          </a:fontRef>
+        </p:style>
+      </p:cxnSp>
+      <p:cxnSp>
+        <p:nvCxnSpPr>
+          <p:cNvPr id="15" name="직선 연결선 14">
+            <a:extLst>
+              <a:ext uri="{FF2B5EF4-FFF2-40B4-BE49-F238E27FC236}">
+                <a16:creationId xmlns:a16="http://schemas.microsoft.com/office/drawing/2014/main" id="{C9CA584C-D124-7827-D010-9DA12945B325}"/>
+              </a:ext>
+            </a:extLst>
+          </p:cNvPr>
+          <p:cNvCxnSpPr>
+            <a:cxnSpLocks/>
+          </p:cNvCxnSpPr>
+          <p:nvPr/>
+        </p:nvCxnSpPr>
+        <p:spPr>
+          <a:xfrm>
+            <a:off x="6610874" y="2826473"/>
+            <a:ext cx="0" cy="2728021"/>
+          </a:xfrm>
+          <a:prstGeom prst="line">
+            <a:avLst/>
+          </a:prstGeom>
+          <a:ln w="12700">
+            <a:solidFill>
+              <a:schemeClr val="accent5">
+                <a:lumMod val="40000"/>
+                <a:lumOff val="60000"/>
+              </a:schemeClr>
+            </a:solidFill>
+          </a:ln>
+        </p:spPr>
+        <p:style>
+          <a:lnRef idx="1">
+            <a:schemeClr val="accent1"/>
+          </a:lnRef>
+          <a:fillRef idx="0">
+            <a:schemeClr val="accent1"/>
+          </a:fillRef>
+          <a:effectRef idx="0">
+            <a:schemeClr val="accent1"/>
+          </a:effectRef>
+          <a:fontRef idx="minor">
+            <a:schemeClr val="tx1"/>
+          </a:fontRef>
+        </p:style>
+      </p:cxnSp>
+      <p:sp>
+        <p:nvSpPr>
+          <p:cNvPr id="18" name="직사각형 17">
+            <a:extLst>
+              <a:ext uri="{FF2B5EF4-FFF2-40B4-BE49-F238E27FC236}">
+                <a16:creationId xmlns:a16="http://schemas.microsoft.com/office/drawing/2014/main" id="{EAB7205C-6CAC-9422-A376-272C603B5120}"/>
+              </a:ext>
+            </a:extLst>
+          </p:cNvPr>
+          <p:cNvSpPr/>
+          <p:nvPr/>
+        </p:nvSpPr>
+        <p:spPr>
+          <a:xfrm>
+            <a:off x="9185871" y="3297809"/>
+            <a:ext cx="506618" cy="301460"/>
+          </a:xfrm>
+          <a:prstGeom prst="rect">
+            <a:avLst/>
+          </a:prstGeom>
+          <a:noFill/>
+          <a:ln>
+            <a:solidFill>
+              <a:schemeClr val="accent5">
+                <a:lumMod val="75000"/>
+              </a:schemeClr>
+            </a:solidFill>
+          </a:ln>
+        </p:spPr>
+        <p:style>
+          <a:lnRef idx="2">
+            <a:schemeClr val="accent6">
+              <a:shade val="15000"/>
+            </a:schemeClr>
+          </a:lnRef>
+          <a:fillRef idx="1">
+            <a:schemeClr val="accent6"/>
+          </a:fillRef>
+          <a:effectRef idx="0">
+            <a:schemeClr val="accent6"/>
+          </a:effectRef>
+          <a:fontRef idx="minor">
+            <a:schemeClr val="lt1"/>
+          </a:fontRef>
+        </p:style>
+        <p:txBody>
+          <a:bodyPr rtlCol="0" anchor="ctr"/>
+          <a:lstStyle/>
+          <a:p>
+            <a:pPr algn="ctr"/>
+            <a:r>
+              <a:rPr lang="ko-KR" altLang="en-US" sz="1200" b="1" dirty="0">
+                <a:solidFill>
+                  <a:schemeClr val="accent5">
+                    <a:lumMod val="75000"/>
+                  </a:schemeClr>
+                </a:solidFill>
+              </a:rPr>
+              <a:t>읽기</a:t>
+            </a:r>
+            <a:endParaRPr lang="en-US" altLang="ko-KR" sz="1200" b="1" dirty="0">
+              <a:solidFill>
+                <a:schemeClr val="accent5">
+                  <a:lumMod val="75000"/>
+                </a:schemeClr>
+              </a:solidFill>
+            </a:endParaRPr>
+          </a:p>
+        </p:txBody>
+      </p:sp>
+      <p:sp>
+        <p:nvSpPr>
+          <p:cNvPr id="19" name="직사각형 18">
+            <a:extLst>
+              <a:ext uri="{FF2B5EF4-FFF2-40B4-BE49-F238E27FC236}">
+                <a16:creationId xmlns:a16="http://schemas.microsoft.com/office/drawing/2014/main" id="{1976FDBD-4DFB-104E-AD4E-A966D41A9C98}"/>
+              </a:ext>
+            </a:extLst>
+          </p:cNvPr>
+          <p:cNvSpPr/>
+          <p:nvPr/>
+        </p:nvSpPr>
+        <p:spPr>
+          <a:xfrm>
+            <a:off x="9749640" y="3294989"/>
+            <a:ext cx="503536" cy="301460"/>
+          </a:xfrm>
+          <a:prstGeom prst="rect">
+            <a:avLst/>
+          </a:prstGeom>
+          <a:noFill/>
+          <a:ln>
+            <a:solidFill>
+              <a:schemeClr val="accent6">
+                <a:lumMod val="50000"/>
+              </a:schemeClr>
+            </a:solidFill>
+          </a:ln>
+        </p:spPr>
+        <p:style>
+          <a:lnRef idx="2">
+            <a:schemeClr val="accent4">
+              <a:shade val="15000"/>
+            </a:schemeClr>
+          </a:lnRef>
+          <a:fillRef idx="1">
+            <a:schemeClr val="accent4"/>
+          </a:fillRef>
+          <a:effectRef idx="0">
+            <a:schemeClr val="accent4"/>
+          </a:effectRef>
+          <a:fontRef idx="minor">
+            <a:schemeClr val="lt1"/>
+          </a:fontRef>
+        </p:style>
+        <p:txBody>
+          <a:bodyPr rtlCol="0" anchor="ctr"/>
+          <a:lstStyle/>
+          <a:p>
+            <a:pPr algn="ctr"/>
+            <a:r>
+              <a:rPr lang="ko-KR" altLang="en-US" sz="1200" b="1" dirty="0">
+                <a:solidFill>
+                  <a:schemeClr val="accent6">
+                    <a:lumMod val="50000"/>
+                  </a:schemeClr>
+                </a:solidFill>
+              </a:rPr>
+              <a:t>수정</a:t>
+            </a:r>
+            <a:endParaRPr lang="en-US" altLang="ko-KR" sz="1200" b="1" dirty="0">
+              <a:solidFill>
+                <a:schemeClr val="accent6">
+                  <a:lumMod val="50000"/>
+                </a:schemeClr>
+              </a:solidFill>
+            </a:endParaRPr>
+          </a:p>
+        </p:txBody>
+      </p:sp>
+      <p:sp>
+        <p:nvSpPr>
+          <p:cNvPr id="20" name="직사각형 19">
+            <a:extLst>
+              <a:ext uri="{FF2B5EF4-FFF2-40B4-BE49-F238E27FC236}">
+                <a16:creationId xmlns:a16="http://schemas.microsoft.com/office/drawing/2014/main" id="{156782C5-D857-E468-6022-E3D73A0C5FB7}"/>
+              </a:ext>
+            </a:extLst>
+          </p:cNvPr>
+          <p:cNvSpPr/>
+          <p:nvPr/>
+        </p:nvSpPr>
+        <p:spPr>
+          <a:xfrm>
+            <a:off x="10310327" y="3294989"/>
+            <a:ext cx="521957" cy="301428"/>
+          </a:xfrm>
+          <a:prstGeom prst="rect">
+            <a:avLst/>
+          </a:prstGeom>
+          <a:noFill/>
+          <a:ln>
+            <a:solidFill>
+              <a:srgbClr val="FF0000"/>
+            </a:solidFill>
+          </a:ln>
+        </p:spPr>
+        <p:style>
+          <a:lnRef idx="2">
+            <a:schemeClr val="accent1">
+              <a:shade val="50000"/>
+            </a:schemeClr>
+          </a:lnRef>
+          <a:fillRef idx="1">
+            <a:schemeClr val="accent1"/>
+          </a:fillRef>
+          <a:effectRef idx="0">
+            <a:schemeClr val="accent1"/>
+          </a:effectRef>
+          <a:fontRef idx="minor">
+            <a:schemeClr val="lt1"/>
+          </a:fontRef>
+        </p:style>
+        <p:txBody>
+          <a:bodyPr rtlCol="0" anchor="ctr"/>
+          <a:lstStyle/>
+          <a:p>
+            <a:pPr algn="ctr"/>
+            <a:r>
+              <a:rPr lang="ko-KR" altLang="en-US" sz="1200" b="1" dirty="0">
+                <a:solidFill>
+                  <a:srgbClr val="FF0000"/>
+                </a:solidFill>
+              </a:rPr>
+              <a:t>삭제</a:t>
+            </a:r>
+            <a:endParaRPr lang="en-US" altLang="ko-KR" sz="1200" b="1" dirty="0">
+              <a:solidFill>
+                <a:srgbClr val="FF0000"/>
+              </a:solidFill>
+            </a:endParaRPr>
+          </a:p>
+        </p:txBody>
+      </p:sp>
+      <p:sp>
+        <p:nvSpPr>
+          <p:cNvPr id="24" name="직사각형 23">
+            <a:extLst>
+              <a:ext uri="{FF2B5EF4-FFF2-40B4-BE49-F238E27FC236}">
+                <a16:creationId xmlns:a16="http://schemas.microsoft.com/office/drawing/2014/main" id="{5673DBF6-FB2B-C911-FF18-6B4F0F75A9D5}"/>
+              </a:ext>
+            </a:extLst>
+          </p:cNvPr>
+          <p:cNvSpPr/>
+          <p:nvPr/>
+        </p:nvSpPr>
+        <p:spPr>
+          <a:xfrm>
+            <a:off x="6283353" y="3264001"/>
+            <a:ext cx="330719" cy="342094"/>
+          </a:xfrm>
+          <a:prstGeom prst="rect">
+            <a:avLst/>
+          </a:prstGeom>
+          <a:noFill/>
+          <a:ln>
+            <a:noFill/>
+          </a:ln>
+        </p:spPr>
+        <p:style>
+          <a:lnRef idx="2">
+            <a:schemeClr val="accent1">
+              <a:shade val="50000"/>
+            </a:schemeClr>
+          </a:lnRef>
+          <a:fillRef idx="1">
+            <a:schemeClr val="accent1"/>
+          </a:fillRef>
+          <a:effectRef idx="0">
+            <a:schemeClr val="accent1"/>
+          </a:effectRef>
+          <a:fontRef idx="minor">
+            <a:schemeClr val="lt1"/>
+          </a:fontRef>
+        </p:style>
+        <p:txBody>
+          <a:bodyPr rtlCol="0" anchor="ctr"/>
+          <a:lstStyle/>
+          <a:p>
+            <a:pPr algn="ctr"/>
+            <a:r>
+              <a:rPr lang="en-US" altLang="ko-KR" sz="1100" b="1" dirty="0"/>
+              <a:t>3</a:t>
+            </a:r>
+          </a:p>
+        </p:txBody>
+      </p:sp>
+      <p:sp>
+        <p:nvSpPr>
+          <p:cNvPr id="25" name="직사각형 24">
+            <a:extLst>
+              <a:ext uri="{FF2B5EF4-FFF2-40B4-BE49-F238E27FC236}">
+                <a16:creationId xmlns:a16="http://schemas.microsoft.com/office/drawing/2014/main" id="{38D007D9-FFF0-0EEF-2AE8-F48B9899C2CE}"/>
+              </a:ext>
+            </a:extLst>
+          </p:cNvPr>
+          <p:cNvSpPr/>
+          <p:nvPr/>
+        </p:nvSpPr>
+        <p:spPr>
+          <a:xfrm>
+            <a:off x="6280154" y="2688235"/>
+            <a:ext cx="330719" cy="342094"/>
+          </a:xfrm>
+          <a:prstGeom prst="rect">
+            <a:avLst/>
+          </a:prstGeom>
+          <a:noFill/>
+          <a:ln>
+            <a:noFill/>
+          </a:ln>
+        </p:spPr>
+        <p:style>
+          <a:lnRef idx="2">
+            <a:schemeClr val="accent1">
+              <a:shade val="50000"/>
+            </a:schemeClr>
+          </a:lnRef>
+          <a:fillRef idx="1">
+            <a:schemeClr val="accent1"/>
+          </a:fillRef>
+          <a:effectRef idx="0">
+            <a:schemeClr val="accent1"/>
+          </a:effectRef>
+          <a:fontRef idx="minor">
+            <a:schemeClr val="lt1"/>
+          </a:fontRef>
+        </p:style>
+        <p:txBody>
+          <a:bodyPr rtlCol="0" anchor="ctr"/>
+          <a:lstStyle/>
+          <a:p>
+            <a:pPr algn="ctr"/>
+            <a:r>
+              <a:rPr lang="ko-KR" altLang="en-US" sz="1100" b="1" dirty="0"/>
+              <a:t>번호</a:t>
+            </a:r>
+            <a:endParaRPr lang="en-US" altLang="ko-KR" sz="1100" b="1" dirty="0"/>
+          </a:p>
+        </p:txBody>
+      </p:sp>
+      <p:sp>
+        <p:nvSpPr>
+          <p:cNvPr id="27" name="직사각형 26">
+            <a:extLst>
+              <a:ext uri="{FF2B5EF4-FFF2-40B4-BE49-F238E27FC236}">
+                <a16:creationId xmlns:a16="http://schemas.microsoft.com/office/drawing/2014/main" id="{CF1B4529-52E3-A87D-1A73-EEEC969FB9E4}"/>
+              </a:ext>
+            </a:extLst>
+          </p:cNvPr>
+          <p:cNvSpPr/>
+          <p:nvPr/>
+        </p:nvSpPr>
+        <p:spPr>
+          <a:xfrm>
+            <a:off x="6618569" y="2685682"/>
+            <a:ext cx="1007913" cy="342094"/>
+          </a:xfrm>
+          <a:prstGeom prst="rect">
+            <a:avLst/>
+          </a:prstGeom>
+          <a:noFill/>
+          <a:ln>
+            <a:noFill/>
+          </a:ln>
+        </p:spPr>
+        <p:style>
+          <a:lnRef idx="2">
+            <a:schemeClr val="accent1">
+              <a:shade val="50000"/>
+            </a:schemeClr>
+          </a:lnRef>
+          <a:fillRef idx="1">
+            <a:schemeClr val="accent1"/>
+          </a:fillRef>
+          <a:effectRef idx="0">
+            <a:schemeClr val="accent1"/>
+          </a:effectRef>
+          <a:fontRef idx="minor">
+            <a:schemeClr val="lt1"/>
+          </a:fontRef>
+        </p:style>
+        <p:txBody>
+          <a:bodyPr rtlCol="0" anchor="ctr"/>
+          <a:lstStyle/>
+          <a:p>
+            <a:pPr algn="ctr"/>
+            <a:r>
+              <a:rPr lang="ko-KR" altLang="en-US" sz="1100" b="1" dirty="0"/>
+              <a:t>제목</a:t>
+            </a:r>
+            <a:endParaRPr lang="en-US" altLang="ko-KR" sz="1100" b="1" dirty="0"/>
+          </a:p>
+        </p:txBody>
+      </p:sp>
+      <p:sp>
+        <p:nvSpPr>
+          <p:cNvPr id="33" name="직사각형 32">
+            <a:extLst>
+              <a:ext uri="{FF2B5EF4-FFF2-40B4-BE49-F238E27FC236}">
+                <a16:creationId xmlns:a16="http://schemas.microsoft.com/office/drawing/2014/main" id="{5B89258D-50EA-DB94-7178-356DDAAF34F1}"/>
+              </a:ext>
+            </a:extLst>
+          </p:cNvPr>
+          <p:cNvSpPr/>
+          <p:nvPr/>
+        </p:nvSpPr>
+        <p:spPr>
+          <a:xfrm>
+            <a:off x="7588447" y="2682408"/>
+            <a:ext cx="650882" cy="342094"/>
+          </a:xfrm>
+          <a:prstGeom prst="rect">
+            <a:avLst/>
+          </a:prstGeom>
+          <a:noFill/>
+          <a:ln>
+            <a:noFill/>
+          </a:ln>
+        </p:spPr>
+        <p:style>
+          <a:lnRef idx="2">
+            <a:schemeClr val="accent1">
+              <a:shade val="50000"/>
+            </a:schemeClr>
+          </a:lnRef>
+          <a:fillRef idx="1">
+            <a:schemeClr val="accent1"/>
+          </a:fillRef>
+          <a:effectRef idx="0">
+            <a:schemeClr val="accent1"/>
+          </a:effectRef>
+          <a:fontRef idx="minor">
+            <a:schemeClr val="lt1"/>
+          </a:fontRef>
+        </p:style>
+        <p:txBody>
+          <a:bodyPr rtlCol="0" anchor="ctr"/>
+          <a:lstStyle/>
+          <a:p>
+            <a:pPr algn="ctr"/>
+            <a:r>
+              <a:rPr lang="ko-KR" altLang="en-US" sz="1100" b="1" dirty="0" err="1"/>
+              <a:t>문의글</a:t>
+            </a:r>
+            <a:endParaRPr lang="en-US" altLang="ko-KR" sz="1100" b="1" dirty="0"/>
+          </a:p>
+        </p:txBody>
+      </p:sp>
+      <p:sp>
+        <p:nvSpPr>
+          <p:cNvPr id="34" name="직사각형 33">
+            <a:extLst>
+              <a:ext uri="{FF2B5EF4-FFF2-40B4-BE49-F238E27FC236}">
+                <a16:creationId xmlns:a16="http://schemas.microsoft.com/office/drawing/2014/main" id="{1210236B-E26E-2AFA-036D-54ABF34DEEB2}"/>
+              </a:ext>
+            </a:extLst>
+          </p:cNvPr>
+          <p:cNvSpPr/>
+          <p:nvPr/>
+        </p:nvSpPr>
+        <p:spPr>
+          <a:xfrm>
+            <a:off x="8437032" y="2691047"/>
+            <a:ext cx="650882" cy="342094"/>
+          </a:xfrm>
+          <a:prstGeom prst="rect">
+            <a:avLst/>
+          </a:prstGeom>
+          <a:noFill/>
+          <a:ln>
+            <a:noFill/>
+          </a:ln>
+        </p:spPr>
+        <p:style>
+          <a:lnRef idx="2">
+            <a:schemeClr val="accent1">
+              <a:shade val="50000"/>
+            </a:schemeClr>
+          </a:lnRef>
+          <a:fillRef idx="1">
+            <a:schemeClr val="accent1"/>
+          </a:fillRef>
+          <a:effectRef idx="0">
+            <a:schemeClr val="accent1"/>
+          </a:effectRef>
+          <a:fontRef idx="minor">
+            <a:schemeClr val="lt1"/>
+          </a:fontRef>
+        </p:style>
+        <p:txBody>
+          <a:bodyPr rtlCol="0" anchor="ctr"/>
+          <a:lstStyle/>
+          <a:p>
+            <a:pPr algn="ctr"/>
+            <a:r>
+              <a:rPr lang="ko-KR" altLang="en-US" sz="1100" b="1" dirty="0"/>
+              <a:t>조회수</a:t>
+            </a:r>
+            <a:endParaRPr lang="en-US" altLang="ko-KR" sz="1100" b="1" dirty="0"/>
+          </a:p>
+        </p:txBody>
+      </p:sp>
+      <p:sp>
+        <p:nvSpPr>
+          <p:cNvPr id="50" name="직사각형 49">
+            <a:extLst>
+              <a:ext uri="{FF2B5EF4-FFF2-40B4-BE49-F238E27FC236}">
+                <a16:creationId xmlns:a16="http://schemas.microsoft.com/office/drawing/2014/main" id="{1B9BF13A-E0D5-C5DC-1BB0-8336BB3C1DFF}"/>
+              </a:ext>
+            </a:extLst>
+          </p:cNvPr>
+          <p:cNvSpPr/>
+          <p:nvPr/>
+        </p:nvSpPr>
+        <p:spPr>
+          <a:xfrm>
+            <a:off x="9247454" y="2682408"/>
+            <a:ext cx="1146847" cy="342094"/>
+          </a:xfrm>
+          <a:prstGeom prst="rect">
+            <a:avLst/>
+          </a:prstGeom>
+          <a:noFill/>
+          <a:ln>
+            <a:noFill/>
+          </a:ln>
+        </p:spPr>
+        <p:style>
+          <a:lnRef idx="2">
+            <a:schemeClr val="accent1">
+              <a:shade val="50000"/>
+            </a:schemeClr>
+          </a:lnRef>
+          <a:fillRef idx="1">
+            <a:schemeClr val="accent1"/>
+          </a:fillRef>
+          <a:effectRef idx="0">
+            <a:schemeClr val="accent1"/>
+          </a:effectRef>
+          <a:fontRef idx="minor">
+            <a:schemeClr val="lt1"/>
+          </a:fontRef>
+        </p:style>
+        <p:txBody>
+          <a:bodyPr rtlCol="0" anchor="ctr"/>
+          <a:lstStyle/>
+          <a:p>
+            <a:pPr algn="ctr"/>
+            <a:r>
+              <a:rPr lang="ko-KR" altLang="en-US" sz="1100" b="1" dirty="0"/>
+              <a:t>문의하기</a:t>
+            </a:r>
+            <a:endParaRPr lang="en-US" altLang="ko-KR" sz="1100" b="1" dirty="0"/>
+          </a:p>
+        </p:txBody>
+      </p:sp>
+      <p:sp>
+        <p:nvSpPr>
+          <p:cNvPr id="51" name="직사각형 50">
+            <a:extLst>
+              <a:ext uri="{FF2B5EF4-FFF2-40B4-BE49-F238E27FC236}">
+                <a16:creationId xmlns:a16="http://schemas.microsoft.com/office/drawing/2014/main" id="{AAD29583-3DAD-0F2A-3D64-6554D7D27A81}"/>
+              </a:ext>
+            </a:extLst>
+          </p:cNvPr>
+          <p:cNvSpPr/>
+          <p:nvPr/>
+        </p:nvSpPr>
+        <p:spPr>
+          <a:xfrm>
+            <a:off x="6276958" y="4179820"/>
+            <a:ext cx="330719" cy="342094"/>
+          </a:xfrm>
+          <a:prstGeom prst="rect">
+            <a:avLst/>
+          </a:prstGeom>
+          <a:noFill/>
+          <a:ln>
+            <a:noFill/>
+          </a:ln>
+        </p:spPr>
+        <p:style>
+          <a:lnRef idx="2">
+            <a:schemeClr val="accent1">
+              <a:shade val="50000"/>
+            </a:schemeClr>
+          </a:lnRef>
+          <a:fillRef idx="1">
+            <a:schemeClr val="accent1"/>
+          </a:fillRef>
+          <a:effectRef idx="0">
+            <a:schemeClr val="accent1"/>
+          </a:effectRef>
+          <a:fontRef idx="minor">
+            <a:schemeClr val="lt1"/>
+          </a:fontRef>
+        </p:style>
+        <p:txBody>
+          <a:bodyPr rtlCol="0" anchor="ctr"/>
+          <a:lstStyle/>
+          <a:p>
+            <a:pPr algn="ctr"/>
+            <a:r>
+              <a:rPr lang="en-US" altLang="ko-KR" sz="1100" b="1" dirty="0"/>
+              <a:t>2</a:t>
+            </a:r>
+          </a:p>
+        </p:txBody>
+      </p:sp>
+      <p:sp>
+        <p:nvSpPr>
+          <p:cNvPr id="52" name="직사각형 51">
+            <a:extLst>
+              <a:ext uri="{FF2B5EF4-FFF2-40B4-BE49-F238E27FC236}">
+                <a16:creationId xmlns:a16="http://schemas.microsoft.com/office/drawing/2014/main" id="{94FD59ED-42F4-F3D7-2A5C-808B3342FC92}"/>
+              </a:ext>
+            </a:extLst>
+          </p:cNvPr>
+          <p:cNvSpPr/>
+          <p:nvPr/>
+        </p:nvSpPr>
+        <p:spPr>
+          <a:xfrm>
+            <a:off x="6268945" y="4956650"/>
+            <a:ext cx="330719" cy="342094"/>
+          </a:xfrm>
+          <a:prstGeom prst="rect">
+            <a:avLst/>
+          </a:prstGeom>
+          <a:noFill/>
+          <a:ln>
+            <a:noFill/>
+          </a:ln>
+        </p:spPr>
+        <p:style>
+          <a:lnRef idx="2">
+            <a:schemeClr val="accent1">
+              <a:shade val="50000"/>
+            </a:schemeClr>
+          </a:lnRef>
+          <a:fillRef idx="1">
+            <a:schemeClr val="accent1"/>
+          </a:fillRef>
+          <a:effectRef idx="0">
+            <a:schemeClr val="accent1"/>
+          </a:effectRef>
+          <a:fontRef idx="minor">
+            <a:schemeClr val="lt1"/>
+          </a:fontRef>
+        </p:style>
+        <p:txBody>
+          <a:bodyPr rtlCol="0" anchor="ctr"/>
+          <a:lstStyle/>
+          <a:p>
+            <a:pPr algn="ctr"/>
+            <a:r>
+              <a:rPr lang="en-US" altLang="ko-KR" sz="1100" b="1" dirty="0"/>
+              <a:t>1</a:t>
+            </a:r>
+          </a:p>
+        </p:txBody>
+      </p:sp>
+      <p:sp>
+        <p:nvSpPr>
+          <p:cNvPr id="53" name="직사각형 52">
+            <a:extLst>
+              <a:ext uri="{FF2B5EF4-FFF2-40B4-BE49-F238E27FC236}">
+                <a16:creationId xmlns:a16="http://schemas.microsoft.com/office/drawing/2014/main" id="{6C3498E2-2DA5-F69B-12B3-6199B4EF9726}"/>
+              </a:ext>
+            </a:extLst>
+          </p:cNvPr>
+          <p:cNvSpPr/>
+          <p:nvPr/>
+        </p:nvSpPr>
+        <p:spPr>
+          <a:xfrm>
+            <a:off x="7387204" y="4011996"/>
+            <a:ext cx="1042360" cy="576615"/>
+          </a:xfrm>
+          <a:prstGeom prst="rect">
+            <a:avLst/>
+          </a:prstGeom>
+          <a:noFill/>
+          <a:ln>
+            <a:noFill/>
+          </a:ln>
+        </p:spPr>
+        <p:style>
+          <a:lnRef idx="2">
+            <a:schemeClr val="accent1">
+              <a:shade val="50000"/>
+            </a:schemeClr>
+          </a:lnRef>
+          <a:fillRef idx="1">
+            <a:schemeClr val="accent1"/>
+          </a:fillRef>
+          <a:effectRef idx="0">
+            <a:schemeClr val="accent1"/>
+          </a:effectRef>
+          <a:fontRef idx="minor">
+            <a:schemeClr val="lt1"/>
+          </a:fontRef>
+        </p:style>
+        <p:txBody>
+          <a:bodyPr rtlCol="0" anchor="ctr"/>
+          <a:lstStyle/>
+          <a:p>
+            <a:pPr algn="ctr"/>
+            <a:r>
+              <a:rPr lang="en-US" altLang="ko-KR" sz="1100" b="1" dirty="0"/>
+              <a:t>content</a:t>
+            </a:r>
+          </a:p>
+        </p:txBody>
+      </p:sp>
+      <p:sp>
+        <p:nvSpPr>
+          <p:cNvPr id="54" name="직사각형 53">
+            <a:extLst>
+              <a:ext uri="{FF2B5EF4-FFF2-40B4-BE49-F238E27FC236}">
+                <a16:creationId xmlns:a16="http://schemas.microsoft.com/office/drawing/2014/main" id="{CA3CA5CB-DE0C-33B5-F128-B2CCD9AE7536}"/>
+              </a:ext>
+            </a:extLst>
+          </p:cNvPr>
+          <p:cNvSpPr/>
+          <p:nvPr/>
+        </p:nvSpPr>
+        <p:spPr>
+          <a:xfrm>
+            <a:off x="8429564" y="4011996"/>
+            <a:ext cx="642003" cy="576615"/>
+          </a:xfrm>
+          <a:prstGeom prst="rect">
+            <a:avLst/>
+          </a:prstGeom>
+          <a:noFill/>
+          <a:ln>
+            <a:noFill/>
+          </a:ln>
+        </p:spPr>
+        <p:style>
+          <a:lnRef idx="2">
+            <a:schemeClr val="accent1">
+              <a:shade val="50000"/>
+            </a:schemeClr>
+          </a:lnRef>
+          <a:fillRef idx="1">
+            <a:schemeClr val="accent1"/>
+          </a:fillRef>
+          <a:effectRef idx="0">
+            <a:schemeClr val="accent1"/>
+          </a:effectRef>
+          <a:fontRef idx="minor">
+            <a:schemeClr val="lt1"/>
+          </a:fontRef>
+        </p:style>
+        <p:txBody>
+          <a:bodyPr rtlCol="0" anchor="ctr"/>
+          <a:lstStyle/>
+          <a:p>
+            <a:pPr algn="ctr"/>
+            <a:r>
+              <a:rPr lang="en-US" altLang="ko-KR" sz="1100" b="1" dirty="0"/>
+              <a:t>count</a:t>
+            </a:r>
+          </a:p>
+        </p:txBody>
+      </p:sp>
+      <p:sp>
+        <p:nvSpPr>
+          <p:cNvPr id="55" name="직사각형 54">
+            <a:extLst>
+              <a:ext uri="{FF2B5EF4-FFF2-40B4-BE49-F238E27FC236}">
+                <a16:creationId xmlns:a16="http://schemas.microsoft.com/office/drawing/2014/main" id="{8B6EFE19-18DC-8274-0018-A3E4288B8949}"/>
+              </a:ext>
+            </a:extLst>
+          </p:cNvPr>
+          <p:cNvSpPr/>
+          <p:nvPr/>
+        </p:nvSpPr>
+        <p:spPr>
+          <a:xfrm>
+            <a:off x="9185870" y="4159637"/>
+            <a:ext cx="506618" cy="301460"/>
+          </a:xfrm>
+          <a:prstGeom prst="rect">
+            <a:avLst/>
+          </a:prstGeom>
+          <a:noFill/>
+          <a:ln>
+            <a:solidFill>
+              <a:schemeClr val="accent5">
+                <a:lumMod val="75000"/>
+              </a:schemeClr>
+            </a:solidFill>
+          </a:ln>
+        </p:spPr>
+        <p:style>
+          <a:lnRef idx="2">
+            <a:schemeClr val="accent6">
+              <a:shade val="15000"/>
+            </a:schemeClr>
+          </a:lnRef>
+          <a:fillRef idx="1">
+            <a:schemeClr val="accent6"/>
+          </a:fillRef>
+          <a:effectRef idx="0">
+            <a:schemeClr val="accent6"/>
+          </a:effectRef>
+          <a:fontRef idx="minor">
+            <a:schemeClr val="lt1"/>
+          </a:fontRef>
+        </p:style>
+        <p:txBody>
+          <a:bodyPr rtlCol="0" anchor="ctr"/>
+          <a:lstStyle/>
+          <a:p>
+            <a:pPr algn="ctr"/>
+            <a:r>
+              <a:rPr lang="ko-KR" altLang="en-US" sz="1200" b="1" dirty="0">
+                <a:solidFill>
+                  <a:schemeClr val="accent5">
+                    <a:lumMod val="75000"/>
+                  </a:schemeClr>
+                </a:solidFill>
+              </a:rPr>
+              <a:t>읽기</a:t>
+            </a:r>
+            <a:endParaRPr lang="en-US" altLang="ko-KR" sz="1200" b="1" dirty="0">
+              <a:solidFill>
+                <a:schemeClr val="accent5">
+                  <a:lumMod val="75000"/>
+                </a:schemeClr>
+              </a:solidFill>
+            </a:endParaRPr>
+          </a:p>
+        </p:txBody>
+      </p:sp>
+      <p:sp>
+        <p:nvSpPr>
+          <p:cNvPr id="56" name="직사각형 55">
+            <a:extLst>
+              <a:ext uri="{FF2B5EF4-FFF2-40B4-BE49-F238E27FC236}">
+                <a16:creationId xmlns:a16="http://schemas.microsoft.com/office/drawing/2014/main" id="{82F000E2-D3B2-EC6A-BF41-79F18C00BA1F}"/>
+              </a:ext>
+            </a:extLst>
+          </p:cNvPr>
+          <p:cNvSpPr/>
+          <p:nvPr/>
+        </p:nvSpPr>
+        <p:spPr>
+          <a:xfrm>
+            <a:off x="9749639" y="4156817"/>
+            <a:ext cx="503536" cy="301460"/>
+          </a:xfrm>
+          <a:prstGeom prst="rect">
+            <a:avLst/>
+          </a:prstGeom>
+          <a:noFill/>
+          <a:ln>
+            <a:solidFill>
+              <a:schemeClr val="accent6">
+                <a:lumMod val="50000"/>
+              </a:schemeClr>
+            </a:solidFill>
+          </a:ln>
+        </p:spPr>
+        <p:style>
+          <a:lnRef idx="2">
+            <a:schemeClr val="accent4">
+              <a:shade val="15000"/>
+            </a:schemeClr>
+          </a:lnRef>
+          <a:fillRef idx="1">
+            <a:schemeClr val="accent4"/>
+          </a:fillRef>
+          <a:effectRef idx="0">
+            <a:schemeClr val="accent4"/>
+          </a:effectRef>
+          <a:fontRef idx="minor">
+            <a:schemeClr val="lt1"/>
+          </a:fontRef>
+        </p:style>
+        <p:txBody>
+          <a:bodyPr rtlCol="0" anchor="ctr"/>
+          <a:lstStyle/>
+          <a:p>
+            <a:pPr algn="ctr"/>
+            <a:r>
+              <a:rPr lang="ko-KR" altLang="en-US" sz="1200" b="1" dirty="0">
+                <a:solidFill>
+                  <a:schemeClr val="accent6">
+                    <a:lumMod val="50000"/>
+                  </a:schemeClr>
+                </a:solidFill>
+              </a:rPr>
+              <a:t>수정</a:t>
+            </a:r>
+            <a:endParaRPr lang="en-US" altLang="ko-KR" sz="1200" b="1" dirty="0">
+              <a:solidFill>
+                <a:schemeClr val="accent6">
+                  <a:lumMod val="50000"/>
+                </a:schemeClr>
+              </a:solidFill>
+            </a:endParaRPr>
+          </a:p>
+        </p:txBody>
+      </p:sp>
+      <p:sp>
+        <p:nvSpPr>
+          <p:cNvPr id="57" name="직사각형 56">
+            <a:extLst>
+              <a:ext uri="{FF2B5EF4-FFF2-40B4-BE49-F238E27FC236}">
+                <a16:creationId xmlns:a16="http://schemas.microsoft.com/office/drawing/2014/main" id="{665F67CE-6C17-36E0-EEAF-28858F519F7F}"/>
+              </a:ext>
+            </a:extLst>
+          </p:cNvPr>
+          <p:cNvSpPr/>
+          <p:nvPr/>
+        </p:nvSpPr>
+        <p:spPr>
+          <a:xfrm>
+            <a:off x="10310326" y="4156817"/>
+            <a:ext cx="521957" cy="301428"/>
+          </a:xfrm>
+          <a:prstGeom prst="rect">
+            <a:avLst/>
+          </a:prstGeom>
+          <a:noFill/>
+          <a:ln>
+            <a:solidFill>
+              <a:srgbClr val="FF0000"/>
+            </a:solidFill>
+          </a:ln>
+        </p:spPr>
+        <p:style>
+          <a:lnRef idx="2">
+            <a:schemeClr val="accent1">
+              <a:shade val="50000"/>
+            </a:schemeClr>
+          </a:lnRef>
+          <a:fillRef idx="1">
+            <a:schemeClr val="accent1"/>
+          </a:fillRef>
+          <a:effectRef idx="0">
+            <a:schemeClr val="accent1"/>
+          </a:effectRef>
+          <a:fontRef idx="minor">
+            <a:schemeClr val="lt1"/>
+          </a:fontRef>
+        </p:style>
+        <p:txBody>
+          <a:bodyPr rtlCol="0" anchor="ctr"/>
+          <a:lstStyle/>
+          <a:p>
+            <a:pPr algn="ctr"/>
+            <a:r>
+              <a:rPr lang="ko-KR" altLang="en-US" sz="1200" b="1" dirty="0">
+                <a:solidFill>
+                  <a:srgbClr val="FF0000"/>
+                </a:solidFill>
+              </a:rPr>
+              <a:t>삭제</a:t>
+            </a:r>
+            <a:endParaRPr lang="en-US" altLang="ko-KR" sz="1200" b="1" dirty="0">
+              <a:solidFill>
+                <a:srgbClr val="FF0000"/>
+              </a:solidFill>
+            </a:endParaRPr>
+          </a:p>
+        </p:txBody>
+      </p:sp>
+      <p:sp>
+        <p:nvSpPr>
+          <p:cNvPr id="58" name="직사각형 57">
+            <a:extLst>
+              <a:ext uri="{FF2B5EF4-FFF2-40B4-BE49-F238E27FC236}">
+                <a16:creationId xmlns:a16="http://schemas.microsoft.com/office/drawing/2014/main" id="{CC2300EA-7114-A058-94B0-1A4AC889A187}"/>
+              </a:ext>
+            </a:extLst>
+          </p:cNvPr>
+          <p:cNvSpPr/>
+          <p:nvPr/>
+        </p:nvSpPr>
+        <p:spPr>
+          <a:xfrm>
+            <a:off x="7387204" y="4809406"/>
+            <a:ext cx="1042360" cy="576615"/>
+          </a:xfrm>
+          <a:prstGeom prst="rect">
+            <a:avLst/>
+          </a:prstGeom>
+          <a:noFill/>
+          <a:ln>
+            <a:noFill/>
+          </a:ln>
+        </p:spPr>
+        <p:style>
+          <a:lnRef idx="2">
+            <a:schemeClr val="accent1">
+              <a:shade val="50000"/>
+            </a:schemeClr>
+          </a:lnRef>
+          <a:fillRef idx="1">
+            <a:schemeClr val="accent1"/>
+          </a:fillRef>
+          <a:effectRef idx="0">
+            <a:schemeClr val="accent1"/>
+          </a:effectRef>
+          <a:fontRef idx="minor">
+            <a:schemeClr val="lt1"/>
+          </a:fontRef>
+        </p:style>
+        <p:txBody>
+          <a:bodyPr rtlCol="0" anchor="ctr"/>
+          <a:lstStyle/>
+          <a:p>
+            <a:pPr algn="ctr"/>
+            <a:r>
+              <a:rPr lang="en-US" altLang="ko-KR" sz="1100" b="1" dirty="0"/>
+              <a:t>content</a:t>
+            </a:r>
+          </a:p>
+        </p:txBody>
+      </p:sp>
+      <p:sp>
+        <p:nvSpPr>
+          <p:cNvPr id="59" name="직사각형 58">
+            <a:extLst>
+              <a:ext uri="{FF2B5EF4-FFF2-40B4-BE49-F238E27FC236}">
+                <a16:creationId xmlns:a16="http://schemas.microsoft.com/office/drawing/2014/main" id="{E39B8471-B74B-2E7C-1CC0-5013B62E85DD}"/>
+              </a:ext>
+            </a:extLst>
+          </p:cNvPr>
+          <p:cNvSpPr/>
+          <p:nvPr/>
+        </p:nvSpPr>
+        <p:spPr>
+          <a:xfrm>
+            <a:off x="8429564" y="4809406"/>
+            <a:ext cx="642003" cy="576615"/>
+          </a:xfrm>
+          <a:prstGeom prst="rect">
+            <a:avLst/>
+          </a:prstGeom>
+          <a:noFill/>
+          <a:ln>
+            <a:noFill/>
+          </a:ln>
+        </p:spPr>
+        <p:style>
+          <a:lnRef idx="2">
+            <a:schemeClr val="accent1">
+              <a:shade val="50000"/>
+            </a:schemeClr>
+          </a:lnRef>
+          <a:fillRef idx="1">
+            <a:schemeClr val="accent1"/>
+          </a:fillRef>
+          <a:effectRef idx="0">
+            <a:schemeClr val="accent1"/>
+          </a:effectRef>
+          <a:fontRef idx="minor">
+            <a:schemeClr val="lt1"/>
+          </a:fontRef>
+        </p:style>
+        <p:txBody>
+          <a:bodyPr rtlCol="0" anchor="ctr"/>
+          <a:lstStyle/>
+          <a:p>
+            <a:pPr algn="ctr"/>
+            <a:r>
+              <a:rPr lang="en-US" altLang="ko-KR" sz="1100" b="1" dirty="0"/>
+              <a:t>count</a:t>
+            </a:r>
+          </a:p>
+        </p:txBody>
+      </p:sp>
+      <p:sp>
+        <p:nvSpPr>
+          <p:cNvPr id="60" name="직사각형 59">
+            <a:extLst>
+              <a:ext uri="{FF2B5EF4-FFF2-40B4-BE49-F238E27FC236}">
+                <a16:creationId xmlns:a16="http://schemas.microsoft.com/office/drawing/2014/main" id="{EA19C1CC-DA0F-B509-68CC-40AF948BD0B5}"/>
+              </a:ext>
+            </a:extLst>
+          </p:cNvPr>
+          <p:cNvSpPr/>
+          <p:nvPr/>
+        </p:nvSpPr>
+        <p:spPr>
+          <a:xfrm>
+            <a:off x="9185870" y="4957047"/>
+            <a:ext cx="506618" cy="301460"/>
+          </a:xfrm>
+          <a:prstGeom prst="rect">
+            <a:avLst/>
+          </a:prstGeom>
+          <a:noFill/>
+          <a:ln>
+            <a:solidFill>
+              <a:schemeClr val="accent5">
+                <a:lumMod val="75000"/>
+              </a:schemeClr>
+            </a:solidFill>
+          </a:ln>
+        </p:spPr>
+        <p:style>
+          <a:lnRef idx="2">
+            <a:schemeClr val="accent6">
+              <a:shade val="15000"/>
+            </a:schemeClr>
+          </a:lnRef>
+          <a:fillRef idx="1">
+            <a:schemeClr val="accent6"/>
+          </a:fillRef>
+          <a:effectRef idx="0">
+            <a:schemeClr val="accent6"/>
+          </a:effectRef>
+          <a:fontRef idx="minor">
+            <a:schemeClr val="lt1"/>
+          </a:fontRef>
+        </p:style>
+        <p:txBody>
+          <a:bodyPr rtlCol="0" anchor="ctr"/>
+          <a:lstStyle/>
+          <a:p>
+            <a:pPr algn="ctr"/>
+            <a:r>
+              <a:rPr lang="ko-KR" altLang="en-US" sz="1200" b="1" dirty="0">
+                <a:solidFill>
+                  <a:schemeClr val="accent5">
+                    <a:lumMod val="75000"/>
+                  </a:schemeClr>
+                </a:solidFill>
+              </a:rPr>
+              <a:t>읽기</a:t>
+            </a:r>
+            <a:endParaRPr lang="en-US" altLang="ko-KR" sz="1200" b="1" dirty="0">
+              <a:solidFill>
+                <a:schemeClr val="accent5">
+                  <a:lumMod val="75000"/>
+                </a:schemeClr>
+              </a:solidFill>
+            </a:endParaRPr>
+          </a:p>
+        </p:txBody>
+      </p:sp>
+      <p:sp>
+        <p:nvSpPr>
+          <p:cNvPr id="61" name="직사각형 60">
+            <a:extLst>
+              <a:ext uri="{FF2B5EF4-FFF2-40B4-BE49-F238E27FC236}">
+                <a16:creationId xmlns:a16="http://schemas.microsoft.com/office/drawing/2014/main" id="{8224C5CC-5C27-CA83-E36A-5BAD6F602CF0}"/>
+              </a:ext>
+            </a:extLst>
+          </p:cNvPr>
+          <p:cNvSpPr/>
+          <p:nvPr/>
+        </p:nvSpPr>
+        <p:spPr>
+          <a:xfrm>
+            <a:off x="9749639" y="4954227"/>
+            <a:ext cx="503536" cy="301460"/>
+          </a:xfrm>
+          <a:prstGeom prst="rect">
+            <a:avLst/>
+          </a:prstGeom>
+          <a:noFill/>
+          <a:ln>
+            <a:solidFill>
+              <a:schemeClr val="accent6">
+                <a:lumMod val="50000"/>
+              </a:schemeClr>
+            </a:solidFill>
+          </a:ln>
+        </p:spPr>
+        <p:style>
+          <a:lnRef idx="2">
+            <a:schemeClr val="accent4">
+              <a:shade val="15000"/>
+            </a:schemeClr>
+          </a:lnRef>
+          <a:fillRef idx="1">
+            <a:schemeClr val="accent4"/>
+          </a:fillRef>
+          <a:effectRef idx="0">
+            <a:schemeClr val="accent4"/>
+          </a:effectRef>
+          <a:fontRef idx="minor">
+            <a:schemeClr val="lt1"/>
+          </a:fontRef>
+        </p:style>
+        <p:txBody>
+          <a:bodyPr rtlCol="0" anchor="ctr"/>
+          <a:lstStyle/>
+          <a:p>
+            <a:pPr algn="ctr"/>
+            <a:r>
+              <a:rPr lang="ko-KR" altLang="en-US" sz="1200" b="1" dirty="0">
+                <a:solidFill>
+                  <a:schemeClr val="accent6">
+                    <a:lumMod val="50000"/>
+                  </a:schemeClr>
+                </a:solidFill>
+              </a:rPr>
+              <a:t>수정</a:t>
+            </a:r>
+            <a:endParaRPr lang="en-US" altLang="ko-KR" sz="1200" b="1" dirty="0">
+              <a:solidFill>
+                <a:schemeClr val="accent6">
+                  <a:lumMod val="50000"/>
+                </a:schemeClr>
+              </a:solidFill>
+            </a:endParaRPr>
+          </a:p>
+        </p:txBody>
+      </p:sp>
+      <p:sp>
+        <p:nvSpPr>
+          <p:cNvPr id="62" name="직사각형 61">
+            <a:extLst>
+              <a:ext uri="{FF2B5EF4-FFF2-40B4-BE49-F238E27FC236}">
+                <a16:creationId xmlns:a16="http://schemas.microsoft.com/office/drawing/2014/main" id="{FBE5606B-C88A-57E5-6793-0FD84C8409EF}"/>
+              </a:ext>
+            </a:extLst>
+          </p:cNvPr>
+          <p:cNvSpPr/>
+          <p:nvPr/>
+        </p:nvSpPr>
+        <p:spPr>
+          <a:xfrm>
+            <a:off x="10310326" y="4954227"/>
+            <a:ext cx="521957" cy="301428"/>
+          </a:xfrm>
+          <a:prstGeom prst="rect">
+            <a:avLst/>
+          </a:prstGeom>
+          <a:noFill/>
+          <a:ln>
+            <a:solidFill>
+              <a:srgbClr val="FF0000"/>
+            </a:solidFill>
+          </a:ln>
+        </p:spPr>
+        <p:style>
+          <a:lnRef idx="2">
+            <a:schemeClr val="accent1">
+              <a:shade val="50000"/>
+            </a:schemeClr>
+          </a:lnRef>
+          <a:fillRef idx="1">
+            <a:schemeClr val="accent1"/>
+          </a:fillRef>
+          <a:effectRef idx="0">
+            <a:schemeClr val="accent1"/>
+          </a:effectRef>
+          <a:fontRef idx="minor">
+            <a:schemeClr val="lt1"/>
+          </a:fontRef>
+        </p:style>
+        <p:txBody>
+          <a:bodyPr rtlCol="0" anchor="ctr"/>
+          <a:lstStyle/>
+          <a:p>
+            <a:pPr algn="ctr"/>
+            <a:r>
+              <a:rPr lang="ko-KR" altLang="en-US" sz="1200" b="1" dirty="0">
+                <a:solidFill>
+                  <a:srgbClr val="FF0000"/>
+                </a:solidFill>
+              </a:rPr>
+              <a:t>삭제</a:t>
+            </a:r>
+            <a:endParaRPr lang="en-US" altLang="ko-KR" sz="1200" b="1" dirty="0">
+              <a:solidFill>
+                <a:srgbClr val="FF0000"/>
+              </a:solidFill>
+            </a:endParaRPr>
+          </a:p>
+        </p:txBody>
+      </p:sp>
+      <p:sp>
+        <p:nvSpPr>
+          <p:cNvPr id="13" name="직사각형 12">
+            <a:extLst>
+              <a:ext uri="{FF2B5EF4-FFF2-40B4-BE49-F238E27FC236}">
+                <a16:creationId xmlns:a16="http://schemas.microsoft.com/office/drawing/2014/main" id="{8BEDF613-BD2C-AEC9-D6D3-40112C07F54F}"/>
+              </a:ext>
+            </a:extLst>
+          </p:cNvPr>
+          <p:cNvSpPr/>
+          <p:nvPr/>
+        </p:nvSpPr>
+        <p:spPr>
+          <a:xfrm>
+            <a:off x="9619886" y="5371469"/>
+            <a:ext cx="1212398" cy="301428"/>
+          </a:xfrm>
+          <a:prstGeom prst="rect">
+            <a:avLst/>
+          </a:prstGeom>
+          <a:solidFill>
+            <a:schemeClr val="accent1">
+              <a:lumMod val="75000"/>
+            </a:schemeClr>
+          </a:solidFill>
+          <a:ln>
+            <a:noFill/>
+          </a:ln>
+        </p:spPr>
+        <p:style>
+          <a:lnRef idx="2">
+            <a:schemeClr val="accent1">
+              <a:shade val="50000"/>
+            </a:schemeClr>
+          </a:lnRef>
+          <a:fillRef idx="1">
+            <a:schemeClr val="accent1"/>
+          </a:fillRef>
+          <a:effectRef idx="0">
+            <a:schemeClr val="accent1"/>
+          </a:effectRef>
+          <a:fontRef idx="minor">
+            <a:schemeClr val="lt1"/>
+          </a:fontRef>
+        </p:style>
+        <p:txBody>
+          <a:bodyPr rtlCol="0" anchor="ctr"/>
+          <a:lstStyle/>
+          <a:p>
+            <a:pPr algn="ctr"/>
+            <a:r>
+              <a:rPr lang="ko-KR" altLang="en-US" sz="1100" b="1" dirty="0" err="1"/>
+              <a:t>문의글</a:t>
+            </a:r>
+            <a:r>
+              <a:rPr lang="ko-KR" altLang="en-US" sz="1100" b="1" dirty="0"/>
+              <a:t> 작성</a:t>
+            </a:r>
+            <a:endParaRPr lang="en-US" altLang="ko-KR" sz="1100" b="1" dirty="0"/>
+          </a:p>
+        </p:txBody>
+      </p:sp>
+      <p:grpSp>
+        <p:nvGrpSpPr>
+          <p:cNvPr id="36" name="그룹 35">
+            <a:extLst>
+              <a:ext uri="{FF2B5EF4-FFF2-40B4-BE49-F238E27FC236}">
+                <a16:creationId xmlns:a16="http://schemas.microsoft.com/office/drawing/2014/main" id="{B96CF4CC-FD5F-0303-9CCD-229F078247FC}"/>
+              </a:ext>
+            </a:extLst>
+          </p:cNvPr>
+          <p:cNvGrpSpPr/>
+          <p:nvPr/>
+        </p:nvGrpSpPr>
+        <p:grpSpPr>
+          <a:xfrm>
+            <a:off x="926632" y="4444226"/>
+            <a:ext cx="4949504" cy="2123296"/>
+            <a:chOff x="926632" y="4369579"/>
+            <a:chExt cx="4949504" cy="2123296"/>
+          </a:xfrm>
+        </p:grpSpPr>
+        <p:sp>
+          <p:nvSpPr>
+            <p:cNvPr id="17" name="직사각형 16">
+              <a:extLst>
+                <a:ext uri="{FF2B5EF4-FFF2-40B4-BE49-F238E27FC236}">
+                  <a16:creationId xmlns:a16="http://schemas.microsoft.com/office/drawing/2014/main" id="{FC1417CE-EB88-21FB-C2AB-30C9BA156026}"/>
+                </a:ext>
+              </a:extLst>
+            </p:cNvPr>
+            <p:cNvSpPr/>
+            <p:nvPr/>
+          </p:nvSpPr>
+          <p:spPr>
+            <a:xfrm>
+              <a:off x="926632" y="4369579"/>
+              <a:ext cx="4949504" cy="2123296"/>
+            </a:xfrm>
+            <a:prstGeom prst="rect">
+              <a:avLst/>
+            </a:prstGeom>
+            <a:solidFill>
+              <a:schemeClr val="accent2">
+                <a:lumMod val="60000"/>
+                <a:lumOff val="40000"/>
+              </a:schemeClr>
+            </a:solidFill>
+            <a:ln>
+              <a:noFill/>
+            </a:ln>
+          </p:spPr>
+          <p:style>
+            <a:lnRef idx="2">
+              <a:schemeClr val="accent1">
+                <a:shade val="50000"/>
+              </a:schemeClr>
+            </a:lnRef>
+            <a:fillRef idx="1">
+              <a:schemeClr val="accent1"/>
+            </a:fillRef>
+            <a:effectRef idx="0">
+              <a:schemeClr val="accent1"/>
+            </a:effectRef>
+            <a:fontRef idx="minor">
+              <a:schemeClr val="lt1"/>
+            </a:fontRef>
+          </p:style>
+          <p:txBody>
+            <a:bodyPr rtlCol="0" anchor="ctr"/>
+            <a:lstStyle/>
+            <a:p>
+              <a:endParaRPr lang="ko-KR" altLang="en-US" sz="1100" b="1" dirty="0"/>
+            </a:p>
+          </p:txBody>
+        </p:sp>
+        <p:sp>
+          <p:nvSpPr>
+            <p:cNvPr id="21" name="직사각형 20">
+              <a:extLst>
+                <a:ext uri="{FF2B5EF4-FFF2-40B4-BE49-F238E27FC236}">
+                  <a16:creationId xmlns:a16="http://schemas.microsoft.com/office/drawing/2014/main" id="{DBABFE37-A24D-DA45-E14D-B94DDD128CE5}"/>
+                </a:ext>
+              </a:extLst>
+            </p:cNvPr>
+            <p:cNvSpPr/>
+            <p:nvPr/>
+          </p:nvSpPr>
+          <p:spPr>
+            <a:xfrm>
+              <a:off x="1146496" y="4815096"/>
+              <a:ext cx="4519020" cy="301460"/>
+            </a:xfrm>
+            <a:prstGeom prst="rect">
+              <a:avLst/>
+            </a:prstGeom>
+            <a:noFill/>
+            <a:ln>
+              <a:solidFill>
+                <a:schemeClr val="accent6">
+                  <a:lumMod val="50000"/>
+                </a:schemeClr>
+              </a:solidFill>
+            </a:ln>
+          </p:spPr>
+          <p:style>
+            <a:lnRef idx="2">
+              <a:schemeClr val="accent4">
+                <a:shade val="15000"/>
+              </a:schemeClr>
+            </a:lnRef>
+            <a:fillRef idx="1">
+              <a:schemeClr val="accent4"/>
+            </a:fillRef>
+            <a:effectRef idx="0">
+              <a:schemeClr val="accent4"/>
+            </a:effectRef>
+            <a:fontRef idx="minor">
+              <a:schemeClr val="lt1"/>
+            </a:fontRef>
+          </p:style>
+          <p:txBody>
+            <a:bodyPr rtlCol="0" anchor="ctr"/>
+            <a:lstStyle/>
+            <a:p>
+              <a:r>
+                <a:rPr lang="en-US" altLang="ko-KR" sz="1200" b="1" dirty="0">
+                  <a:solidFill>
+                    <a:schemeClr val="accent6">
+                      <a:lumMod val="50000"/>
+                    </a:schemeClr>
+                  </a:solidFill>
+                </a:rPr>
+                <a:t>title</a:t>
+              </a:r>
+            </a:p>
+          </p:txBody>
+        </p:sp>
+        <p:sp>
+          <p:nvSpPr>
+            <p:cNvPr id="22" name="직사각형 21">
+              <a:extLst>
+                <a:ext uri="{FF2B5EF4-FFF2-40B4-BE49-F238E27FC236}">
+                  <a16:creationId xmlns:a16="http://schemas.microsoft.com/office/drawing/2014/main" id="{71A21DB4-E74F-7A83-0B20-EBCF478F4E08}"/>
+                </a:ext>
+              </a:extLst>
+            </p:cNvPr>
+            <p:cNvSpPr/>
+            <p:nvPr/>
+          </p:nvSpPr>
+          <p:spPr>
+            <a:xfrm>
+              <a:off x="1146495" y="4504390"/>
+              <a:ext cx="1161177" cy="301460"/>
+            </a:xfrm>
+            <a:prstGeom prst="rect">
+              <a:avLst/>
+            </a:prstGeom>
+            <a:noFill/>
+            <a:ln>
+              <a:noFill/>
+            </a:ln>
+          </p:spPr>
+          <p:style>
+            <a:lnRef idx="2">
+              <a:schemeClr val="accent1">
+                <a:shade val="50000"/>
+              </a:schemeClr>
+            </a:lnRef>
+            <a:fillRef idx="1">
+              <a:schemeClr val="accent1"/>
+            </a:fillRef>
+            <a:effectRef idx="0">
+              <a:schemeClr val="accent1"/>
+            </a:effectRef>
+            <a:fontRef idx="minor">
+              <a:schemeClr val="lt1"/>
+            </a:fontRef>
+          </p:style>
+          <p:txBody>
+            <a:bodyPr rtlCol="0" anchor="ctr"/>
+            <a:lstStyle/>
+            <a:p>
+              <a:r>
+                <a:rPr lang="ko-KR" altLang="en-US" sz="1100" b="1" dirty="0" err="1">
+                  <a:solidFill>
+                    <a:schemeClr val="tx1"/>
+                  </a:solidFill>
+                </a:rPr>
+                <a:t>문의글</a:t>
+              </a:r>
+              <a:r>
+                <a:rPr lang="ko-KR" altLang="en-US" sz="1100" b="1" dirty="0">
+                  <a:solidFill>
+                    <a:schemeClr val="tx1"/>
+                  </a:solidFill>
+                </a:rPr>
+                <a:t> 남기기</a:t>
+              </a:r>
+              <a:endParaRPr lang="en-US" altLang="ko-KR" sz="1100" b="1" dirty="0">
+                <a:solidFill>
+                  <a:schemeClr val="tx1"/>
+                </a:solidFill>
+              </a:endParaRPr>
+            </a:p>
+          </p:txBody>
+        </p:sp>
+        <p:sp>
+          <p:nvSpPr>
+            <p:cNvPr id="23" name="직사각형 22">
+              <a:extLst>
+                <a:ext uri="{FF2B5EF4-FFF2-40B4-BE49-F238E27FC236}">
+                  <a16:creationId xmlns:a16="http://schemas.microsoft.com/office/drawing/2014/main" id="{36C400A2-F5E2-7231-F347-77066AAFC8BA}"/>
+                </a:ext>
+              </a:extLst>
+            </p:cNvPr>
+            <p:cNvSpPr/>
+            <p:nvPr/>
+          </p:nvSpPr>
+          <p:spPr>
+            <a:xfrm>
+              <a:off x="1141874" y="5192549"/>
+              <a:ext cx="4519020" cy="658290"/>
+            </a:xfrm>
+            <a:prstGeom prst="rect">
+              <a:avLst/>
+            </a:prstGeom>
+            <a:noFill/>
+            <a:ln>
+              <a:solidFill>
+                <a:schemeClr val="accent6">
+                  <a:lumMod val="50000"/>
+                </a:schemeClr>
+              </a:solidFill>
+            </a:ln>
+          </p:spPr>
+          <p:style>
+            <a:lnRef idx="2">
+              <a:schemeClr val="accent4">
+                <a:shade val="15000"/>
+              </a:schemeClr>
+            </a:lnRef>
+            <a:fillRef idx="1">
+              <a:schemeClr val="accent4"/>
+            </a:fillRef>
+            <a:effectRef idx="0">
+              <a:schemeClr val="accent4"/>
+            </a:effectRef>
+            <a:fontRef idx="minor">
+              <a:schemeClr val="lt1"/>
+            </a:fontRef>
+          </p:style>
+          <p:txBody>
+            <a:bodyPr rtlCol="0" anchor="ctr"/>
+            <a:lstStyle/>
+            <a:p>
+              <a:r>
+                <a:rPr lang="en-US" altLang="ko-KR" sz="1200" b="1">
+                  <a:solidFill>
+                    <a:schemeClr val="accent6">
+                      <a:lumMod val="50000"/>
+                    </a:schemeClr>
+                  </a:solidFill>
+                </a:rPr>
+                <a:t>content</a:t>
+              </a:r>
+              <a:endParaRPr lang="ko-KR" altLang="en-US" sz="1200" b="1" dirty="0"/>
+            </a:p>
+          </p:txBody>
+        </p:sp>
+        <p:sp>
+          <p:nvSpPr>
+            <p:cNvPr id="32" name="직사각형 31">
+              <a:extLst>
+                <a:ext uri="{FF2B5EF4-FFF2-40B4-BE49-F238E27FC236}">
+                  <a16:creationId xmlns:a16="http://schemas.microsoft.com/office/drawing/2014/main" id="{1F67075F-ED76-70D4-30C9-840AE5B2D57C}"/>
+                </a:ext>
+              </a:extLst>
+            </p:cNvPr>
+            <p:cNvSpPr/>
+            <p:nvPr/>
+          </p:nvSpPr>
+          <p:spPr>
+            <a:xfrm>
+              <a:off x="4168578" y="6048943"/>
+              <a:ext cx="534051" cy="301428"/>
+            </a:xfrm>
+            <a:prstGeom prst="rect">
+              <a:avLst/>
+            </a:prstGeom>
+            <a:solidFill>
+              <a:schemeClr val="accent1">
+                <a:lumMod val="75000"/>
+              </a:schemeClr>
+            </a:solidFill>
+            <a:ln>
+              <a:noFill/>
+            </a:ln>
+          </p:spPr>
+          <p:style>
+            <a:lnRef idx="2">
+              <a:schemeClr val="accent1">
+                <a:shade val="50000"/>
+              </a:schemeClr>
+            </a:lnRef>
+            <a:fillRef idx="1">
+              <a:schemeClr val="accent1"/>
+            </a:fillRef>
+            <a:effectRef idx="0">
+              <a:schemeClr val="accent1"/>
+            </a:effectRef>
+            <a:fontRef idx="minor">
+              <a:schemeClr val="lt1"/>
+            </a:fontRef>
+          </p:style>
+          <p:txBody>
+            <a:bodyPr rtlCol="0" anchor="ctr"/>
+            <a:lstStyle/>
+            <a:p>
+              <a:pPr algn="ctr"/>
+              <a:r>
+                <a:rPr lang="ko-KR" altLang="en-US" sz="1100" b="1"/>
+                <a:t>저장</a:t>
+              </a:r>
+              <a:endParaRPr lang="en-US" altLang="ko-KR" sz="1100" b="1" dirty="0"/>
+            </a:p>
+          </p:txBody>
+        </p:sp>
+        <p:sp>
+          <p:nvSpPr>
+            <p:cNvPr id="35" name="직사각형 34">
+              <a:extLst>
+                <a:ext uri="{FF2B5EF4-FFF2-40B4-BE49-F238E27FC236}">
+                  <a16:creationId xmlns:a16="http://schemas.microsoft.com/office/drawing/2014/main" id="{5825608F-9176-1BDC-05FC-130D88936FC6}"/>
+                </a:ext>
+              </a:extLst>
+            </p:cNvPr>
+            <p:cNvSpPr/>
+            <p:nvPr/>
+          </p:nvSpPr>
+          <p:spPr>
+            <a:xfrm>
+              <a:off x="4755331" y="6048943"/>
+              <a:ext cx="905563" cy="301428"/>
+            </a:xfrm>
+            <a:prstGeom prst="rect">
+              <a:avLst/>
+            </a:prstGeom>
+            <a:solidFill>
+              <a:schemeClr val="tx1">
+                <a:lumMod val="50000"/>
+                <a:lumOff val="50000"/>
+              </a:schemeClr>
+            </a:solidFill>
+            <a:ln>
+              <a:noFill/>
+            </a:ln>
+          </p:spPr>
+          <p:style>
+            <a:lnRef idx="2">
+              <a:schemeClr val="accent1">
+                <a:shade val="50000"/>
+              </a:schemeClr>
+            </a:lnRef>
+            <a:fillRef idx="1">
+              <a:schemeClr val="accent1"/>
+            </a:fillRef>
+            <a:effectRef idx="0">
+              <a:schemeClr val="accent1"/>
+            </a:effectRef>
+            <a:fontRef idx="minor">
+              <a:schemeClr val="lt1"/>
+            </a:fontRef>
+          </p:style>
+          <p:txBody>
+            <a:bodyPr rtlCol="0" anchor="ctr"/>
+            <a:lstStyle/>
+            <a:p>
+              <a:pPr algn="ctr"/>
+              <a:r>
+                <a:rPr lang="ko-KR" altLang="en-US" sz="1100" b="1" dirty="0"/>
+                <a:t>목록으로</a:t>
+              </a:r>
+              <a:endParaRPr lang="en-US" altLang="ko-KR" sz="1100" b="1" dirty="0"/>
+            </a:p>
+          </p:txBody>
+        </p:sp>
+      </p:grpSp>
+      <p:sp>
+        <p:nvSpPr>
+          <p:cNvPr id="63" name="직사각형 62">
+            <a:extLst>
+              <a:ext uri="{FF2B5EF4-FFF2-40B4-BE49-F238E27FC236}">
+                <a16:creationId xmlns:a16="http://schemas.microsoft.com/office/drawing/2014/main" id="{52778C2B-4937-43CC-A0DF-D8B192DBBE1B}"/>
+              </a:ext>
+            </a:extLst>
+          </p:cNvPr>
+          <p:cNvSpPr/>
+          <p:nvPr/>
+        </p:nvSpPr>
+        <p:spPr>
+          <a:xfrm>
+            <a:off x="9575418" y="5322125"/>
+            <a:ext cx="1294189" cy="392009"/>
+          </a:xfrm>
+          <a:prstGeom prst="rect">
+            <a:avLst/>
+          </a:prstGeom>
+          <a:noFill/>
+          <a:ln w="22225">
+            <a:solidFill>
+              <a:srgbClr val="FF0000"/>
+            </a:solidFill>
+            <a:prstDash val="sysDash"/>
+          </a:ln>
+        </p:spPr>
+        <p:style>
+          <a:lnRef idx="2">
+            <a:schemeClr val="accent1">
+              <a:shade val="50000"/>
+            </a:schemeClr>
+          </a:lnRef>
+          <a:fillRef idx="1">
+            <a:schemeClr val="accent1"/>
+          </a:fillRef>
+          <a:effectRef idx="0">
+            <a:schemeClr val="accent1"/>
+          </a:effectRef>
+          <a:fontRef idx="minor">
+            <a:schemeClr val="lt1"/>
+          </a:fontRef>
+        </p:style>
+        <p:txBody>
+          <a:bodyPr rtlCol="0" anchor="ctr"/>
+          <a:lstStyle/>
+          <a:p>
+            <a:pPr algn="ctr"/>
+            <a:endParaRPr lang="en-US" altLang="ko-KR" sz="1200" b="1" dirty="0">
+              <a:solidFill>
+                <a:srgbClr val="FF0000"/>
+              </a:solidFill>
+            </a:endParaRPr>
+          </a:p>
+        </p:txBody>
+      </p:sp>
+      <p:cxnSp>
+        <p:nvCxnSpPr>
+          <p:cNvPr id="39" name="직선 화살표 연결선 38">
+            <a:extLst>
+              <a:ext uri="{FF2B5EF4-FFF2-40B4-BE49-F238E27FC236}">
+                <a16:creationId xmlns:a16="http://schemas.microsoft.com/office/drawing/2014/main" id="{7131BA1F-3B76-4B52-8F8B-F461CCE42938}"/>
+              </a:ext>
+            </a:extLst>
+          </p:cNvPr>
+          <p:cNvCxnSpPr>
+            <a:stCxn id="63" idx="1"/>
+            <a:endCxn id="17" idx="3"/>
+          </p:cNvCxnSpPr>
+          <p:nvPr/>
+        </p:nvCxnSpPr>
+        <p:spPr>
+          <a:xfrm flipH="1" flipV="1">
+            <a:off x="5876136" y="5505874"/>
+            <a:ext cx="3699282" cy="12256"/>
+          </a:xfrm>
+          <a:prstGeom prst="straightConnector1">
+            <a:avLst/>
+          </a:prstGeom>
+          <a:ln w="12700">
+            <a:solidFill>
+              <a:srgbClr val="FF0000"/>
+            </a:solidFill>
+            <a:tailEnd type="triangle"/>
+          </a:ln>
+        </p:spPr>
+        <p:style>
+          <a:lnRef idx="1">
+            <a:schemeClr val="accent1"/>
+          </a:lnRef>
+          <a:fillRef idx="0">
+            <a:schemeClr val="accent1"/>
+          </a:fillRef>
+          <a:effectRef idx="0">
+            <a:schemeClr val="accent1"/>
+          </a:effectRef>
+          <a:fontRef idx="minor">
+            <a:schemeClr val="tx1"/>
+          </a:fontRef>
+        </p:style>
+      </p:cxnSp>
     </p:spTree>
     <p:extLst>
       <p:ext uri="{BB962C8B-B14F-4D97-AF65-F5344CB8AC3E}">
-        <p14:creationId xmlns:p14="http://schemas.microsoft.com/office/powerpoint/2010/main" val="551985489"/>
+        <p14:creationId xmlns:p14="http://schemas.microsoft.com/office/powerpoint/2010/main" val="842212033"/>
       </p:ext>
     </p:extLst>
   </p:cSld>
